--- a/FR/4_1_Cas_Simple_particule_boite/particule_boite.pptx
+++ b/FR/4_1_Cas_Simple_particule_boite/particule_boite.pptx
@@ -9,22 +9,21 @@
     <p:sldId id="260" r:id="rId3"/>
     <p:sldId id="282" r:id="rId4"/>
     <p:sldId id="285" r:id="rId5"/>
-    <p:sldId id="288" r:id="rId6"/>
-    <p:sldId id="291" r:id="rId7"/>
-    <p:sldId id="289" r:id="rId8"/>
-    <p:sldId id="290" r:id="rId9"/>
-    <p:sldId id="293" r:id="rId10"/>
-    <p:sldId id="294" r:id="rId11"/>
-    <p:sldId id="295" r:id="rId12"/>
-    <p:sldId id="297" r:id="rId13"/>
-    <p:sldId id="298" r:id="rId14"/>
-    <p:sldId id="299" r:id="rId15"/>
-    <p:sldId id="301" r:id="rId16"/>
-    <p:sldId id="302" r:id="rId17"/>
-    <p:sldId id="303" r:id="rId18"/>
-    <p:sldId id="304" r:id="rId19"/>
-    <p:sldId id="305" r:id="rId20"/>
-    <p:sldId id="306" r:id="rId21"/>
+    <p:sldId id="291" r:id="rId6"/>
+    <p:sldId id="289" r:id="rId7"/>
+    <p:sldId id="290" r:id="rId8"/>
+    <p:sldId id="293" r:id="rId9"/>
+    <p:sldId id="294" r:id="rId10"/>
+    <p:sldId id="295" r:id="rId11"/>
+    <p:sldId id="297" r:id="rId12"/>
+    <p:sldId id="298" r:id="rId13"/>
+    <p:sldId id="299" r:id="rId14"/>
+    <p:sldId id="301" r:id="rId15"/>
+    <p:sldId id="302" r:id="rId16"/>
+    <p:sldId id="303" r:id="rId17"/>
+    <p:sldId id="304" r:id="rId18"/>
+    <p:sldId id="305" r:id="rId19"/>
+    <p:sldId id="306" r:id="rId20"/>
   </p:sldIdLst>
   <p:sldSz cx="12192000" cy="6858000"/>
   <p:notesSz cx="6858000" cy="9144000"/>
@@ -297,7 +296,7 @@
           <a:p>
             <a:fld id="{FDBD420C-7621-46C4-B0D7-0A7E12FF1E5F}" type="datetimeFigureOut">
               <a:rPr lang="en-CA" smtClean="0"/>
-              <a:t>2020-01-31</a:t>
+              <a:t>2020-06-03</a:t>
             </a:fld>
             <a:endParaRPr lang="en-CA"/>
           </a:p>
@@ -497,7 +496,7 @@
           <a:p>
             <a:fld id="{FDBD420C-7621-46C4-B0D7-0A7E12FF1E5F}" type="datetimeFigureOut">
               <a:rPr lang="en-CA" smtClean="0"/>
-              <a:t>2020-01-31</a:t>
+              <a:t>2020-06-03</a:t>
             </a:fld>
             <a:endParaRPr lang="en-CA"/>
           </a:p>
@@ -707,7 +706,7 @@
           <a:p>
             <a:fld id="{FDBD420C-7621-46C4-B0D7-0A7E12FF1E5F}" type="datetimeFigureOut">
               <a:rPr lang="en-CA" smtClean="0"/>
-              <a:t>2020-01-31</a:t>
+              <a:t>2020-06-03</a:t>
             </a:fld>
             <a:endParaRPr lang="en-CA"/>
           </a:p>
@@ -907,7 +906,7 @@
           <a:p>
             <a:fld id="{FDBD420C-7621-46C4-B0D7-0A7E12FF1E5F}" type="datetimeFigureOut">
               <a:rPr lang="en-CA" smtClean="0"/>
-              <a:t>2020-01-31</a:t>
+              <a:t>2020-06-03</a:t>
             </a:fld>
             <a:endParaRPr lang="en-CA"/>
           </a:p>
@@ -1183,7 +1182,7 @@
           <a:p>
             <a:fld id="{FDBD420C-7621-46C4-B0D7-0A7E12FF1E5F}" type="datetimeFigureOut">
               <a:rPr lang="en-CA" smtClean="0"/>
-              <a:t>2020-01-31</a:t>
+              <a:t>2020-06-03</a:t>
             </a:fld>
             <a:endParaRPr lang="en-CA"/>
           </a:p>
@@ -1451,7 +1450,7 @@
           <a:p>
             <a:fld id="{FDBD420C-7621-46C4-B0D7-0A7E12FF1E5F}" type="datetimeFigureOut">
               <a:rPr lang="en-CA" smtClean="0"/>
-              <a:t>2020-01-31</a:t>
+              <a:t>2020-06-03</a:t>
             </a:fld>
             <a:endParaRPr lang="en-CA"/>
           </a:p>
@@ -1866,7 +1865,7 @@
           <a:p>
             <a:fld id="{FDBD420C-7621-46C4-B0D7-0A7E12FF1E5F}" type="datetimeFigureOut">
               <a:rPr lang="en-CA" smtClean="0"/>
-              <a:t>2020-01-31</a:t>
+              <a:t>2020-06-03</a:t>
             </a:fld>
             <a:endParaRPr lang="en-CA"/>
           </a:p>
@@ -2008,7 +2007,7 @@
           <a:p>
             <a:fld id="{FDBD420C-7621-46C4-B0D7-0A7E12FF1E5F}" type="datetimeFigureOut">
               <a:rPr lang="en-CA" smtClean="0"/>
-              <a:t>2020-01-31</a:t>
+              <a:t>2020-06-03</a:t>
             </a:fld>
             <a:endParaRPr lang="en-CA"/>
           </a:p>
@@ -2121,7 +2120,7 @@
           <a:p>
             <a:fld id="{FDBD420C-7621-46C4-B0D7-0A7E12FF1E5F}" type="datetimeFigureOut">
               <a:rPr lang="en-CA" smtClean="0"/>
-              <a:t>2020-01-31</a:t>
+              <a:t>2020-06-03</a:t>
             </a:fld>
             <a:endParaRPr lang="en-CA"/>
           </a:p>
@@ -2434,7 +2433,7 @@
           <a:p>
             <a:fld id="{FDBD420C-7621-46C4-B0D7-0A7E12FF1E5F}" type="datetimeFigureOut">
               <a:rPr lang="en-CA" smtClean="0"/>
-              <a:t>2020-01-31</a:t>
+              <a:t>2020-06-03</a:t>
             </a:fld>
             <a:endParaRPr lang="en-CA"/>
           </a:p>
@@ -2723,7 +2722,7 @@
           <a:p>
             <a:fld id="{FDBD420C-7621-46C4-B0D7-0A7E12FF1E5F}" type="datetimeFigureOut">
               <a:rPr lang="en-CA" smtClean="0"/>
-              <a:t>2020-01-31</a:t>
+              <a:t>2020-06-03</a:t>
             </a:fld>
             <a:endParaRPr lang="en-CA"/>
           </a:p>
@@ -2966,7 +2965,7 @@
           <a:p>
             <a:fld id="{FDBD420C-7621-46C4-B0D7-0A7E12FF1E5F}" type="datetimeFigureOut">
               <a:rPr lang="en-CA" smtClean="0"/>
-              <a:t>2020-01-31</a:t>
+              <a:t>2020-06-03</a:t>
             </a:fld>
             <a:endParaRPr lang="en-CA"/>
           </a:p>
@@ -3516,7 +3515,7 @@
                   <a:srgbClr val="FFFFFF"/>
                 </a:solidFill>
               </a:rPr>
-              <a:t> 4 : Cas simple</a:t>
+              <a:t> 2 : Cas simple</a:t>
             </a:r>
             <a:br>
               <a:rPr lang="en-CA" sz="4400" dirty="0">
@@ -4356,8 +4355,8 @@
           </p:sp>
         </mc:Fallback>
       </mc:AlternateContent>
-      <mc:AlternateContent xmlns:mc="http://schemas.openxmlformats.org/markup-compatibility/2006">
-        <mc:Choice xmlns:a14="http://schemas.microsoft.com/office/drawing/2010/main" Requires="a14">
+      <mc:AlternateContent xmlns:mc="http://schemas.openxmlformats.org/markup-compatibility/2006" xmlns:a14="http://schemas.microsoft.com/office/drawing/2010/main">
+        <mc:Choice Requires="a14">
           <p:sp>
             <p:nvSpPr>
               <p:cNvPr id="3" name="!!!eq1">
@@ -4373,7 +4372,7 @@
             <p:spPr>
               <a:xfrm>
                 <a:off x="480912" y="4409057"/>
-                <a:ext cx="5484643" cy="523220"/>
+                <a:ext cx="3836755" cy="523220"/>
               </a:xfrm>
               <a:prstGeom prst="rect">
                 <a:avLst/>
@@ -4385,6 +4384,7 @@
               </a:bodyPr>
               <a:lstStyle/>
               <a:p>
+                <a:pPr/>
                 <a14:m>
                   <m:oMathPara xmlns:m="http://schemas.openxmlformats.org/officeDocument/2006/math">
                     <m:oMathParaPr>
@@ -4392,13 +4392,10 @@
                     </m:oMathParaPr>
                     <m:oMath xmlns:m="http://schemas.openxmlformats.org/officeDocument/2006/math">
                       <m:r>
-                        <m:rPr>
-                          <m:sty m:val="p"/>
-                        </m:rPr>
-                        <a:rPr lang="en-CA" sz="2800" smtClean="0">
-                          <a:latin typeface="Cambria Math" panose="02040503050406030204" pitchFamily="18" charset="0"/>
-                        </a:rPr>
-                        <m:t>Ψ</m:t>
+                        <a:rPr lang="en-CA" sz="2800" i="1">
+                          <a:latin typeface="Cambria Math" panose="02040503050406030204" pitchFamily="18" charset="0"/>
+                        </a:rPr>
+                        <m:t>𝐴𝑠𝑖𝑛</m:t>
                       </m:r>
                       <m:d>
                         <m:dPr>
@@ -4418,16 +4415,16 @@
                         </m:e>
                       </m:d>
                       <m:r>
-                        <a:rPr lang="fr-CA" sz="2800" b="0" i="1" smtClean="0">
-                          <a:latin typeface="Cambria Math" panose="02040503050406030204" pitchFamily="18" charset="0"/>
-                        </a:rPr>
-                        <m:t>=</m:t>
-                      </m:r>
-                      <m:r>
                         <a:rPr lang="en-CA" sz="2800" i="1">
                           <a:latin typeface="Cambria Math" panose="02040503050406030204" pitchFamily="18" charset="0"/>
                         </a:rPr>
-                        <m:t>𝐴𝑠𝑖𝑛</m:t>
+                        <m:t>+</m:t>
+                      </m:r>
+                      <m:r>
+                        <a:rPr lang="en-CA" sz="2800" i="1">
+                          <a:latin typeface="Cambria Math" panose="02040503050406030204" pitchFamily="18" charset="0"/>
+                        </a:rPr>
+                        <m:t>𝐵𝑐𝑜𝑠</m:t>
                       </m:r>
                       <m:d>
                         <m:dPr>
@@ -4439,39 +4436,10 @@
                         </m:dPr>
                         <m:e>
                           <m:r>
-                            <a:rPr lang="en-CA" sz="2800" i="1">
-                              <a:latin typeface="Cambria Math" panose="02040503050406030204" pitchFamily="18" charset="0"/>
-                            </a:rPr>
-                            <m:t>𝑘𝑥</m:t>
-                          </m:r>
-                        </m:e>
-                      </m:d>
-                      <m:r>
-                        <a:rPr lang="en-CA" sz="2800" i="1">
-                          <a:latin typeface="Cambria Math" panose="02040503050406030204" pitchFamily="18" charset="0"/>
-                        </a:rPr>
-                        <m:t>+</m:t>
-                      </m:r>
-                      <m:r>
-                        <a:rPr lang="en-CA" sz="2800" i="1">
-                          <a:latin typeface="Cambria Math" panose="02040503050406030204" pitchFamily="18" charset="0"/>
-                        </a:rPr>
-                        <m:t>𝐵𝑐𝑜𝑠</m:t>
-                      </m:r>
-                      <m:d>
-                        <m:dPr>
-                          <m:ctrlPr>
-                            <a:rPr lang="en-CA" sz="2800" i="1">
-                              <a:latin typeface="Cambria Math" panose="02040503050406030204" pitchFamily="18" charset="0"/>
-                            </a:rPr>
-                          </m:ctrlPr>
-                        </m:dPr>
-                        <m:e>
-                          <m:r>
-                            <a:rPr lang="en-CA" sz="2800" i="1">
-                              <a:latin typeface="Cambria Math" panose="02040503050406030204" pitchFamily="18" charset="0"/>
-                            </a:rPr>
-                            <m:t>𝑘𝑥</m:t>
+                            <a:rPr lang="fr-CA" sz="2800" b="0" i="1" smtClean="0">
+                              <a:latin typeface="Cambria Math" panose="02040503050406030204" pitchFamily="18" charset="0"/>
+                            </a:rPr>
+                            <m:t>0</m:t>
                           </m:r>
                         </m:e>
                       </m:d>
@@ -4489,7 +4457,7 @@
             </p:txBody>
           </p:sp>
         </mc:Choice>
-        <mc:Fallback>
+        <mc:Fallback xmlns="">
           <p:sp>
             <p:nvSpPr>
               <p:cNvPr id="3" name="!!!eq1">
@@ -4507,7 +4475,7 @@
             <p:spPr>
               <a:xfrm>
                 <a:off x="480912" y="4409057"/>
-                <a:ext cx="5484643" cy="523220"/>
+                <a:ext cx="3836755" cy="523220"/>
               </a:xfrm>
               <a:prstGeom prst="rect">
                 <a:avLst/>
@@ -4534,8 +4502,8 @@
           </p:sp>
         </mc:Fallback>
       </mc:AlternateContent>
-      <mc:AlternateContent xmlns:mc="http://schemas.openxmlformats.org/markup-compatibility/2006">
-        <mc:Choice xmlns:a14="http://schemas.microsoft.com/office/drawing/2010/main" Requires="a14">
+      <mc:AlternateContent xmlns:mc="http://schemas.openxmlformats.org/markup-compatibility/2006" xmlns:a14="http://schemas.microsoft.com/office/drawing/2010/main">
+        <mc:Choice Requires="a14">
           <p:sp>
             <p:nvSpPr>
               <p:cNvPr id="12" name="!!!eq2">
@@ -4563,6 +4531,7 @@
               </a:bodyPr>
               <a:lstStyle/>
               <a:p>
+                <a:pPr/>
                 <a14:m>
                   <m:oMathPara xmlns:m="http://schemas.openxmlformats.org/officeDocument/2006/math">
                     <m:oMathParaPr>
@@ -4609,7 +4578,7 @@
             </p:txBody>
           </p:sp>
         </mc:Choice>
-        <mc:Fallback>
+        <mc:Fallback xmlns="">
           <p:sp>
             <p:nvSpPr>
               <p:cNvPr id="12" name="!!!eq2">
@@ -4657,7 +4626,7 @@
     </p:spTree>
     <p:extLst>
       <p:ext uri="{BB962C8B-B14F-4D97-AF65-F5344CB8AC3E}">
-        <p14:creationId xmlns:p14="http://schemas.microsoft.com/office/powerpoint/2010/main" val="161397985"/>
+        <p14:creationId xmlns:p14="http://schemas.microsoft.com/office/powerpoint/2010/main" val="1630724674"/>
       </p:ext>
     </p:extLst>
   </p:cSld>
@@ -5395,8 +5364,8 @@
           </p:sp>
         </mc:Fallback>
       </mc:AlternateContent>
-      <mc:AlternateContent xmlns:mc="http://schemas.openxmlformats.org/markup-compatibility/2006">
-        <mc:Choice xmlns:a14="http://schemas.microsoft.com/office/drawing/2010/main" Requires="a14">
+      <mc:AlternateContent xmlns:mc="http://schemas.openxmlformats.org/markup-compatibility/2006" xmlns:a14="http://schemas.microsoft.com/office/drawing/2010/main">
+        <mc:Choice Requires="a14">
           <p:sp>
             <p:nvSpPr>
               <p:cNvPr id="3" name="!!!eq1">
@@ -5412,7 +5381,7 @@
             <p:spPr>
               <a:xfrm>
                 <a:off x="480912" y="4409057"/>
-                <a:ext cx="3836755" cy="523220"/>
+                <a:ext cx="1177695" cy="523220"/>
               </a:xfrm>
               <a:prstGeom prst="rect">
                 <a:avLst/>
@@ -5424,6 +5393,7 @@
               </a:bodyPr>
               <a:lstStyle/>
               <a:p>
+                <a:pPr/>
                 <a14:m>
                   <m:oMathPara xmlns:m="http://schemas.openxmlformats.org/officeDocument/2006/math">
                     <m:oMathParaPr>
@@ -5431,57 +5401,11 @@
                     </m:oMathParaPr>
                     <m:oMath xmlns:m="http://schemas.openxmlformats.org/officeDocument/2006/math">
                       <m:r>
-                        <a:rPr lang="en-CA" sz="2800" i="1">
-                          <a:latin typeface="Cambria Math" panose="02040503050406030204" pitchFamily="18" charset="0"/>
-                        </a:rPr>
-                        <m:t>𝐴𝑠𝑖𝑛</m:t>
-                      </m:r>
-                      <m:d>
-                        <m:dPr>
-                          <m:ctrlPr>
-                            <a:rPr lang="en-CA" sz="2800" i="1">
-                              <a:latin typeface="Cambria Math" panose="02040503050406030204" pitchFamily="18" charset="0"/>
-                            </a:rPr>
-                          </m:ctrlPr>
-                        </m:dPr>
-                        <m:e>
-                          <m:r>
-                            <a:rPr lang="fr-CA" sz="2800" b="0" i="1" smtClean="0">
-                              <a:latin typeface="Cambria Math" panose="02040503050406030204" pitchFamily="18" charset="0"/>
-                            </a:rPr>
-                            <m:t>0</m:t>
-                          </m:r>
-                        </m:e>
-                      </m:d>
-                      <m:r>
-                        <a:rPr lang="en-CA" sz="2800" i="1">
-                          <a:latin typeface="Cambria Math" panose="02040503050406030204" pitchFamily="18" charset="0"/>
-                        </a:rPr>
-                        <m:t>+</m:t>
-                      </m:r>
-                      <m:r>
-                        <a:rPr lang="en-CA" sz="2800" i="1">
-                          <a:latin typeface="Cambria Math" panose="02040503050406030204" pitchFamily="18" charset="0"/>
-                        </a:rPr>
-                        <m:t>𝐵𝑐𝑜𝑠</m:t>
-                      </m:r>
-                      <m:d>
-                        <m:dPr>
-                          <m:ctrlPr>
-                            <a:rPr lang="en-CA" sz="2800" i="1">
-                              <a:latin typeface="Cambria Math" panose="02040503050406030204" pitchFamily="18" charset="0"/>
-                            </a:rPr>
-                          </m:ctrlPr>
-                        </m:dPr>
-                        <m:e>
-                          <m:r>
-                            <a:rPr lang="fr-CA" sz="2800" b="0" i="1" smtClean="0">
-                              <a:latin typeface="Cambria Math" panose="02040503050406030204" pitchFamily="18" charset="0"/>
-                            </a:rPr>
-                            <m:t>0</m:t>
-                          </m:r>
-                        </m:e>
-                      </m:d>
+                        <a:rPr lang="fr-CA" sz="2800" b="0" i="1" smtClean="0">
+                          <a:latin typeface="Cambria Math" panose="02040503050406030204" pitchFamily="18" charset="0"/>
+                        </a:rPr>
+                        <m:t>𝐵</m:t>
+                      </m:r>
                       <m:r>
                         <a:rPr lang="fr-CA" sz="2800" b="0" i="1" smtClean="0">
                           <a:latin typeface="Cambria Math" panose="02040503050406030204" pitchFamily="18" charset="0"/>
@@ -5496,7 +5420,7 @@
             </p:txBody>
           </p:sp>
         </mc:Choice>
-        <mc:Fallback>
+        <mc:Fallback xmlns="">
           <p:sp>
             <p:nvSpPr>
               <p:cNvPr id="3" name="!!!eq1">
@@ -5514,7 +5438,7 @@
             <p:spPr>
               <a:xfrm>
                 <a:off x="480912" y="4409057"/>
-                <a:ext cx="3836755" cy="523220"/>
+                <a:ext cx="1177695" cy="523220"/>
               </a:xfrm>
               <a:prstGeom prst="rect">
                 <a:avLst/>
@@ -5541,8 +5465,8 @@
           </p:sp>
         </mc:Fallback>
       </mc:AlternateContent>
-      <mc:AlternateContent xmlns:mc="http://schemas.openxmlformats.org/markup-compatibility/2006">
-        <mc:Choice xmlns:a14="http://schemas.microsoft.com/office/drawing/2010/main" Requires="a14">
+      <mc:AlternateContent xmlns:mc="http://schemas.openxmlformats.org/markup-compatibility/2006" xmlns:a14="http://schemas.microsoft.com/office/drawing/2010/main">
+        <mc:Choice Requires="a14">
           <p:sp>
             <p:nvSpPr>
               <p:cNvPr id="12" name="!!!eq2">
@@ -5570,6 +5494,7 @@
               </a:bodyPr>
               <a:lstStyle/>
               <a:p>
+                <a:pPr/>
                 <a14:m>
                   <m:oMathPara xmlns:m="http://schemas.openxmlformats.org/officeDocument/2006/math">
                     <m:oMathParaPr>
@@ -5616,7 +5541,7 @@
             </p:txBody>
           </p:sp>
         </mc:Choice>
-        <mc:Fallback>
+        <mc:Fallback xmlns="">
           <p:sp>
             <p:nvSpPr>
               <p:cNvPr id="12" name="!!!eq2">
@@ -5664,7 +5589,7 @@
     </p:spTree>
     <p:extLst>
       <p:ext uri="{BB962C8B-B14F-4D97-AF65-F5344CB8AC3E}">
-        <p14:creationId xmlns:p14="http://schemas.microsoft.com/office/powerpoint/2010/main" val="1630724674"/>
+        <p14:creationId xmlns:p14="http://schemas.microsoft.com/office/powerpoint/2010/main" val="1310105807"/>
       </p:ext>
     </p:extLst>
   </p:cSld>
@@ -6402,8 +6327,8 @@
           </p:sp>
         </mc:Fallback>
       </mc:AlternateContent>
-      <mc:AlternateContent xmlns:mc="http://schemas.openxmlformats.org/markup-compatibility/2006">
-        <mc:Choice xmlns:a14="http://schemas.microsoft.com/office/drawing/2010/main" Requires="a14">
+      <mc:AlternateContent xmlns:mc="http://schemas.openxmlformats.org/markup-compatibility/2006" xmlns:a14="http://schemas.microsoft.com/office/drawing/2010/main">
+        <mc:Choice Requires="a14">
           <p:sp>
             <p:nvSpPr>
               <p:cNvPr id="3" name="!!!eq1">
@@ -6431,6 +6356,7 @@
               </a:bodyPr>
               <a:lstStyle/>
               <a:p>
+                <a:pPr/>
                 <a14:m>
                   <m:oMathPara xmlns:m="http://schemas.openxmlformats.org/officeDocument/2006/math">
                     <m:oMathParaPr>
@@ -6457,7 +6383,7 @@
             </p:txBody>
           </p:sp>
         </mc:Choice>
-        <mc:Fallback>
+        <mc:Fallback xmlns="">
           <p:sp>
             <p:nvSpPr>
               <p:cNvPr id="3" name="!!!eq1">
@@ -6502,8 +6428,8 @@
           </p:sp>
         </mc:Fallback>
       </mc:AlternateContent>
-      <mc:AlternateContent xmlns:mc="http://schemas.openxmlformats.org/markup-compatibility/2006">
-        <mc:Choice xmlns:a14="http://schemas.microsoft.com/office/drawing/2010/main" Requires="a14">
+      <mc:AlternateContent xmlns:mc="http://schemas.openxmlformats.org/markup-compatibility/2006" xmlns:a14="http://schemas.microsoft.com/office/drawing/2010/main">
+        <mc:Choice Requires="a14">
           <p:sp>
             <p:nvSpPr>
               <p:cNvPr id="12" name="!!!eq2">
@@ -6519,7 +6445,7 @@
             <p:spPr>
               <a:xfrm>
                 <a:off x="480912" y="4985791"/>
-                <a:ext cx="1709122" cy="523220"/>
+                <a:ext cx="5484002" cy="523220"/>
               </a:xfrm>
               <a:prstGeom prst="rect">
                 <a:avLst/>
@@ -6531,6 +6457,7 @@
               </a:bodyPr>
               <a:lstStyle/>
               <a:p>
+                <a:pPr/>
                 <a14:m>
                   <m:oMathPara xmlns:m="http://schemas.openxmlformats.org/officeDocument/2006/math">
                     <m:oMathParaPr>
@@ -6560,6 +6487,64 @@
                               <a:latin typeface="Cambria Math" panose="02040503050406030204" pitchFamily="18" charset="0"/>
                             </a:rPr>
                             <m:t>𝐿</m:t>
+                          </m:r>
+                        </m:e>
+                      </m:d>
+                      <m:r>
+                        <a:rPr lang="fr-CA" sz="2800" b="0" i="1" smtClean="0">
+                          <a:latin typeface="Cambria Math" panose="02040503050406030204" pitchFamily="18" charset="0"/>
+                        </a:rPr>
+                        <m:t>=</m:t>
+                      </m:r>
+                      <m:r>
+                        <a:rPr lang="en-CA" sz="2800" i="1">
+                          <a:latin typeface="Cambria Math" panose="02040503050406030204" pitchFamily="18" charset="0"/>
+                        </a:rPr>
+                        <m:t>𝐴𝑠𝑖𝑛</m:t>
+                      </m:r>
+                      <m:d>
+                        <m:dPr>
+                          <m:ctrlPr>
+                            <a:rPr lang="en-CA" sz="2800" i="1">
+                              <a:latin typeface="Cambria Math" panose="02040503050406030204" pitchFamily="18" charset="0"/>
+                            </a:rPr>
+                          </m:ctrlPr>
+                        </m:dPr>
+                        <m:e>
+                          <m:r>
+                            <a:rPr lang="en-CA" sz="2800" i="1">
+                              <a:latin typeface="Cambria Math" panose="02040503050406030204" pitchFamily="18" charset="0"/>
+                            </a:rPr>
+                            <m:t>𝑘𝑥</m:t>
+                          </m:r>
+                        </m:e>
+                      </m:d>
+                      <m:r>
+                        <a:rPr lang="en-CA" sz="2800" i="1">
+                          <a:latin typeface="Cambria Math" panose="02040503050406030204" pitchFamily="18" charset="0"/>
+                        </a:rPr>
+                        <m:t>+</m:t>
+                      </m:r>
+                      <m:r>
+                        <a:rPr lang="en-CA" sz="2800" i="1">
+                          <a:latin typeface="Cambria Math" panose="02040503050406030204" pitchFamily="18" charset="0"/>
+                        </a:rPr>
+                        <m:t>𝐵𝑐𝑜𝑠</m:t>
+                      </m:r>
+                      <m:d>
+                        <m:dPr>
+                          <m:ctrlPr>
+                            <a:rPr lang="en-CA" sz="2800" i="1">
+                              <a:latin typeface="Cambria Math" panose="02040503050406030204" pitchFamily="18" charset="0"/>
+                            </a:rPr>
+                          </m:ctrlPr>
+                        </m:dPr>
+                        <m:e>
+                          <m:r>
+                            <a:rPr lang="en-CA" sz="2800" i="1">
+                              <a:latin typeface="Cambria Math" panose="02040503050406030204" pitchFamily="18" charset="0"/>
+                            </a:rPr>
+                            <m:t>𝑘𝑥</m:t>
                           </m:r>
                         </m:e>
                       </m:d>
@@ -6577,7 +6562,7 @@
             </p:txBody>
           </p:sp>
         </mc:Choice>
-        <mc:Fallback>
+        <mc:Fallback xmlns="">
           <p:sp>
             <p:nvSpPr>
               <p:cNvPr id="12" name="!!!eq2">
@@ -6595,7 +6580,7 @@
             <p:spPr>
               <a:xfrm>
                 <a:off x="480912" y="4985791"/>
-                <a:ext cx="1709122" cy="523220"/>
+                <a:ext cx="5484002" cy="523220"/>
               </a:xfrm>
               <a:prstGeom prst="rect">
                 <a:avLst/>
@@ -6625,7 +6610,7 @@
     </p:spTree>
     <p:extLst>
       <p:ext uri="{BB962C8B-B14F-4D97-AF65-F5344CB8AC3E}">
-        <p14:creationId xmlns:p14="http://schemas.microsoft.com/office/powerpoint/2010/main" val="1310105807"/>
+        <p14:creationId xmlns:p14="http://schemas.microsoft.com/office/powerpoint/2010/main" val="1914182702"/>
       </p:ext>
     </p:extLst>
   </p:cSld>
@@ -7363,8 +7348,8 @@
           </p:sp>
         </mc:Fallback>
       </mc:AlternateContent>
-      <mc:AlternateContent xmlns:mc="http://schemas.openxmlformats.org/markup-compatibility/2006">
-        <mc:Choice xmlns:a14="http://schemas.microsoft.com/office/drawing/2010/main" Requires="a14">
+      <mc:AlternateContent xmlns:mc="http://schemas.openxmlformats.org/markup-compatibility/2006" xmlns:a14="http://schemas.microsoft.com/office/drawing/2010/main">
+        <mc:Choice Requires="a14">
           <p:sp>
             <p:nvSpPr>
               <p:cNvPr id="3" name="!!!eq1">
@@ -7392,6 +7377,7 @@
               </a:bodyPr>
               <a:lstStyle/>
               <a:p>
+                <a:pPr/>
                 <a14:m>
                   <m:oMathPara xmlns:m="http://schemas.openxmlformats.org/officeDocument/2006/math">
                     <m:oMathParaPr>
@@ -7418,7 +7404,7 @@
             </p:txBody>
           </p:sp>
         </mc:Choice>
-        <mc:Fallback>
+        <mc:Fallback xmlns="">
           <p:sp>
             <p:nvSpPr>
               <p:cNvPr id="3" name="!!!eq1">
@@ -7463,8 +7449,8 @@
           </p:sp>
         </mc:Fallback>
       </mc:AlternateContent>
-      <mc:AlternateContent xmlns:mc="http://schemas.openxmlformats.org/markup-compatibility/2006">
-        <mc:Choice xmlns:a14="http://schemas.microsoft.com/office/drawing/2010/main" Requires="a14">
+      <mc:AlternateContent xmlns:mc="http://schemas.openxmlformats.org/markup-compatibility/2006" xmlns:a14="http://schemas.microsoft.com/office/drawing/2010/main">
+        <mc:Choice Requires="a14">
           <p:sp>
             <p:nvSpPr>
               <p:cNvPr id="12" name="!!!eq2">
@@ -7480,7 +7466,7 @@
             <p:spPr>
               <a:xfrm>
                 <a:off x="480912" y="4985791"/>
-                <a:ext cx="5484002" cy="523220"/>
+                <a:ext cx="4233018" cy="523220"/>
               </a:xfrm>
               <a:prstGeom prst="rect">
                 <a:avLst/>
@@ -7492,6 +7478,7 @@
               </a:bodyPr>
               <a:lstStyle/>
               <a:p>
+                <a:pPr/>
                 <a14:m>
                   <m:oMathPara xmlns:m="http://schemas.openxmlformats.org/officeDocument/2006/math">
                     <m:oMathParaPr>
@@ -7499,38 +7486,6 @@
                     </m:oMathParaPr>
                     <m:oMath xmlns:m="http://schemas.openxmlformats.org/officeDocument/2006/math">
                       <m:r>
-                        <m:rPr>
-                          <m:sty m:val="p"/>
-                        </m:rPr>
-                        <a:rPr lang="en-CA" sz="2800" smtClean="0">
-                          <a:latin typeface="Cambria Math" panose="02040503050406030204" pitchFamily="18" charset="0"/>
-                        </a:rPr>
-                        <m:t>Ψ</m:t>
-                      </m:r>
-                      <m:d>
-                        <m:dPr>
-                          <m:ctrlPr>
-                            <a:rPr lang="en-CA" sz="2800" i="1">
-                              <a:latin typeface="Cambria Math" panose="02040503050406030204" pitchFamily="18" charset="0"/>
-                            </a:rPr>
-                          </m:ctrlPr>
-                        </m:dPr>
-                        <m:e>
-                          <m:r>
-                            <a:rPr lang="fr-CA" sz="2800" b="0" i="1" smtClean="0">
-                              <a:latin typeface="Cambria Math" panose="02040503050406030204" pitchFamily="18" charset="0"/>
-                            </a:rPr>
-                            <m:t>𝐿</m:t>
-                          </m:r>
-                        </m:e>
-                      </m:d>
-                      <m:r>
-                        <a:rPr lang="fr-CA" sz="2800" b="0" i="1" smtClean="0">
-                          <a:latin typeface="Cambria Math" panose="02040503050406030204" pitchFamily="18" charset="0"/>
-                        </a:rPr>
-                        <m:t>=</m:t>
-                      </m:r>
-                      <m:r>
                         <a:rPr lang="en-CA" sz="2800" i="1">
                           <a:latin typeface="Cambria Math" panose="02040503050406030204" pitchFamily="18" charset="0"/>
                         </a:rPr>
@@ -7549,7 +7504,13 @@
                             <a:rPr lang="en-CA" sz="2800" i="1">
                               <a:latin typeface="Cambria Math" panose="02040503050406030204" pitchFamily="18" charset="0"/>
                             </a:rPr>
-                            <m:t>𝑘𝑥</m:t>
+                            <m:t>𝑘</m:t>
+                          </m:r>
+                          <m:r>
+                            <a:rPr lang="fr-CA" sz="2800" b="0" i="1" smtClean="0">
+                              <a:latin typeface="Cambria Math" panose="02040503050406030204" pitchFamily="18" charset="0"/>
+                            </a:rPr>
+                            <m:t>𝐿</m:t>
                           </m:r>
                         </m:e>
                       </m:d>
@@ -7578,7 +7539,13 @@
                             <a:rPr lang="en-CA" sz="2800" i="1">
                               <a:latin typeface="Cambria Math" panose="02040503050406030204" pitchFamily="18" charset="0"/>
                             </a:rPr>
-                            <m:t>𝑘𝑥</m:t>
+                            <m:t>𝑘</m:t>
+                          </m:r>
+                          <m:r>
+                            <a:rPr lang="fr-CA" sz="2800" b="0" i="1" smtClean="0">
+                              <a:latin typeface="Cambria Math" panose="02040503050406030204" pitchFamily="18" charset="0"/>
+                            </a:rPr>
+                            <m:t>𝐿</m:t>
                           </m:r>
                         </m:e>
                       </m:d>
@@ -7596,7 +7563,7 @@
             </p:txBody>
           </p:sp>
         </mc:Choice>
-        <mc:Fallback>
+        <mc:Fallback xmlns="">
           <p:sp>
             <p:nvSpPr>
               <p:cNvPr id="12" name="!!!eq2">
@@ -7614,7 +7581,7 @@
             <p:spPr>
               <a:xfrm>
                 <a:off x="480912" y="4985791"/>
-                <a:ext cx="5484002" cy="523220"/>
+                <a:ext cx="4233018" cy="523220"/>
               </a:xfrm>
               <a:prstGeom prst="rect">
                 <a:avLst/>
@@ -7644,7 +7611,7 @@
     </p:spTree>
     <p:extLst>
       <p:ext uri="{BB962C8B-B14F-4D97-AF65-F5344CB8AC3E}">
-        <p14:creationId xmlns:p14="http://schemas.microsoft.com/office/powerpoint/2010/main" val="1914182702"/>
+        <p14:creationId xmlns:p14="http://schemas.microsoft.com/office/powerpoint/2010/main" val="3114972981"/>
       </p:ext>
     </p:extLst>
   </p:cSld>
@@ -8382,8 +8349,8 @@
           </p:sp>
         </mc:Fallback>
       </mc:AlternateContent>
-      <mc:AlternateContent xmlns:mc="http://schemas.openxmlformats.org/markup-compatibility/2006">
-        <mc:Choice xmlns:a14="http://schemas.microsoft.com/office/drawing/2010/main" Requires="a14">
+      <mc:AlternateContent xmlns:mc="http://schemas.openxmlformats.org/markup-compatibility/2006" xmlns:a14="http://schemas.microsoft.com/office/drawing/2010/main">
+        <mc:Choice Requires="a14">
           <p:sp>
             <p:nvSpPr>
               <p:cNvPr id="3" name="!!!eq1">
@@ -8411,6 +8378,7 @@
               </a:bodyPr>
               <a:lstStyle/>
               <a:p>
+                <a:pPr/>
                 <a14:m>
                   <m:oMathPara xmlns:m="http://schemas.openxmlformats.org/officeDocument/2006/math">
                     <m:oMathParaPr>
@@ -8437,7 +8405,7 @@
             </p:txBody>
           </p:sp>
         </mc:Choice>
-        <mc:Fallback>
+        <mc:Fallback xmlns="">
           <p:sp>
             <p:nvSpPr>
               <p:cNvPr id="3" name="!!!eq1">
@@ -8482,8 +8450,8 @@
           </p:sp>
         </mc:Fallback>
       </mc:AlternateContent>
-      <mc:AlternateContent xmlns:mc="http://schemas.openxmlformats.org/markup-compatibility/2006">
-        <mc:Choice xmlns:a14="http://schemas.microsoft.com/office/drawing/2010/main" Requires="a14">
+      <mc:AlternateContent xmlns:mc="http://schemas.openxmlformats.org/markup-compatibility/2006" xmlns:a14="http://schemas.microsoft.com/office/drawing/2010/main">
+        <mc:Choice Requires="a14">
           <p:sp>
             <p:nvSpPr>
               <p:cNvPr id="12" name="!!!eq2">
@@ -8499,7 +8467,7 @@
             <p:spPr>
               <a:xfrm>
                 <a:off x="480912" y="4985791"/>
-                <a:ext cx="4233018" cy="523220"/>
+                <a:ext cx="2346861" cy="523220"/>
               </a:xfrm>
               <a:prstGeom prst="rect">
                 <a:avLst/>
@@ -8511,6 +8479,7 @@
               </a:bodyPr>
               <a:lstStyle/>
               <a:p>
+                <a:pPr/>
                 <a14:m>
                   <m:oMathPara xmlns:m="http://schemas.openxmlformats.org/officeDocument/2006/math">
                     <m:oMathParaPr>
@@ -8522,41 +8491,6 @@
                           <a:latin typeface="Cambria Math" panose="02040503050406030204" pitchFamily="18" charset="0"/>
                         </a:rPr>
                         <m:t>𝐴𝑠𝑖𝑛</m:t>
-                      </m:r>
-                      <m:d>
-                        <m:dPr>
-                          <m:ctrlPr>
-                            <a:rPr lang="en-CA" sz="2800" i="1">
-                              <a:latin typeface="Cambria Math" panose="02040503050406030204" pitchFamily="18" charset="0"/>
-                            </a:rPr>
-                          </m:ctrlPr>
-                        </m:dPr>
-                        <m:e>
-                          <m:r>
-                            <a:rPr lang="en-CA" sz="2800" i="1">
-                              <a:latin typeface="Cambria Math" panose="02040503050406030204" pitchFamily="18" charset="0"/>
-                            </a:rPr>
-                            <m:t>𝑘</m:t>
-                          </m:r>
-                          <m:r>
-                            <a:rPr lang="fr-CA" sz="2800" b="0" i="1" smtClean="0">
-                              <a:latin typeface="Cambria Math" panose="02040503050406030204" pitchFamily="18" charset="0"/>
-                            </a:rPr>
-                            <m:t>𝐿</m:t>
-                          </m:r>
-                        </m:e>
-                      </m:d>
-                      <m:r>
-                        <a:rPr lang="en-CA" sz="2800" i="1">
-                          <a:latin typeface="Cambria Math" panose="02040503050406030204" pitchFamily="18" charset="0"/>
-                        </a:rPr>
-                        <m:t>+</m:t>
-                      </m:r>
-                      <m:r>
-                        <a:rPr lang="en-CA" sz="2800" i="1">
-                          <a:latin typeface="Cambria Math" panose="02040503050406030204" pitchFamily="18" charset="0"/>
-                        </a:rPr>
-                        <m:t>𝐵𝑐𝑜𝑠</m:t>
                       </m:r>
                       <m:d>
                         <m:dPr>
@@ -8595,7 +8529,7 @@
             </p:txBody>
           </p:sp>
         </mc:Choice>
-        <mc:Fallback>
+        <mc:Fallback xmlns="">
           <p:sp>
             <p:nvSpPr>
               <p:cNvPr id="12" name="!!!eq2">
@@ -8613,7 +8547,7 @@
             <p:spPr>
               <a:xfrm>
                 <a:off x="480912" y="4985791"/>
-                <a:ext cx="4233018" cy="523220"/>
+                <a:ext cx="2346861" cy="523220"/>
               </a:xfrm>
               <a:prstGeom prst="rect">
                 <a:avLst/>
@@ -8643,7 +8577,7 @@
     </p:spTree>
     <p:extLst>
       <p:ext uri="{BB962C8B-B14F-4D97-AF65-F5344CB8AC3E}">
-        <p14:creationId xmlns:p14="http://schemas.microsoft.com/office/powerpoint/2010/main" val="3114972981"/>
+        <p14:creationId xmlns:p14="http://schemas.microsoft.com/office/powerpoint/2010/main" val="1971903897"/>
       </p:ext>
     </p:extLst>
   </p:cSld>
@@ -9381,8 +9315,8 @@
           </p:sp>
         </mc:Fallback>
       </mc:AlternateContent>
-      <mc:AlternateContent xmlns:mc="http://schemas.openxmlformats.org/markup-compatibility/2006">
-        <mc:Choice xmlns:a14="http://schemas.microsoft.com/office/drawing/2010/main" Requires="a14">
+      <mc:AlternateContent xmlns:mc="http://schemas.openxmlformats.org/markup-compatibility/2006" xmlns:a14="http://schemas.microsoft.com/office/drawing/2010/main">
+        <mc:Choice Requires="a14">
           <p:sp>
             <p:nvSpPr>
               <p:cNvPr id="3" name="!!!eq1">
@@ -9410,6 +9344,7 @@
               </a:bodyPr>
               <a:lstStyle/>
               <a:p>
+                <a:pPr/>
                 <a14:m>
                   <m:oMathPara xmlns:m="http://schemas.openxmlformats.org/officeDocument/2006/math">
                     <m:oMathParaPr>
@@ -9436,7 +9371,7 @@
             </p:txBody>
           </p:sp>
         </mc:Choice>
-        <mc:Fallback>
+        <mc:Fallback xmlns="">
           <p:sp>
             <p:nvSpPr>
               <p:cNvPr id="3" name="!!!eq1">
@@ -9481,8 +9416,8 @@
           </p:sp>
         </mc:Fallback>
       </mc:AlternateContent>
-      <mc:AlternateContent xmlns:mc="http://schemas.openxmlformats.org/markup-compatibility/2006">
-        <mc:Choice xmlns:a14="http://schemas.microsoft.com/office/drawing/2010/main" Requires="a14">
+      <mc:AlternateContent xmlns:mc="http://schemas.openxmlformats.org/markup-compatibility/2006" xmlns:a14="http://schemas.microsoft.com/office/drawing/2010/main">
+        <mc:Choice Requires="a14">
           <p:sp>
             <p:nvSpPr>
               <p:cNvPr id="12" name="!!!eq2">
@@ -9498,7 +9433,7 @@
             <p:spPr>
               <a:xfrm>
                 <a:off x="480912" y="4985791"/>
-                <a:ext cx="2346861" cy="523220"/>
+                <a:ext cx="4043030" cy="523220"/>
               </a:xfrm>
               <a:prstGeom prst="rect">
                 <a:avLst/>
@@ -9511,55 +9446,91 @@
               <a:lstStyle/>
               <a:p>
                 <a14:m>
-                  <m:oMathPara xmlns:m="http://schemas.openxmlformats.org/officeDocument/2006/math">
-                    <m:oMathParaPr>
-                      <m:jc m:val="centerGroup"/>
-                    </m:oMathParaPr>
-                    <m:oMath xmlns:m="http://schemas.openxmlformats.org/officeDocument/2006/math">
-                      <m:r>
-                        <a:rPr lang="en-CA" sz="2800" i="1">
-                          <a:latin typeface="Cambria Math" panose="02040503050406030204" pitchFamily="18" charset="0"/>
-                        </a:rPr>
-                        <m:t>𝐴𝑠𝑖𝑛</m:t>
-                      </m:r>
-                      <m:d>
-                        <m:dPr>
-                          <m:ctrlPr>
-                            <a:rPr lang="en-CA" sz="2800" i="1">
-                              <a:latin typeface="Cambria Math" panose="02040503050406030204" pitchFamily="18" charset="0"/>
-                            </a:rPr>
-                          </m:ctrlPr>
-                        </m:dPr>
-                        <m:e>
-                          <m:r>
-                            <a:rPr lang="en-CA" sz="2800" i="1">
-                              <a:latin typeface="Cambria Math" panose="02040503050406030204" pitchFamily="18" charset="0"/>
-                            </a:rPr>
-                            <m:t>𝑘</m:t>
-                          </m:r>
-                          <m:r>
-                            <a:rPr lang="fr-CA" sz="2800" b="0" i="1" smtClean="0">
-                              <a:latin typeface="Cambria Math" panose="02040503050406030204" pitchFamily="18" charset="0"/>
-                            </a:rPr>
-                            <m:t>𝐿</m:t>
-                          </m:r>
-                        </m:e>
-                      </m:d>
-                      <m:r>
-                        <a:rPr lang="fr-CA" sz="2800" b="0" i="1" smtClean="0">
-                          <a:latin typeface="Cambria Math" panose="02040503050406030204" pitchFamily="18" charset="0"/>
-                        </a:rPr>
-                        <m:t>=0</m:t>
-                      </m:r>
-                    </m:oMath>
-                  </m:oMathPara>
+                  <m:oMath xmlns:m="http://schemas.openxmlformats.org/officeDocument/2006/math">
+                    <m:r>
+                      <a:rPr lang="en-CA" sz="2800" i="1" smtClean="0">
+                        <a:latin typeface="Cambria Math" panose="02040503050406030204" pitchFamily="18" charset="0"/>
+                      </a:rPr>
+                      <m:t>𝐴𝑠𝑖𝑛</m:t>
+                    </m:r>
+                    <m:d>
+                      <m:dPr>
+                        <m:ctrlPr>
+                          <a:rPr lang="en-CA" sz="2800" i="1">
+                            <a:latin typeface="Cambria Math" panose="02040503050406030204" pitchFamily="18" charset="0"/>
+                          </a:rPr>
+                        </m:ctrlPr>
+                      </m:dPr>
+                      <m:e>
+                        <m:r>
+                          <a:rPr lang="en-CA" sz="2800" i="1">
+                            <a:latin typeface="Cambria Math" panose="02040503050406030204" pitchFamily="18" charset="0"/>
+                          </a:rPr>
+                          <m:t>𝑘</m:t>
+                        </m:r>
+                        <m:r>
+                          <a:rPr lang="fr-CA" sz="2800" b="0" i="1" smtClean="0">
+                            <a:latin typeface="Cambria Math" panose="02040503050406030204" pitchFamily="18" charset="0"/>
+                          </a:rPr>
+                          <m:t>𝐿</m:t>
+                        </m:r>
+                      </m:e>
+                    </m:d>
+                    <m:r>
+                      <a:rPr lang="fr-CA" sz="2800" b="0" i="1" smtClean="0">
+                        <a:latin typeface="Cambria Math" panose="02040503050406030204" pitchFamily="18" charset="0"/>
+                      </a:rPr>
+                      <m:t>=0</m:t>
+                    </m:r>
+                  </m:oMath>
+                </a14:m>
+                <a:r>
+                  <a:rPr lang="fr-CA" sz="2800" dirty="0"/>
+                  <a:t> </a:t>
+                </a:r>
+                <a14:m>
+                  <m:oMath xmlns:m="http://schemas.openxmlformats.org/officeDocument/2006/math">
+                    <m:r>
+                      <a:rPr lang="fr-CA" sz="2800" i="1">
+                        <a:latin typeface="Cambria Math" panose="02040503050406030204" pitchFamily="18" charset="0"/>
+                      </a:rPr>
+                      <m:t>⇒</m:t>
+                    </m:r>
+                    <m:r>
+                      <a:rPr lang="fr-CA" sz="2800" i="1">
+                        <a:latin typeface="Cambria Math" panose="02040503050406030204" pitchFamily="18" charset="0"/>
+                      </a:rPr>
+                      <m:t>𝑘𝐿</m:t>
+                    </m:r>
+                    <m:r>
+                      <a:rPr lang="fr-CA" sz="2800" i="1">
+                        <a:latin typeface="Cambria Math" panose="02040503050406030204" pitchFamily="18" charset="0"/>
+                      </a:rPr>
+                      <m:t>=</m:t>
+                    </m:r>
+                    <m:r>
+                      <m:rPr>
+                        <m:sty m:val="p"/>
+                      </m:rPr>
+                      <a:rPr lang="fr-CA" sz="2800" b="0" i="0" smtClean="0">
+                        <a:latin typeface="Cambria Math" panose="02040503050406030204" pitchFamily="18" charset="0"/>
+                      </a:rPr>
+                      <m:t>n</m:t>
+                    </m:r>
+                    <m:r>
+                      <a:rPr lang="fr-CA" sz="2800" b="0" i="1" smtClean="0">
+                        <a:latin typeface="Cambria Math" panose="02040503050406030204" pitchFamily="18" charset="0"/>
+                      </a:rPr>
+                      <m:t>𝜋</m:t>
+                    </m:r>
+                  </m:oMath>
                 </a14:m>
                 <a:endParaRPr lang="fr-CA" sz="2800" dirty="0"/>
               </a:p>
             </p:txBody>
           </p:sp>
         </mc:Choice>
-        <mc:Fallback>
+        <mc:Fallback xmlns="">
           <p:sp>
             <p:nvSpPr>
               <p:cNvPr id="12" name="!!!eq2">
@@ -9577,7 +9548,7 @@
             <p:spPr>
               <a:xfrm>
                 <a:off x="480912" y="4985791"/>
-                <a:ext cx="2346861" cy="523220"/>
+                <a:ext cx="4043030" cy="523220"/>
               </a:xfrm>
               <a:prstGeom prst="rect">
                 <a:avLst/>
@@ -9604,10 +9575,154 @@
           </p:sp>
         </mc:Fallback>
       </mc:AlternateContent>
+      <mc:AlternateContent xmlns:mc="http://schemas.openxmlformats.org/markup-compatibility/2006">
+        <mc:Choice xmlns:a14="http://schemas.microsoft.com/office/drawing/2010/main" Requires="a14">
+          <p:sp>
+            <p:nvSpPr>
+              <p:cNvPr id="13" name="!!!eq2">
+                <a:extLst>
+                  <a:ext uri="{FF2B5EF4-FFF2-40B4-BE49-F238E27FC236}">
+                    <a16:creationId xmlns:a16="http://schemas.microsoft.com/office/drawing/2014/main" id="{D3A4D312-F64E-4B2A-B51E-A1C2D89BC5B5}"/>
+                  </a:ext>
+                </a:extLst>
+              </p:cNvPr>
+              <p:cNvSpPr/>
+              <p:nvPr/>
+            </p:nvSpPr>
+            <p:spPr>
+              <a:xfrm>
+                <a:off x="480912" y="5613524"/>
+                <a:ext cx="1615442" cy="827471"/>
+              </a:xfrm>
+              <a:prstGeom prst="rect">
+                <a:avLst/>
+              </a:prstGeom>
+            </p:spPr>
+            <p:txBody>
+              <a:bodyPr wrap="none">
+                <a:spAutoFit/>
+              </a:bodyPr>
+              <a:lstStyle/>
+              <a:p>
+                <a:pPr/>
+                <a14:m>
+                  <m:oMathPara xmlns:m="http://schemas.openxmlformats.org/officeDocument/2006/math">
+                    <m:oMathParaPr>
+                      <m:jc m:val="centerGroup"/>
+                    </m:oMathParaPr>
+                    <m:oMath xmlns:m="http://schemas.openxmlformats.org/officeDocument/2006/math">
+                      <m:sSub>
+                        <m:sSubPr>
+                          <m:ctrlPr>
+                            <a:rPr lang="fr-CA" sz="2800" b="0" i="1" smtClean="0">
+                              <a:latin typeface="Cambria Math" panose="02040503050406030204" pitchFamily="18" charset="0"/>
+                            </a:rPr>
+                          </m:ctrlPr>
+                        </m:sSubPr>
+                        <m:e>
+                          <m:r>
+                            <a:rPr lang="fr-CA" sz="2800" b="0" i="1" smtClean="0">
+                              <a:latin typeface="Cambria Math" panose="02040503050406030204" pitchFamily="18" charset="0"/>
+                            </a:rPr>
+                            <m:t>𝑘</m:t>
+                          </m:r>
+                        </m:e>
+                        <m:sub/>
+                      </m:sSub>
+                      <m:r>
+                        <a:rPr lang="fr-CA" sz="2800" b="0" i="1" smtClean="0">
+                          <a:latin typeface="Cambria Math" panose="02040503050406030204" pitchFamily="18" charset="0"/>
+                        </a:rPr>
+                        <m:t>=</m:t>
+                      </m:r>
+                      <m:f>
+                        <m:fPr>
+                          <m:ctrlPr>
+                            <a:rPr lang="fr-CA" sz="2800" b="0" i="1" smtClean="0">
+                              <a:latin typeface="Cambria Math" panose="02040503050406030204" pitchFamily="18" charset="0"/>
+                            </a:rPr>
+                          </m:ctrlPr>
+                        </m:fPr>
+                        <m:num>
+                          <m:r>
+                            <a:rPr lang="fr-CA" sz="2800" i="1">
+                              <a:latin typeface="Cambria Math" panose="02040503050406030204" pitchFamily="18" charset="0"/>
+                            </a:rPr>
+                            <m:t>𝑛</m:t>
+                          </m:r>
+                          <m:r>
+                            <a:rPr lang="fr-CA" sz="2800" i="1">
+                              <a:latin typeface="Cambria Math" panose="02040503050406030204" pitchFamily="18" charset="0"/>
+                            </a:rPr>
+                            <m:t>𝜋</m:t>
+                          </m:r>
+                        </m:num>
+                        <m:den>
+                          <m:r>
+                            <a:rPr lang="fr-CA" sz="2800" b="0" i="1" smtClean="0">
+                              <a:latin typeface="Cambria Math" panose="02040503050406030204" pitchFamily="18" charset="0"/>
+                            </a:rPr>
+                            <m:t>𝐿</m:t>
+                          </m:r>
+                        </m:den>
+                      </m:f>
+                    </m:oMath>
+                  </m:oMathPara>
+                </a14:m>
+                <a:endParaRPr lang="fr-CA" sz="2800" dirty="0"/>
+              </a:p>
+            </p:txBody>
+          </p:sp>
+        </mc:Choice>
+        <mc:Fallback>
+          <p:sp>
+            <p:nvSpPr>
+              <p:cNvPr id="13" name="!!!eq2">
+                <a:extLst>
+                  <a:ext uri="{FF2B5EF4-FFF2-40B4-BE49-F238E27FC236}">
+                    <a16:creationId xmlns:a16="http://schemas.microsoft.com/office/drawing/2014/main" id="{D3A4D312-F64E-4B2A-B51E-A1C2D89BC5B5}"/>
+                  </a:ext>
+                </a:extLst>
+              </p:cNvPr>
+              <p:cNvSpPr>
+                <a:spLocks noRot="1" noChangeAspect="1" noMove="1" noResize="1" noEditPoints="1" noAdjustHandles="1" noChangeArrowheads="1" noChangeShapeType="1" noTextEdit="1"/>
+              </p:cNvSpPr>
+              <p:nvPr/>
+            </p:nvSpPr>
+            <p:spPr>
+              <a:xfrm>
+                <a:off x="480912" y="5613524"/>
+                <a:ext cx="1615442" cy="827471"/>
+              </a:xfrm>
+              <a:prstGeom prst="rect">
+                <a:avLst/>
+              </a:prstGeom>
+              <a:blipFill>
+                <a:blip r:embed="rId10"/>
+                <a:stretch>
+                  <a:fillRect/>
+                </a:stretch>
+              </a:blipFill>
+            </p:spPr>
+            <p:txBody>
+              <a:bodyPr/>
+              <a:lstStyle/>
+              <a:p>
+                <a:r>
+                  <a:rPr lang="en-US">
+                    <a:noFill/>
+                  </a:rPr>
+                  <a:t> </a:t>
+                </a:r>
+              </a:p>
+            </p:txBody>
+          </p:sp>
+        </mc:Fallback>
+      </mc:AlternateContent>
     </p:spTree>
     <p:extLst>
       <p:ext uri="{BB962C8B-B14F-4D97-AF65-F5344CB8AC3E}">
-        <p14:creationId xmlns:p14="http://schemas.microsoft.com/office/powerpoint/2010/main" val="1971903897"/>
+        <p14:creationId xmlns:p14="http://schemas.microsoft.com/office/powerpoint/2010/main" val="198974707"/>
       </p:ext>
     </p:extLst>
   </p:cSld>
@@ -9812,10 +9927,10 @@
         <mc:Choice Requires="a14">
           <p:sp>
             <p:nvSpPr>
-              <p:cNvPr id="9" name="Rectangle 8">
+              <p:cNvPr id="11" name="Rectangle 10">
                 <a:extLst>
                   <a:ext uri="{FF2B5EF4-FFF2-40B4-BE49-F238E27FC236}">
-                    <a16:creationId xmlns:a16="http://schemas.microsoft.com/office/drawing/2014/main" id="{6A5CBC5C-E4A0-4C67-95D0-75A0ADB995AE}"/>
+                    <a16:creationId xmlns:a16="http://schemas.microsoft.com/office/drawing/2014/main" id="{D8B37C00-2D41-4791-B6C4-41FC2EA1160A}"/>
                   </a:ext>
                 </a:extLst>
               </p:cNvPr>
@@ -9824,8 +9939,8 @@
             </p:nvSpPr>
             <p:spPr>
               <a:xfrm>
-                <a:off x="1740295" y="2224102"/>
-                <a:ext cx="2518766" cy="523220"/>
+                <a:off x="788720" y="2276856"/>
+                <a:ext cx="3427413" cy="827471"/>
               </a:xfrm>
               <a:prstGeom prst="rect">
                 <a:avLst/>
@@ -9844,454 +9959,111 @@
                       <m:jc m:val="left"/>
                     </m:oMathParaPr>
                     <m:oMath xmlns:m="http://schemas.openxmlformats.org/officeDocument/2006/math">
-                      <m:r>
-                        <m:rPr>
-                          <m:sty m:val="p"/>
-                        </m:rPr>
-                        <a:rPr lang="en-CA" sz="2800" b="0" i="0" smtClean="0">
-                          <a:latin typeface="Cambria Math" panose="02040503050406030204" pitchFamily="18" charset="0"/>
-                        </a:rPr>
-                        <m:t>Ψ</m:t>
+                      <m:sSub>
+                        <m:sSubPr>
+                          <m:ctrlPr>
+                            <a:rPr lang="fr-CA" sz="2800" b="0" i="1" smtClean="0">
+                              <a:latin typeface="Cambria Math" panose="02040503050406030204" pitchFamily="18" charset="0"/>
+                            </a:rPr>
+                          </m:ctrlPr>
+                        </m:sSubPr>
+                        <m:e>
+                          <m:r>
+                            <m:rPr>
+                              <m:sty m:val="p"/>
+                            </m:rPr>
+                            <a:rPr lang="fr-CA" sz="2800" b="0" i="0" smtClean="0">
+                              <a:latin typeface="Cambria Math" panose="02040503050406030204" pitchFamily="18" charset="0"/>
+                            </a:rPr>
+                            <m:t>Ψ</m:t>
+                          </m:r>
+                        </m:e>
+                        <m:sub>
+                          <m:r>
+                            <a:rPr lang="fr-CA" sz="2800" b="0" i="1" smtClean="0">
+                              <a:latin typeface="Cambria Math" panose="02040503050406030204" pitchFamily="18" charset="0"/>
+                            </a:rPr>
+                            <m:t>𝑛</m:t>
+                          </m:r>
+                        </m:sub>
+                      </m:sSub>
+                      <m:d>
+                        <m:dPr>
+                          <m:ctrlPr>
+                            <a:rPr lang="en-CA" sz="2800" b="0" i="1" smtClean="0">
+                              <a:latin typeface="Cambria Math" panose="02040503050406030204" pitchFamily="18" charset="0"/>
+                            </a:rPr>
+                          </m:ctrlPr>
+                        </m:dPr>
+                        <m:e>
+                          <m:r>
+                            <a:rPr lang="en-CA" sz="2800" b="0" i="1" smtClean="0">
+                              <a:latin typeface="Cambria Math" panose="02040503050406030204" pitchFamily="18" charset="0"/>
+                            </a:rPr>
+                            <m:t>𝑥</m:t>
+                          </m:r>
+                        </m:e>
+                      </m:d>
+                      <m:r>
+                        <a:rPr lang="en-CA" sz="2800" i="1">
+                          <a:latin typeface="Cambria Math" panose="02040503050406030204" pitchFamily="18" charset="0"/>
+                        </a:rPr>
+                        <m:t>=</m:t>
                       </m:r>
                       <m:r>
                         <a:rPr lang="en-CA" sz="2800" b="0" i="1" smtClean="0">
                           <a:latin typeface="Cambria Math" panose="02040503050406030204" pitchFamily="18" charset="0"/>
                         </a:rPr>
-                        <m:t>(</m:t>
-                      </m:r>
-                      <m:r>
-                        <a:rPr lang="en-CA" sz="2800" b="0" i="1" smtClean="0">
-                          <a:latin typeface="Cambria Math" panose="02040503050406030204" pitchFamily="18" charset="0"/>
-                        </a:rPr>
-                        <m:t>𝑥</m:t>
-                      </m:r>
-                      <m:r>
-                        <a:rPr lang="en-CA" sz="2800" b="0" i="1" smtClean="0">
-                          <a:latin typeface="Cambria Math" panose="02040503050406030204" pitchFamily="18" charset="0"/>
-                        </a:rPr>
-                        <m:t>)=</m:t>
-                      </m:r>
-                      <m:r>
-                        <a:rPr lang="en-CA" sz="2800" b="0" i="1" smtClean="0">
-                          <a:latin typeface="Cambria Math" panose="02040503050406030204" pitchFamily="18" charset="0"/>
-                        </a:rPr>
-                        <m:t>𝐸</m:t>
-                      </m:r>
-                      <m:r>
-                        <m:rPr>
-                          <m:sty m:val="p"/>
-                        </m:rPr>
-                        <a:rPr lang="en-CA" sz="2800" b="0" i="0" smtClean="0">
-                          <a:latin typeface="Cambria Math" panose="02040503050406030204" pitchFamily="18" charset="0"/>
-                        </a:rPr>
-                        <m:t>Ψ</m:t>
-                      </m:r>
-                      <m:r>
-                        <a:rPr lang="en-CA" sz="2800" b="0" i="1" smtClean="0">
-                          <a:latin typeface="Cambria Math" panose="02040503050406030204" pitchFamily="18" charset="0"/>
-                        </a:rPr>
-                        <m:t>(</m:t>
-                      </m:r>
-                      <m:r>
-                        <a:rPr lang="en-CA" sz="2800" b="0" i="1" smtClean="0">
-                          <a:latin typeface="Cambria Math" panose="02040503050406030204" pitchFamily="18" charset="0"/>
-                        </a:rPr>
-                        <m:t>𝑥</m:t>
-                      </m:r>
-                      <m:r>
-                        <a:rPr lang="en-CA" sz="2800" b="0" i="1" smtClean="0">
-                          <a:latin typeface="Cambria Math" panose="02040503050406030204" pitchFamily="18" charset="0"/>
-                        </a:rPr>
-                        <m:t>)</m:t>
-                      </m:r>
-                    </m:oMath>
-                  </m:oMathPara>
-                </a14:m>
-                <a:endParaRPr lang="en-CA" sz="2800" dirty="0"/>
-              </a:p>
-            </p:txBody>
-          </p:sp>
-        </mc:Choice>
-        <mc:Fallback xmlns="">
-          <p:sp>
-            <p:nvSpPr>
-              <p:cNvPr id="9" name="Rectangle 8">
-                <a:extLst>
-                  <a:ext uri="{FF2B5EF4-FFF2-40B4-BE49-F238E27FC236}">
-                    <a16:creationId xmlns:a16="http://schemas.microsoft.com/office/drawing/2014/main" id="{6A5CBC5C-E4A0-4C67-95D0-75A0ADB995AE}"/>
-                  </a:ext>
-                </a:extLst>
-              </p:cNvPr>
-              <p:cNvSpPr>
-                <a:spLocks noRot="1" noChangeAspect="1" noMove="1" noResize="1" noEditPoints="1" noAdjustHandles="1" noChangeArrowheads="1" noChangeShapeType="1" noTextEdit="1"/>
-              </p:cNvSpPr>
-              <p:nvPr/>
-            </p:nvSpPr>
-            <p:spPr>
-              <a:xfrm>
-                <a:off x="1740295" y="2224102"/>
-                <a:ext cx="2518766" cy="523220"/>
-              </a:xfrm>
-              <a:prstGeom prst="rect">
-                <a:avLst/>
-              </a:prstGeom>
-              <a:blipFill>
-                <a:blip r:embed="rId5"/>
-                <a:stretch>
-                  <a:fillRect/>
-                </a:stretch>
-              </a:blipFill>
-            </p:spPr>
-            <p:txBody>
-              <a:bodyPr/>
-              <a:lstStyle/>
-              <a:p>
-                <a:r>
-                  <a:rPr lang="en-CA">
-                    <a:noFill/>
-                  </a:rPr>
-                  <a:t> </a:t>
-                </a:r>
-              </a:p>
-            </p:txBody>
-          </p:sp>
-        </mc:Fallback>
-      </mc:AlternateContent>
-      <mc:AlternateContent xmlns:mc="http://schemas.openxmlformats.org/markup-compatibility/2006" xmlns:a14="http://schemas.microsoft.com/office/drawing/2010/main">
-        <mc:Choice Requires="a14">
-          <p:sp>
-            <p:nvSpPr>
-              <p:cNvPr id="4" name="Rectangle 3">
-                <a:extLst>
-                  <a:ext uri="{FF2B5EF4-FFF2-40B4-BE49-F238E27FC236}">
-                    <a16:creationId xmlns:a16="http://schemas.microsoft.com/office/drawing/2014/main" id="{E58A06A9-AD25-449B-9F9C-95AF3238005C}"/>
-                  </a:ext>
-                </a:extLst>
-              </p:cNvPr>
-              <p:cNvSpPr/>
-              <p:nvPr/>
-            </p:nvSpPr>
-            <p:spPr>
-              <a:xfrm>
-                <a:off x="271292" y="2224102"/>
-                <a:ext cx="1757469" cy="956929"/>
-              </a:xfrm>
-              <a:prstGeom prst="rect">
-                <a:avLst/>
-              </a:prstGeom>
-            </p:spPr>
-            <p:txBody>
-              <a:bodyPr wrap="none">
-                <a:spAutoFit/>
-              </a:bodyPr>
-              <a:lstStyle/>
-              <a:p>
-                <a:pPr/>
-                <a14:m>
-                  <m:oMathPara xmlns:m="http://schemas.openxmlformats.org/officeDocument/2006/math">
-                    <m:oMathParaPr>
-                      <m:jc m:val="centerGroup"/>
-                    </m:oMathParaPr>
-                    <m:oMath xmlns:m="http://schemas.openxmlformats.org/officeDocument/2006/math">
-                      <m:r>
-                        <a:rPr lang="en-CA" sz="2800" i="1">
-                          <a:latin typeface="Cambria Math" panose="02040503050406030204" pitchFamily="18" charset="0"/>
-                        </a:rPr>
-                        <m:t>−</m:t>
-                      </m:r>
-                      <m:f>
-                        <m:fPr>
+                        <m:t>𝐴𝑠𝑖𝑛</m:t>
+                      </m:r>
+                      <m:d>
+                        <m:dPr>
                           <m:ctrlPr>
-                            <a:rPr lang="en-CA" sz="2800" i="1">
+                            <a:rPr lang="en-CA" sz="2800" b="0" i="1" smtClean="0">
                               <a:latin typeface="Cambria Math" panose="02040503050406030204" pitchFamily="18" charset="0"/>
                             </a:rPr>
                           </m:ctrlPr>
-                        </m:fPr>
-                        <m:num>
-                          <m:sSup>
-                            <m:sSupPr>
+                        </m:dPr>
+                        <m:e>
+                          <m:f>
+                            <m:fPr>
                               <m:ctrlPr>
-                                <a:rPr lang="en-CA" sz="2800" i="1">
+                                <a:rPr lang="fr-CA" sz="2800" i="1">
                                   <a:latin typeface="Cambria Math" panose="02040503050406030204" pitchFamily="18" charset="0"/>
                                 </a:rPr>
                               </m:ctrlPr>
-                            </m:sSupPr>
-                            <m:e>
+                            </m:fPr>
+                            <m:num>
                               <m:r>
-                                <a:rPr lang="en-CA" sz="2800" i="1">
+                                <a:rPr lang="fr-CA" sz="2800" i="1">
                                   <a:latin typeface="Cambria Math" panose="02040503050406030204" pitchFamily="18" charset="0"/>
                                 </a:rPr>
-                                <m:t>ℏ</m:t>
+                                <m:t>𝑛</m:t>
                               </m:r>
-                            </m:e>
-                            <m:sup>
                               <m:r>
-                                <a:rPr lang="en-CA" sz="2800" i="1">
+                                <a:rPr lang="fr-CA" sz="2800" i="1">
                                   <a:latin typeface="Cambria Math" panose="02040503050406030204" pitchFamily="18" charset="0"/>
                                 </a:rPr>
-                                <m:t>2</m:t>
+                                <m:t>𝜋</m:t>
                               </m:r>
-                            </m:sup>
-                          </m:sSup>
-                        </m:num>
-                        <m:den>
-                          <m:r>
-                            <a:rPr lang="en-CA" sz="2800" i="1">
-                              <a:latin typeface="Cambria Math" panose="02040503050406030204" pitchFamily="18" charset="0"/>
-                            </a:rPr>
-                            <m:t>2</m:t>
-                          </m:r>
-                          <m:r>
-                            <a:rPr lang="en-CA" sz="2800" i="1">
-                              <a:latin typeface="Cambria Math" panose="02040503050406030204" pitchFamily="18" charset="0"/>
-                            </a:rPr>
-                            <m:t>𝑚</m:t>
-                          </m:r>
-                        </m:den>
-                      </m:f>
-                      <m:f>
-                        <m:fPr>
-                          <m:ctrlPr>
-                            <a:rPr lang="en-CA" sz="2800" i="1">
-                              <a:latin typeface="Cambria Math" panose="02040503050406030204" pitchFamily="18" charset="0"/>
-                            </a:rPr>
-                          </m:ctrlPr>
-                        </m:fPr>
-                        <m:num>
-                          <m:sSup>
-                            <m:sSupPr>
-                              <m:ctrlPr>
-                                <a:rPr lang="en-CA" sz="2800" i="1">
-                                  <a:latin typeface="Cambria Math" panose="02040503050406030204" pitchFamily="18" charset="0"/>
-                                </a:rPr>
-                              </m:ctrlPr>
-                            </m:sSupPr>
-                            <m:e>
-                              <m:r>
-                                <a:rPr lang="en-CA" sz="2800" i="1">
-                                  <a:latin typeface="Cambria Math" panose="02040503050406030204" pitchFamily="18" charset="0"/>
-                                </a:rPr>
-                                <m:t>𝜕</m:t>
-                              </m:r>
-                            </m:e>
-                            <m:sup>
-                              <m:r>
-                                <a:rPr lang="en-CA" sz="2800" i="1">
-                                  <a:latin typeface="Cambria Math" panose="02040503050406030204" pitchFamily="18" charset="0"/>
-                                </a:rPr>
-                                <m:t>2</m:t>
-                              </m:r>
-                            </m:sup>
-                          </m:sSup>
-                        </m:num>
-                        <m:den>
-                          <m:r>
-                            <a:rPr lang="en-CA" sz="2800" i="1">
-                              <a:latin typeface="Cambria Math" panose="02040503050406030204" pitchFamily="18" charset="0"/>
-                            </a:rPr>
-                            <m:t>𝑑</m:t>
-                          </m:r>
-                          <m:sSup>
-                            <m:sSupPr>
-                              <m:ctrlPr>
-                                <a:rPr lang="en-CA" sz="2800" i="1">
-                                  <a:latin typeface="Cambria Math" panose="02040503050406030204" pitchFamily="18" charset="0"/>
-                                </a:rPr>
-                              </m:ctrlPr>
-                            </m:sSupPr>
-                            <m:e>
                               <m:r>
                                 <a:rPr lang="en-CA" sz="2800" i="1">
                                   <a:latin typeface="Cambria Math" panose="02040503050406030204" pitchFamily="18" charset="0"/>
                                 </a:rPr>
                                 <m:t>𝑥</m:t>
                               </m:r>
-                            </m:e>
-                            <m:sup>
+                            </m:num>
+                            <m:den>
                               <m:r>
-                                <a:rPr lang="en-CA" sz="2800" i="1">
+                                <a:rPr lang="fr-CA" sz="2800" i="1">
                                   <a:latin typeface="Cambria Math" panose="02040503050406030204" pitchFamily="18" charset="0"/>
                                 </a:rPr>
-                                <m:t>2</m:t>
+                                <m:t>𝐿</m:t>
                               </m:r>
-                            </m:sup>
-                          </m:sSup>
-                        </m:den>
-                      </m:f>
-                    </m:oMath>
-                  </m:oMathPara>
-                </a14:m>
-                <a:endParaRPr lang="en-CA" sz="2800" dirty="0"/>
-              </a:p>
-            </p:txBody>
-          </p:sp>
-        </mc:Choice>
-        <mc:Fallback xmlns="">
-          <p:sp>
-            <p:nvSpPr>
-              <p:cNvPr id="4" name="Rectangle 3">
-                <a:extLst>
-                  <a:ext uri="{FF2B5EF4-FFF2-40B4-BE49-F238E27FC236}">
-                    <a16:creationId xmlns:a16="http://schemas.microsoft.com/office/drawing/2014/main" id="{E58A06A9-AD25-449B-9F9C-95AF3238005C}"/>
-                  </a:ext>
-                </a:extLst>
-              </p:cNvPr>
-              <p:cNvSpPr>
-                <a:spLocks noRot="1" noChangeAspect="1" noMove="1" noResize="1" noEditPoints="1" noAdjustHandles="1" noChangeArrowheads="1" noChangeShapeType="1" noTextEdit="1"/>
-              </p:cNvSpPr>
-              <p:nvPr/>
-            </p:nvSpPr>
-            <p:spPr>
-              <a:xfrm>
-                <a:off x="271292" y="2224102"/>
-                <a:ext cx="1757469" cy="956929"/>
-              </a:xfrm>
-              <a:prstGeom prst="rect">
-                <a:avLst/>
-              </a:prstGeom>
-              <a:blipFill>
-                <a:blip r:embed="rId6"/>
-                <a:stretch>
-                  <a:fillRect/>
-                </a:stretch>
-              </a:blipFill>
-            </p:spPr>
-            <p:txBody>
-              <a:bodyPr/>
-              <a:lstStyle/>
-              <a:p>
-                <a:r>
-                  <a:rPr lang="en-CA">
-                    <a:noFill/>
-                  </a:rPr>
-                  <a:t> </a:t>
-                </a:r>
-              </a:p>
-            </p:txBody>
-          </p:sp>
-        </mc:Fallback>
-      </mc:AlternateContent>
-      <mc:AlternateContent xmlns:mc="http://schemas.openxmlformats.org/markup-compatibility/2006" xmlns:a14="http://schemas.microsoft.com/office/drawing/2010/main">
-        <mc:Choice Requires="a14">
-          <p:sp>
-            <p:nvSpPr>
-              <p:cNvPr id="11" name="Rectangle 10">
-                <a:extLst>
-                  <a:ext uri="{FF2B5EF4-FFF2-40B4-BE49-F238E27FC236}">
-                    <a16:creationId xmlns:a16="http://schemas.microsoft.com/office/drawing/2014/main" id="{D8B37C00-2D41-4791-B6C4-41FC2EA1160A}"/>
-                  </a:ext>
-                </a:extLst>
-              </p:cNvPr>
-              <p:cNvSpPr/>
-              <p:nvPr/>
-            </p:nvSpPr>
-            <p:spPr>
-              <a:xfrm>
-                <a:off x="480912" y="3587459"/>
-                <a:ext cx="4970720" cy="523220"/>
-              </a:xfrm>
-              <a:prstGeom prst="rect">
-                <a:avLst/>
-              </a:prstGeom>
-            </p:spPr>
-            <p:txBody>
-              <a:bodyPr wrap="none">
-                <a:spAutoFit/>
-              </a:bodyPr>
-              <a:lstStyle/>
-              <a:p>
-                <a:pPr/>
-                <a14:m>
-                  <m:oMathPara xmlns:m="http://schemas.openxmlformats.org/officeDocument/2006/math">
-                    <m:oMathParaPr>
-                      <m:jc m:val="left"/>
-                    </m:oMathParaPr>
-                    <m:oMath xmlns:m="http://schemas.openxmlformats.org/officeDocument/2006/math">
-                      <m:r>
-                        <m:rPr>
-                          <m:sty m:val="p"/>
-                        </m:rPr>
-                        <a:rPr lang="en-CA" sz="2800" b="0" i="0" smtClean="0">
-                          <a:latin typeface="Cambria Math" panose="02040503050406030204" pitchFamily="18" charset="0"/>
-                        </a:rPr>
-                        <m:t>Ψ</m:t>
-                      </m:r>
-                      <m:d>
-                        <m:dPr>
-                          <m:ctrlPr>
-                            <a:rPr lang="en-CA" sz="2800" b="0" i="1" smtClean="0">
-                              <a:latin typeface="Cambria Math" panose="02040503050406030204" pitchFamily="18" charset="0"/>
-                            </a:rPr>
-                          </m:ctrlPr>
-                        </m:dPr>
-                        <m:e>
-                          <m:r>
-                            <a:rPr lang="en-CA" sz="2800" b="0" i="1" smtClean="0">
-                              <a:latin typeface="Cambria Math" panose="02040503050406030204" pitchFamily="18" charset="0"/>
-                            </a:rPr>
-                            <m:t>𝑥</m:t>
-                          </m:r>
+                            </m:den>
+                          </m:f>
                         </m:e>
                       </m:d>
-                      <m:r>
-                        <a:rPr lang="en-CA" sz="2800" i="1">
-                          <a:latin typeface="Cambria Math" panose="02040503050406030204" pitchFamily="18" charset="0"/>
-                        </a:rPr>
-                        <m:t>=</m:t>
-                      </m:r>
-                      <m:r>
-                        <a:rPr lang="en-CA" sz="2800" b="0" i="1" smtClean="0">
-                          <a:latin typeface="Cambria Math" panose="02040503050406030204" pitchFamily="18" charset="0"/>
-                        </a:rPr>
-                        <m:t>𝐴𝑠𝑖𝑛</m:t>
-                      </m:r>
-                      <m:d>
-                        <m:dPr>
-                          <m:ctrlPr>
-                            <a:rPr lang="en-CA" sz="2800" b="0" i="1" smtClean="0">
-                              <a:latin typeface="Cambria Math" panose="02040503050406030204" pitchFamily="18" charset="0"/>
-                            </a:rPr>
-                          </m:ctrlPr>
-                        </m:dPr>
-                        <m:e>
-                          <m:r>
-                            <a:rPr lang="en-CA" sz="2800" b="0" i="1" smtClean="0">
-                              <a:latin typeface="Cambria Math" panose="02040503050406030204" pitchFamily="18" charset="0"/>
-                            </a:rPr>
-                            <m:t>𝑘𝑥</m:t>
-                          </m:r>
-                        </m:e>
-                      </m:d>
-                      <m:r>
-                        <a:rPr lang="en-CA" sz="2800" b="0" i="1" smtClean="0">
-                          <a:latin typeface="Cambria Math" panose="02040503050406030204" pitchFamily="18" charset="0"/>
-                        </a:rPr>
-                        <m:t>+</m:t>
-                      </m:r>
-                      <m:r>
-                        <a:rPr lang="en-CA" sz="2800" b="0" i="1" smtClean="0">
-                          <a:latin typeface="Cambria Math" panose="02040503050406030204" pitchFamily="18" charset="0"/>
-                        </a:rPr>
-                        <m:t>𝐵𝑐𝑜𝑠</m:t>
-                      </m:r>
-                      <m:r>
-                        <a:rPr lang="en-CA" sz="2800" b="0" i="1" smtClean="0">
-                          <a:latin typeface="Cambria Math" panose="02040503050406030204" pitchFamily="18" charset="0"/>
-                        </a:rPr>
-                        <m:t>(</m:t>
-                      </m:r>
-                      <m:r>
-                        <a:rPr lang="en-CA" sz="2800" b="0" i="1" smtClean="0">
-                          <a:latin typeface="Cambria Math" panose="02040503050406030204" pitchFamily="18" charset="0"/>
-                        </a:rPr>
-                        <m:t>𝑘𝑥</m:t>
-                      </m:r>
-                      <m:r>
-                        <a:rPr lang="en-CA" sz="2800" b="0" i="1" smtClean="0">
-                          <a:latin typeface="Cambria Math" panose="02040503050406030204" pitchFamily="18" charset="0"/>
-                        </a:rPr>
-                        <m:t>)</m:t>
-                      </m:r>
                     </m:oMath>
                   </m:oMathPara>
                 </a14:m>
@@ -10317,114 +10089,14 @@
             </p:nvSpPr>
             <p:spPr>
               <a:xfrm>
-                <a:off x="480912" y="3587459"/>
-                <a:ext cx="4970720" cy="523220"/>
+                <a:off x="788720" y="2276856"/>
+                <a:ext cx="3427413" cy="827471"/>
               </a:xfrm>
               <a:prstGeom prst="rect">
                 <a:avLst/>
               </a:prstGeom>
               <a:blipFill>
-                <a:blip r:embed="rId7"/>
-                <a:stretch>
-                  <a:fillRect/>
-                </a:stretch>
-              </a:blipFill>
-            </p:spPr>
-            <p:txBody>
-              <a:bodyPr/>
-              <a:lstStyle/>
-              <a:p>
-                <a:r>
-                  <a:rPr lang="en-CA">
-                    <a:noFill/>
-                  </a:rPr>
-                  <a:t> </a:t>
-                </a:r>
-              </a:p>
-            </p:txBody>
-          </p:sp>
-        </mc:Fallback>
-      </mc:AlternateContent>
-      <mc:AlternateContent xmlns:mc="http://schemas.openxmlformats.org/markup-compatibility/2006">
-        <mc:Choice xmlns:a14="http://schemas.microsoft.com/office/drawing/2010/main" Requires="a14">
-          <p:sp>
-            <p:nvSpPr>
-              <p:cNvPr id="3" name="!!!eq1">
-                <a:extLst>
-                  <a:ext uri="{FF2B5EF4-FFF2-40B4-BE49-F238E27FC236}">
-                    <a16:creationId xmlns:a16="http://schemas.microsoft.com/office/drawing/2014/main" id="{BEED0626-0AA0-40E5-9C06-759DB6B1517E}"/>
-                  </a:ext>
-                </a:extLst>
-              </p:cNvPr>
-              <p:cNvSpPr/>
-              <p:nvPr/>
-            </p:nvSpPr>
-            <p:spPr>
-              <a:xfrm>
-                <a:off x="480912" y="4409057"/>
-                <a:ext cx="1177695" cy="523220"/>
-              </a:xfrm>
-              <a:prstGeom prst="rect">
-                <a:avLst/>
-              </a:prstGeom>
-            </p:spPr>
-            <p:txBody>
-              <a:bodyPr wrap="none">
-                <a:spAutoFit/>
-              </a:bodyPr>
-              <a:lstStyle/>
-              <a:p>
-                <a14:m>
-                  <m:oMathPara xmlns:m="http://schemas.openxmlformats.org/officeDocument/2006/math">
-                    <m:oMathParaPr>
-                      <m:jc m:val="centerGroup"/>
-                    </m:oMathParaPr>
-                    <m:oMath xmlns:m="http://schemas.openxmlformats.org/officeDocument/2006/math">
-                      <m:r>
-                        <a:rPr lang="fr-CA" sz="2800" b="0" i="1" smtClean="0">
-                          <a:latin typeface="Cambria Math" panose="02040503050406030204" pitchFamily="18" charset="0"/>
-                        </a:rPr>
-                        <m:t>𝐵</m:t>
-                      </m:r>
-                      <m:r>
-                        <a:rPr lang="fr-CA" sz="2800" b="0" i="1" smtClean="0">
-                          <a:latin typeface="Cambria Math" panose="02040503050406030204" pitchFamily="18" charset="0"/>
-                        </a:rPr>
-                        <m:t>=0</m:t>
-                      </m:r>
-                    </m:oMath>
-                  </m:oMathPara>
-                </a14:m>
-                <a:endParaRPr lang="fr-CA" sz="2800" dirty="0"/>
-              </a:p>
-            </p:txBody>
-          </p:sp>
-        </mc:Choice>
-        <mc:Fallback>
-          <p:sp>
-            <p:nvSpPr>
-              <p:cNvPr id="3" name="!!!eq1">
-                <a:extLst>
-                  <a:ext uri="{FF2B5EF4-FFF2-40B4-BE49-F238E27FC236}">
-                    <a16:creationId xmlns:a16="http://schemas.microsoft.com/office/drawing/2014/main" id="{BEED0626-0AA0-40E5-9C06-759DB6B1517E}"/>
-                  </a:ext>
-                </a:extLst>
-              </p:cNvPr>
-              <p:cNvSpPr>
-                <a:spLocks noRot="1" noChangeAspect="1" noMove="1" noResize="1" noEditPoints="1" noAdjustHandles="1" noChangeArrowheads="1" noChangeShapeType="1" noTextEdit="1"/>
-              </p:cNvSpPr>
-              <p:nvPr/>
-            </p:nvSpPr>
-            <p:spPr>
-              <a:xfrm>
-                <a:off x="480912" y="4409057"/>
-                <a:ext cx="1177695" cy="523220"/>
-              </a:xfrm>
-              <a:prstGeom prst="rect">
-                <a:avLst/>
-              </a:prstGeom>
-              <a:blipFill>
-                <a:blip r:embed="rId8"/>
+                <a:blip r:embed="rId5"/>
                 <a:stretch>
                   <a:fillRect/>
                 </a:stretch>
@@ -10445,14 +10117,14 @@
           </p:sp>
         </mc:Fallback>
       </mc:AlternateContent>
-      <mc:AlternateContent xmlns:mc="http://schemas.openxmlformats.org/markup-compatibility/2006">
-        <mc:Choice xmlns:a14="http://schemas.microsoft.com/office/drawing/2010/main" Requires="a14">
+      <mc:AlternateContent xmlns:mc="http://schemas.openxmlformats.org/markup-compatibility/2006" xmlns:a14="http://schemas.microsoft.com/office/drawing/2010/main">
+        <mc:Choice Requires="a14">
           <p:sp>
             <p:nvSpPr>
-              <p:cNvPr id="12" name="!!!eq2">
+              <p:cNvPr id="14" name="Rectangle 13">
                 <a:extLst>
                   <a:ext uri="{FF2B5EF4-FFF2-40B4-BE49-F238E27FC236}">
-                    <a16:creationId xmlns:a16="http://schemas.microsoft.com/office/drawing/2014/main" id="{BD7198D3-5F89-48DC-BA52-B2B46F64903E}"/>
+                    <a16:creationId xmlns:a16="http://schemas.microsoft.com/office/drawing/2014/main" id="{9CB415B7-B7C7-48BC-8CAB-2CBD6E14F4C9}"/>
                   </a:ext>
                 </a:extLst>
               </p:cNvPr>
@@ -10461,8 +10133,8 @@
             </p:nvSpPr>
             <p:spPr>
               <a:xfrm>
-                <a:off x="480912" y="4985791"/>
-                <a:ext cx="4043030" cy="523220"/>
+                <a:off x="788719" y="3117719"/>
+                <a:ext cx="3495893" cy="539571"/>
               </a:xfrm>
               <a:prstGeom prst="rect">
                 <a:avLst/>
@@ -10474,98 +10146,150 @@
               </a:bodyPr>
               <a:lstStyle/>
               <a:p>
+                <a:pPr/>
                 <a14:m>
-                  <m:oMath xmlns:m="http://schemas.openxmlformats.org/officeDocument/2006/math">
-                    <m:r>
-                      <a:rPr lang="en-CA" sz="2800" i="1" smtClean="0">
-                        <a:latin typeface="Cambria Math" panose="02040503050406030204" pitchFamily="18" charset="0"/>
-                      </a:rPr>
-                      <m:t>𝐴𝑠𝑖𝑛</m:t>
-                    </m:r>
-                    <m:d>
-                      <m:dPr>
-                        <m:ctrlPr>
-                          <a:rPr lang="en-CA" sz="2800" i="1">
-                            <a:latin typeface="Cambria Math" panose="02040503050406030204" pitchFamily="18" charset="0"/>
-                          </a:rPr>
-                        </m:ctrlPr>
-                      </m:dPr>
-                      <m:e>
-                        <m:r>
-                          <a:rPr lang="en-CA" sz="2800" i="1">
-                            <a:latin typeface="Cambria Math" panose="02040503050406030204" pitchFamily="18" charset="0"/>
-                          </a:rPr>
-                          <m:t>𝑘</m:t>
-                        </m:r>
-                        <m:r>
-                          <a:rPr lang="fr-CA" sz="2800" b="0" i="1" smtClean="0">
-                            <a:latin typeface="Cambria Math" panose="02040503050406030204" pitchFamily="18" charset="0"/>
-                          </a:rPr>
-                          <m:t>𝐿</m:t>
-                        </m:r>
-                      </m:e>
-                    </m:d>
-                    <m:r>
-                      <a:rPr lang="fr-CA" sz="2800" b="0" i="1" smtClean="0">
-                        <a:latin typeface="Cambria Math" panose="02040503050406030204" pitchFamily="18" charset="0"/>
-                      </a:rPr>
-                      <m:t>=0</m:t>
-                    </m:r>
-                  </m:oMath>
+                  <m:oMathPara xmlns:m="http://schemas.openxmlformats.org/officeDocument/2006/math">
+                    <m:oMathParaPr>
+                      <m:jc m:val="left"/>
+                    </m:oMathParaPr>
+                    <m:oMath xmlns:m="http://schemas.openxmlformats.org/officeDocument/2006/math">
+                      <m:sSubSup>
+                        <m:sSubSupPr>
+                          <m:ctrlPr>
+                            <a:rPr lang="fr-CA" sz="2800" b="0" i="1" smtClean="0">
+                              <a:latin typeface="Cambria Math" panose="02040503050406030204" pitchFamily="18" charset="0"/>
+                            </a:rPr>
+                          </m:ctrlPr>
+                        </m:sSubSupPr>
+                        <m:e>
+                          <m:r>
+                            <a:rPr lang="fr-CA" sz="2800" b="0" i="1" smtClean="0">
+                              <a:latin typeface="Cambria Math" panose="02040503050406030204" pitchFamily="18" charset="0"/>
+                            </a:rPr>
+                            <m:t>∫</m:t>
+                          </m:r>
+                          <m:r>
+                            <a:rPr lang="fr-CA" sz="2800" b="0" i="1" smtClean="0">
+                              <a:latin typeface="Cambria Math" panose="02040503050406030204" pitchFamily="18" charset="0"/>
+                            </a:rPr>
+                            <m:t>𝑑𝑥</m:t>
+                          </m:r>
+                          <m:r>
+                            <m:rPr>
+                              <m:sty m:val="p"/>
+                            </m:rPr>
+                            <a:rPr lang="fr-CA" sz="2800" b="0" i="0" smtClean="0">
+                              <a:latin typeface="Cambria Math" panose="02040503050406030204" pitchFamily="18" charset="0"/>
+                            </a:rPr>
+                            <m:t>Ψ</m:t>
+                          </m:r>
+                        </m:e>
+                        <m:sub>
+                          <m:r>
+                            <a:rPr lang="fr-CA" sz="2800" b="0" i="1" smtClean="0">
+                              <a:latin typeface="Cambria Math" panose="02040503050406030204" pitchFamily="18" charset="0"/>
+                            </a:rPr>
+                            <m:t>𝑛</m:t>
+                          </m:r>
+                        </m:sub>
+                        <m:sup>
+                          <m:r>
+                            <a:rPr lang="fr-CA" sz="2800" b="0" i="1" smtClean="0">
+                              <a:latin typeface="Cambria Math" panose="02040503050406030204" pitchFamily="18" charset="0"/>
+                            </a:rPr>
+                            <m:t>∗</m:t>
+                          </m:r>
+                        </m:sup>
+                      </m:sSubSup>
+                      <m:d>
+                        <m:dPr>
+                          <m:ctrlPr>
+                            <a:rPr lang="en-CA" sz="2800" i="1">
+                              <a:latin typeface="Cambria Math" panose="02040503050406030204" pitchFamily="18" charset="0"/>
+                            </a:rPr>
+                          </m:ctrlPr>
+                        </m:dPr>
+                        <m:e>
+                          <m:r>
+                            <a:rPr lang="en-CA" sz="2800" i="1">
+                              <a:latin typeface="Cambria Math" panose="02040503050406030204" pitchFamily="18" charset="0"/>
+                            </a:rPr>
+                            <m:t>𝑥</m:t>
+                          </m:r>
+                        </m:e>
+                      </m:d>
+                      <m:sSub>
+                        <m:sSubPr>
+                          <m:ctrlPr>
+                            <a:rPr lang="fr-CA" sz="2800" b="0" i="1" smtClean="0">
+                              <a:latin typeface="Cambria Math" panose="02040503050406030204" pitchFamily="18" charset="0"/>
+                            </a:rPr>
+                          </m:ctrlPr>
+                        </m:sSubPr>
+                        <m:e>
+                          <m:r>
+                            <m:rPr>
+                              <m:sty m:val="p"/>
+                            </m:rPr>
+                            <a:rPr lang="fr-CA" sz="2800" b="0" i="0" smtClean="0">
+                              <a:latin typeface="Cambria Math" panose="02040503050406030204" pitchFamily="18" charset="0"/>
+                            </a:rPr>
+                            <m:t>Ψ</m:t>
+                          </m:r>
+                        </m:e>
+                        <m:sub>
+                          <m:r>
+                            <a:rPr lang="fr-CA" sz="2800" b="0" i="1" smtClean="0">
+                              <a:latin typeface="Cambria Math" panose="02040503050406030204" pitchFamily="18" charset="0"/>
+                            </a:rPr>
+                            <m:t>𝑛</m:t>
+                          </m:r>
+                        </m:sub>
+                      </m:sSub>
+                      <m:d>
+                        <m:dPr>
+                          <m:ctrlPr>
+                            <a:rPr lang="en-CA" sz="2800" b="0" i="1" smtClean="0">
+                              <a:latin typeface="Cambria Math" panose="02040503050406030204" pitchFamily="18" charset="0"/>
+                            </a:rPr>
+                          </m:ctrlPr>
+                        </m:dPr>
+                        <m:e>
+                          <m:r>
+                            <a:rPr lang="en-CA" sz="2800" b="0" i="1" smtClean="0">
+                              <a:latin typeface="Cambria Math" panose="02040503050406030204" pitchFamily="18" charset="0"/>
+                            </a:rPr>
+                            <m:t>𝑥</m:t>
+                          </m:r>
+                        </m:e>
+                      </m:d>
+                      <m:r>
+                        <a:rPr lang="en-CA" sz="2800" i="1">
+                          <a:latin typeface="Cambria Math" panose="02040503050406030204" pitchFamily="18" charset="0"/>
+                        </a:rPr>
+                        <m:t>=</m:t>
+                      </m:r>
+                      <m:r>
+                        <a:rPr lang="fr-CA" sz="2800" b="0" i="1" smtClean="0">
+                          <a:latin typeface="Cambria Math" panose="02040503050406030204" pitchFamily="18" charset="0"/>
+                        </a:rPr>
+                        <m:t>1</m:t>
+                      </m:r>
+                    </m:oMath>
+                  </m:oMathPara>
                 </a14:m>
-                <a:r>
-                  <a:rPr lang="fr-CA" sz="2800" dirty="0"/>
-                  <a:t> </a:t>
-                </a:r>
-                <a14:m>
-                  <m:oMath xmlns:m="http://schemas.openxmlformats.org/officeDocument/2006/math">
-                    <m:r>
-                      <a:rPr lang="fr-CA" sz="2800" i="1">
-                        <a:latin typeface="Cambria Math" panose="02040503050406030204" pitchFamily="18" charset="0"/>
-                      </a:rPr>
-                      <m:t>⇒</m:t>
-                    </m:r>
-                    <m:r>
-                      <a:rPr lang="fr-CA" sz="2800" i="1">
-                        <a:latin typeface="Cambria Math" panose="02040503050406030204" pitchFamily="18" charset="0"/>
-                      </a:rPr>
-                      <m:t>𝑘𝐿</m:t>
-                    </m:r>
-                    <m:r>
-                      <a:rPr lang="fr-CA" sz="2800" i="1">
-                        <a:latin typeface="Cambria Math" panose="02040503050406030204" pitchFamily="18" charset="0"/>
-                      </a:rPr>
-                      <m:t>=</m:t>
-                    </m:r>
-                    <m:r>
-                      <m:rPr>
-                        <m:sty m:val="p"/>
-                      </m:rPr>
-                      <a:rPr lang="fr-CA" sz="2800" b="0" i="0" smtClean="0">
-                        <a:latin typeface="Cambria Math" panose="02040503050406030204" pitchFamily="18" charset="0"/>
-                      </a:rPr>
-                      <m:t>n</m:t>
-                    </m:r>
-                    <m:r>
-                      <a:rPr lang="fr-CA" sz="2800" b="0" i="1" smtClean="0">
-                        <a:latin typeface="Cambria Math" panose="02040503050406030204" pitchFamily="18" charset="0"/>
-                      </a:rPr>
-                      <m:t>𝜋</m:t>
-                    </m:r>
-                  </m:oMath>
-                </a14:m>
-                <a:endParaRPr lang="fr-CA" sz="2800" dirty="0"/>
+                <a:endParaRPr lang="en-CA" sz="2800" dirty="0"/>
               </a:p>
             </p:txBody>
           </p:sp>
         </mc:Choice>
-        <mc:Fallback>
+        <mc:Fallback xmlns="">
           <p:sp>
             <p:nvSpPr>
-              <p:cNvPr id="12" name="!!!eq2">
+              <p:cNvPr id="14" name="Rectangle 13">
                 <a:extLst>
                   <a:ext uri="{FF2B5EF4-FFF2-40B4-BE49-F238E27FC236}">
-                    <a16:creationId xmlns:a16="http://schemas.microsoft.com/office/drawing/2014/main" id="{BD7198D3-5F89-48DC-BA52-B2B46F64903E}"/>
+                    <a16:creationId xmlns:a16="http://schemas.microsoft.com/office/drawing/2014/main" id="{9CB415B7-B7C7-48BC-8CAB-2CBD6E14F4C9}"/>
                   </a:ext>
                 </a:extLst>
               </p:cNvPr>
@@ -10576,164 +10300,14 @@
             </p:nvSpPr>
             <p:spPr>
               <a:xfrm>
-                <a:off x="480912" y="4985791"/>
-                <a:ext cx="4043030" cy="523220"/>
+                <a:off x="788719" y="3117719"/>
+                <a:ext cx="3495893" cy="539571"/>
               </a:xfrm>
               <a:prstGeom prst="rect">
                 <a:avLst/>
               </a:prstGeom>
               <a:blipFill>
-                <a:blip r:embed="rId9"/>
-                <a:stretch>
-                  <a:fillRect/>
-                </a:stretch>
-              </a:blipFill>
-            </p:spPr>
-            <p:txBody>
-              <a:bodyPr/>
-              <a:lstStyle/>
-              <a:p>
-                <a:r>
-                  <a:rPr lang="fr-CA">
-                    <a:noFill/>
-                  </a:rPr>
-                  <a:t> </a:t>
-                </a:r>
-              </a:p>
-            </p:txBody>
-          </p:sp>
-        </mc:Fallback>
-      </mc:AlternateContent>
-      <mc:AlternateContent xmlns:mc="http://schemas.openxmlformats.org/markup-compatibility/2006">
-        <mc:Choice xmlns:a14="http://schemas.microsoft.com/office/drawing/2010/main" Requires="a14">
-          <p:sp>
-            <p:nvSpPr>
-              <p:cNvPr id="13" name="!!!eq2">
-                <a:extLst>
-                  <a:ext uri="{FF2B5EF4-FFF2-40B4-BE49-F238E27FC236}">
-                    <a16:creationId xmlns:a16="http://schemas.microsoft.com/office/drawing/2014/main" id="{D3A4D312-F64E-4B2A-B51E-A1C2D89BC5B5}"/>
-                  </a:ext>
-                </a:extLst>
-              </p:cNvPr>
-              <p:cNvSpPr/>
-              <p:nvPr/>
-            </p:nvSpPr>
-            <p:spPr>
-              <a:xfrm>
-                <a:off x="480912" y="5613524"/>
-                <a:ext cx="1549399" cy="827471"/>
-              </a:xfrm>
-              <a:prstGeom prst="rect">
-                <a:avLst/>
-              </a:prstGeom>
-            </p:spPr>
-            <p:txBody>
-              <a:bodyPr wrap="none">
-                <a:spAutoFit/>
-              </a:bodyPr>
-              <a:lstStyle/>
-              <a:p>
-                <a14:m>
-                  <m:oMathPara xmlns:m="http://schemas.openxmlformats.org/officeDocument/2006/math">
-                    <m:oMathParaPr>
-                      <m:jc m:val="centerGroup"/>
-                    </m:oMathParaPr>
-                    <m:oMath xmlns:m="http://schemas.openxmlformats.org/officeDocument/2006/math">
-                      <m:sSub>
-                        <m:sSubPr>
-                          <m:ctrlPr>
-                            <a:rPr lang="fr-CA" sz="2800" b="0" i="1" smtClean="0">
-                              <a:latin typeface="Cambria Math" panose="02040503050406030204" pitchFamily="18" charset="0"/>
-                            </a:rPr>
-                          </m:ctrlPr>
-                        </m:sSubPr>
-                        <m:e>
-                          <m:r>
-                            <a:rPr lang="fr-CA" sz="2800" b="0" i="1" smtClean="0">
-                              <a:latin typeface="Cambria Math" panose="02040503050406030204" pitchFamily="18" charset="0"/>
-                            </a:rPr>
-                            <m:t>𝑘</m:t>
-                          </m:r>
-                        </m:e>
-                        <m:sub>
-                          <m:r>
-                            <a:rPr lang="fr-CA" sz="2800" b="0" i="1" smtClean="0">
-                              <a:latin typeface="Cambria Math" panose="02040503050406030204" pitchFamily="18" charset="0"/>
-                            </a:rPr>
-                            <m:t>𝑛</m:t>
-                          </m:r>
-                        </m:sub>
-                      </m:sSub>
-                      <m:r>
-                        <a:rPr lang="fr-CA" sz="2800" b="0" i="1" smtClean="0">
-                          <a:latin typeface="Cambria Math" panose="02040503050406030204" pitchFamily="18" charset="0"/>
-                        </a:rPr>
-                        <m:t>=</m:t>
-                      </m:r>
-                      <m:f>
-                        <m:fPr>
-                          <m:ctrlPr>
-                            <a:rPr lang="fr-CA" sz="2800" b="0" i="1" smtClean="0">
-                              <a:latin typeface="Cambria Math" panose="02040503050406030204" pitchFamily="18" charset="0"/>
-                            </a:rPr>
-                          </m:ctrlPr>
-                        </m:fPr>
-                        <m:num>
-                          <m:r>
-                            <a:rPr lang="fr-CA" sz="2800" i="1">
-                              <a:latin typeface="Cambria Math" panose="02040503050406030204" pitchFamily="18" charset="0"/>
-                            </a:rPr>
-                            <m:t>𝑛</m:t>
-                          </m:r>
-                          <m:r>
-                            <a:rPr lang="fr-CA" sz="2800" i="1">
-                              <a:latin typeface="Cambria Math" panose="02040503050406030204" pitchFamily="18" charset="0"/>
-                            </a:rPr>
-                            <m:t>𝜋</m:t>
-                          </m:r>
-                        </m:num>
-                        <m:den>
-                          <m:r>
-                            <a:rPr lang="fr-CA" sz="2800" b="0" i="1" smtClean="0">
-                              <a:latin typeface="Cambria Math" panose="02040503050406030204" pitchFamily="18" charset="0"/>
-                            </a:rPr>
-                            <m:t>𝐿</m:t>
-                          </m:r>
-                        </m:den>
-                      </m:f>
-                    </m:oMath>
-                  </m:oMathPara>
-                </a14:m>
-                <a:endParaRPr lang="fr-CA" sz="2800" dirty="0"/>
-              </a:p>
-            </p:txBody>
-          </p:sp>
-        </mc:Choice>
-        <mc:Fallback>
-          <p:sp>
-            <p:nvSpPr>
-              <p:cNvPr id="13" name="!!!eq2">
-                <a:extLst>
-                  <a:ext uri="{FF2B5EF4-FFF2-40B4-BE49-F238E27FC236}">
-                    <a16:creationId xmlns:a16="http://schemas.microsoft.com/office/drawing/2014/main" id="{D3A4D312-F64E-4B2A-B51E-A1C2D89BC5B5}"/>
-                  </a:ext>
-                </a:extLst>
-              </p:cNvPr>
-              <p:cNvSpPr>
-                <a:spLocks noRot="1" noChangeAspect="1" noMove="1" noResize="1" noEditPoints="1" noAdjustHandles="1" noChangeArrowheads="1" noChangeShapeType="1" noTextEdit="1"/>
-              </p:cNvSpPr>
-              <p:nvPr/>
-            </p:nvSpPr>
-            <p:spPr>
-              <a:xfrm>
-                <a:off x="480912" y="5613524"/>
-                <a:ext cx="1549399" cy="827471"/>
-              </a:xfrm>
-              <a:prstGeom prst="rect">
-                <a:avLst/>
-              </a:prstGeom>
-              <a:blipFill>
-                <a:blip r:embed="rId10"/>
+                <a:blip r:embed="rId6"/>
                 <a:stretch>
                   <a:fillRect/>
                 </a:stretch>
@@ -10757,7 +10331,7 @@
     </p:spTree>
     <p:extLst>
       <p:ext uri="{BB962C8B-B14F-4D97-AF65-F5344CB8AC3E}">
-        <p14:creationId xmlns:p14="http://schemas.microsoft.com/office/powerpoint/2010/main" val="198974707"/>
+        <p14:creationId xmlns:p14="http://schemas.microsoft.com/office/powerpoint/2010/main" val="284769308"/>
       </p:ext>
     </p:extLst>
   </p:cSld>
@@ -10958,8 +10532,8 @@
           </a:extLst>
         </p:spPr>
       </p:pic>
-      <mc:AlternateContent xmlns:mc="http://schemas.openxmlformats.org/markup-compatibility/2006">
-        <mc:Choice xmlns:a14="http://schemas.microsoft.com/office/drawing/2010/main" Requires="a14">
+      <mc:AlternateContent xmlns:mc="http://schemas.openxmlformats.org/markup-compatibility/2006" xmlns:a14="http://schemas.microsoft.com/office/drawing/2010/main">
+        <mc:Choice Requires="a14">
           <p:sp>
             <p:nvSpPr>
               <p:cNvPr id="11" name="Rectangle 10">
@@ -11107,7 +10681,7 @@
             </p:txBody>
           </p:sp>
         </mc:Choice>
-        <mc:Fallback>
+        <mc:Fallback xmlns="">
           <p:sp>
             <p:nvSpPr>
               <p:cNvPr id="11" name="Rectangle 10">
@@ -11152,8 +10726,8 @@
           </p:sp>
         </mc:Fallback>
       </mc:AlternateContent>
-      <mc:AlternateContent xmlns:mc="http://schemas.openxmlformats.org/markup-compatibility/2006">
-        <mc:Choice xmlns:a14="http://schemas.microsoft.com/office/drawing/2010/main" Requires="a14">
+      <mc:AlternateContent xmlns:mc="http://schemas.openxmlformats.org/markup-compatibility/2006" xmlns:a14="http://schemas.microsoft.com/office/drawing/2010/main">
+        <mc:Choice Requires="a14">
           <p:sp>
             <p:nvSpPr>
               <p:cNvPr id="14" name="Rectangle 13">
@@ -11318,7 +10892,7 @@
             </p:txBody>
           </p:sp>
         </mc:Choice>
-        <mc:Fallback>
+        <mc:Fallback xmlns="">
           <p:sp>
             <p:nvSpPr>
               <p:cNvPr id="14" name="Rectangle 13">
@@ -11363,10 +10937,216 @@
           </p:sp>
         </mc:Fallback>
       </mc:AlternateContent>
+      <mc:AlternateContent xmlns:mc="http://schemas.openxmlformats.org/markup-compatibility/2006" xmlns:a14="http://schemas.microsoft.com/office/drawing/2010/main">
+        <mc:Choice Requires="a14">
+          <p:sp>
+            <p:nvSpPr>
+              <p:cNvPr id="7" name="!!!eq3">
+                <a:extLst>
+                  <a:ext uri="{FF2B5EF4-FFF2-40B4-BE49-F238E27FC236}">
+                    <a16:creationId xmlns:a16="http://schemas.microsoft.com/office/drawing/2014/main" id="{18D23612-F111-4C02-AF5F-2303BCFE81F3}"/>
+                  </a:ext>
+                </a:extLst>
+              </p:cNvPr>
+              <p:cNvSpPr/>
+              <p:nvPr/>
+            </p:nvSpPr>
+            <p:spPr>
+              <a:xfrm>
+                <a:off x="720240" y="3670682"/>
+                <a:ext cx="4562531" cy="737189"/>
+              </a:xfrm>
+              <a:prstGeom prst="rect">
+                <a:avLst/>
+              </a:prstGeom>
+            </p:spPr>
+            <p:txBody>
+              <a:bodyPr wrap="none">
+                <a:spAutoFit/>
+              </a:bodyPr>
+              <a:lstStyle/>
+              <a:p>
+                <a14:m>
+                  <m:oMath xmlns:m="http://schemas.openxmlformats.org/officeDocument/2006/math">
+                    <m:r>
+                      <a:rPr lang="fr-CA" sz="2800" b="0" i="1" smtClean="0">
+                        <a:latin typeface="Cambria Math" panose="02040503050406030204" pitchFamily="18" charset="0"/>
+                      </a:rPr>
+                      <m:t>∫</m:t>
+                    </m:r>
+                    <m:r>
+                      <a:rPr lang="fr-CA" sz="2800" b="0" i="1" smtClean="0">
+                        <a:latin typeface="Cambria Math" panose="02040503050406030204" pitchFamily="18" charset="0"/>
+                      </a:rPr>
+                      <m:t>𝑑𝑥𝐴𝑠</m:t>
+                    </m:r>
+                    <m:r>
+                      <a:rPr lang="en-CA" sz="2800" i="1">
+                        <a:latin typeface="Cambria Math" panose="02040503050406030204" pitchFamily="18" charset="0"/>
+                      </a:rPr>
+                      <m:t>𝑖𝑛</m:t>
+                    </m:r>
+                    <m:d>
+                      <m:dPr>
+                        <m:ctrlPr>
+                          <a:rPr lang="en-CA" sz="2800" i="1">
+                            <a:latin typeface="Cambria Math" panose="02040503050406030204" pitchFamily="18" charset="0"/>
+                          </a:rPr>
+                        </m:ctrlPr>
+                      </m:dPr>
+                      <m:e>
+                        <m:f>
+                          <m:fPr>
+                            <m:ctrlPr>
+                              <a:rPr lang="fr-CA" sz="2800" i="1">
+                                <a:latin typeface="Cambria Math" panose="02040503050406030204" pitchFamily="18" charset="0"/>
+                              </a:rPr>
+                            </m:ctrlPr>
+                          </m:fPr>
+                          <m:num>
+                            <m:r>
+                              <a:rPr lang="fr-CA" sz="2800" i="1">
+                                <a:latin typeface="Cambria Math" panose="02040503050406030204" pitchFamily="18" charset="0"/>
+                              </a:rPr>
+                              <m:t>𝑛</m:t>
+                            </m:r>
+                            <m:r>
+                              <a:rPr lang="fr-CA" sz="2800" i="1">
+                                <a:latin typeface="Cambria Math" panose="02040503050406030204" pitchFamily="18" charset="0"/>
+                              </a:rPr>
+                              <m:t>𝜋</m:t>
+                            </m:r>
+                            <m:r>
+                              <a:rPr lang="en-CA" sz="2800" i="1">
+                                <a:latin typeface="Cambria Math" panose="02040503050406030204" pitchFamily="18" charset="0"/>
+                              </a:rPr>
+                              <m:t>𝑥</m:t>
+                            </m:r>
+                          </m:num>
+                          <m:den>
+                            <m:r>
+                              <a:rPr lang="fr-CA" sz="2800" i="1">
+                                <a:latin typeface="Cambria Math" panose="02040503050406030204" pitchFamily="18" charset="0"/>
+                              </a:rPr>
+                              <m:t>𝐿</m:t>
+                            </m:r>
+                          </m:den>
+                        </m:f>
+                      </m:e>
+                    </m:d>
+                    <m:r>
+                      <a:rPr lang="en-CA" sz="2800" i="1">
+                        <a:latin typeface="Cambria Math" panose="02040503050406030204" pitchFamily="18" charset="0"/>
+                      </a:rPr>
+                      <m:t>𝐴𝑠𝑖𝑛</m:t>
+                    </m:r>
+                    <m:d>
+                      <m:dPr>
+                        <m:ctrlPr>
+                          <a:rPr lang="en-CA" sz="2800" i="1">
+                            <a:latin typeface="Cambria Math" panose="02040503050406030204" pitchFamily="18" charset="0"/>
+                          </a:rPr>
+                        </m:ctrlPr>
+                      </m:dPr>
+                      <m:e>
+                        <m:f>
+                          <m:fPr>
+                            <m:ctrlPr>
+                              <a:rPr lang="fr-CA" sz="2800" i="1">
+                                <a:latin typeface="Cambria Math" panose="02040503050406030204" pitchFamily="18" charset="0"/>
+                              </a:rPr>
+                            </m:ctrlPr>
+                          </m:fPr>
+                          <m:num>
+                            <m:r>
+                              <a:rPr lang="fr-CA" sz="2800" i="1">
+                                <a:latin typeface="Cambria Math" panose="02040503050406030204" pitchFamily="18" charset="0"/>
+                              </a:rPr>
+                              <m:t>𝑛</m:t>
+                            </m:r>
+                            <m:r>
+                              <a:rPr lang="fr-CA" sz="2800" i="1">
+                                <a:latin typeface="Cambria Math" panose="02040503050406030204" pitchFamily="18" charset="0"/>
+                              </a:rPr>
+                              <m:t>𝜋</m:t>
+                            </m:r>
+                            <m:r>
+                              <a:rPr lang="en-CA" sz="2800" i="1">
+                                <a:latin typeface="Cambria Math" panose="02040503050406030204" pitchFamily="18" charset="0"/>
+                              </a:rPr>
+                              <m:t>𝑥</m:t>
+                            </m:r>
+                          </m:num>
+                          <m:den>
+                            <m:r>
+                              <a:rPr lang="fr-CA" sz="2800" i="1">
+                                <a:latin typeface="Cambria Math" panose="02040503050406030204" pitchFamily="18" charset="0"/>
+                              </a:rPr>
+                              <m:t>𝐿</m:t>
+                            </m:r>
+                          </m:den>
+                        </m:f>
+                      </m:e>
+                    </m:d>
+                  </m:oMath>
+                </a14:m>
+                <a:r>
+                  <a:rPr lang="en-CA" sz="2800" dirty="0"/>
+                  <a:t>=1</a:t>
+                </a:r>
+              </a:p>
+            </p:txBody>
+          </p:sp>
+        </mc:Choice>
+        <mc:Fallback xmlns="">
+          <p:sp>
+            <p:nvSpPr>
+              <p:cNvPr id="7" name="!!!eq3">
+                <a:extLst>
+                  <a:ext uri="{FF2B5EF4-FFF2-40B4-BE49-F238E27FC236}">
+                    <a16:creationId xmlns:a16="http://schemas.microsoft.com/office/drawing/2014/main" id="{18D23612-F111-4C02-AF5F-2303BCFE81F3}"/>
+                  </a:ext>
+                </a:extLst>
+              </p:cNvPr>
+              <p:cNvSpPr>
+                <a:spLocks noRot="1" noChangeAspect="1" noMove="1" noResize="1" noEditPoints="1" noAdjustHandles="1" noChangeArrowheads="1" noChangeShapeType="1" noTextEdit="1"/>
+              </p:cNvSpPr>
+              <p:nvPr/>
+            </p:nvSpPr>
+            <p:spPr>
+              <a:xfrm>
+                <a:off x="720240" y="3670682"/>
+                <a:ext cx="4562531" cy="737189"/>
+              </a:xfrm>
+              <a:prstGeom prst="rect">
+                <a:avLst/>
+              </a:prstGeom>
+              <a:blipFill>
+                <a:blip r:embed="rId7"/>
+                <a:stretch>
+                  <a:fillRect r="-1602" b="-9091"/>
+                </a:stretch>
+              </a:blipFill>
+            </p:spPr>
+            <p:txBody>
+              <a:bodyPr/>
+              <a:lstStyle/>
+              <a:p>
+                <a:r>
+                  <a:rPr lang="fr-CA">
+                    <a:noFill/>
+                  </a:rPr>
+                  <a:t> </a:t>
+                </a:r>
+              </a:p>
+            </p:txBody>
+          </p:sp>
+        </mc:Fallback>
+      </mc:AlternateContent>
     </p:spTree>
     <p:extLst>
       <p:ext uri="{BB962C8B-B14F-4D97-AF65-F5344CB8AC3E}">
-        <p14:creationId xmlns:p14="http://schemas.microsoft.com/office/powerpoint/2010/main" val="284769308"/>
+        <p14:creationId xmlns:p14="http://schemas.microsoft.com/office/powerpoint/2010/main" val="3744583751"/>
       </p:ext>
     </p:extLst>
   </p:cSld>
@@ -11567,8 +11347,8 @@
           </a:extLst>
         </p:spPr>
       </p:pic>
-      <mc:AlternateContent xmlns:mc="http://schemas.openxmlformats.org/markup-compatibility/2006">
-        <mc:Choice xmlns:a14="http://schemas.microsoft.com/office/drawing/2010/main" Requires="a14">
+      <mc:AlternateContent xmlns:mc="http://schemas.openxmlformats.org/markup-compatibility/2006" xmlns:a14="http://schemas.microsoft.com/office/drawing/2010/main">
+        <mc:Choice Requires="a14">
           <p:sp>
             <p:nvSpPr>
               <p:cNvPr id="11" name="Rectangle 10">
@@ -11716,7 +11496,7 @@
             </p:txBody>
           </p:sp>
         </mc:Choice>
-        <mc:Fallback>
+        <mc:Fallback xmlns="">
           <p:sp>
             <p:nvSpPr>
               <p:cNvPr id="11" name="Rectangle 10">
@@ -11761,8 +11541,8 @@
           </p:sp>
         </mc:Fallback>
       </mc:AlternateContent>
-      <mc:AlternateContent xmlns:mc="http://schemas.openxmlformats.org/markup-compatibility/2006">
-        <mc:Choice xmlns:a14="http://schemas.microsoft.com/office/drawing/2010/main" Requires="a14">
+      <mc:AlternateContent xmlns:mc="http://schemas.openxmlformats.org/markup-compatibility/2006" xmlns:a14="http://schemas.microsoft.com/office/drawing/2010/main">
+        <mc:Choice Requires="a14">
           <p:sp>
             <p:nvSpPr>
               <p:cNvPr id="14" name="Rectangle 13">
@@ -11927,7 +11707,7 @@
             </p:txBody>
           </p:sp>
         </mc:Choice>
-        <mc:Fallback>
+        <mc:Fallback xmlns="">
           <p:sp>
             <p:nvSpPr>
               <p:cNvPr id="14" name="Rectangle 13">
@@ -11972,8 +11752,8 @@
           </p:sp>
         </mc:Fallback>
       </mc:AlternateContent>
-      <mc:AlternateContent xmlns:mc="http://schemas.openxmlformats.org/markup-compatibility/2006">
-        <mc:Choice xmlns:a14="http://schemas.microsoft.com/office/drawing/2010/main" Requires="a14">
+      <mc:AlternateContent xmlns:mc="http://schemas.openxmlformats.org/markup-compatibility/2006" xmlns:a14="http://schemas.microsoft.com/office/drawing/2010/main">
+        <mc:Choice Requires="a14">
           <p:sp>
             <p:nvSpPr>
               <p:cNvPr id="7" name="!!!eq3">
@@ -11989,7 +11769,7 @@
             <p:spPr>
               <a:xfrm>
                 <a:off x="720240" y="3670682"/>
-                <a:ext cx="4562531" cy="737189"/>
+                <a:ext cx="3229154" cy="737189"/>
               </a:xfrm>
               <a:prstGeom prst="rect">
                 <a:avLst/>
@@ -12001,7 +11781,6 @@
               </a:bodyPr>
               <a:lstStyle/>
               <a:p>
-                <a:pPr/>
                 <a14:m>
                   <m:oMath xmlns:m="http://schemas.openxmlformats.org/officeDocument/2006/math">
                     <m:r>
@@ -12014,116 +11793,122 @@
                       <a:rPr lang="fr-CA" sz="2800" b="0" i="1" smtClean="0">
                         <a:latin typeface="Cambria Math" panose="02040503050406030204" pitchFamily="18" charset="0"/>
                       </a:rPr>
-                      <m:t>𝑑𝑥𝐴</m:t>
+                      <m:t>𝑑𝑥</m:t>
                     </m:r>
-                    <m:r>
-                      <a:rPr lang="en-CA" sz="2800" i="1">
-                        <a:latin typeface="Cambria Math" panose="02040503050406030204" pitchFamily="18" charset="0"/>
-                      </a:rPr>
-                      <m:t>𝑠𝑖𝑛</m:t>
-                    </m:r>
-                    <m:d>
-                      <m:dPr>
+                    <m:sSup>
+                      <m:sSupPr>
                         <m:ctrlPr>
+                          <a:rPr lang="fr-CA" sz="2800" b="0" i="1" smtClean="0">
+                            <a:latin typeface="Cambria Math" panose="02040503050406030204" pitchFamily="18" charset="0"/>
+                          </a:rPr>
+                        </m:ctrlPr>
+                      </m:sSupPr>
+                      <m:e>
+                        <m:r>
                           <a:rPr lang="en-CA" sz="2800" i="1">
                             <a:latin typeface="Cambria Math" panose="02040503050406030204" pitchFamily="18" charset="0"/>
                           </a:rPr>
+                          <m:t>𝐴</m:t>
+                        </m:r>
+                      </m:e>
+                      <m:sup>
+                        <m:r>
+                          <a:rPr lang="fr-CA" sz="2800" b="0" i="1" smtClean="0">
+                            <a:latin typeface="Cambria Math" panose="02040503050406030204" pitchFamily="18" charset="0"/>
+                          </a:rPr>
+                          <m:t>2</m:t>
+                        </m:r>
+                      </m:sup>
+                    </m:sSup>
+                    <m:func>
+                      <m:funcPr>
+                        <m:ctrlPr>
+                          <a:rPr lang="fr-CA" sz="2800" b="0" i="1" smtClean="0">
+                            <a:latin typeface="Cambria Math" panose="02040503050406030204" pitchFamily="18" charset="0"/>
+                          </a:rPr>
                         </m:ctrlPr>
-                      </m:dPr>
-                      <m:e>
-                        <m:f>
-                          <m:fPr>
+                      </m:funcPr>
+                      <m:fName>
+                        <m:sSup>
+                          <m:sSupPr>
                             <m:ctrlPr>
-                              <a:rPr lang="fr-CA" sz="2800" i="1">
+                              <a:rPr lang="fr-CA" sz="2800" b="0" i="1" smtClean="0">
                                 <a:latin typeface="Cambria Math" panose="02040503050406030204" pitchFamily="18" charset="0"/>
                               </a:rPr>
                             </m:ctrlPr>
-                          </m:fPr>
-                          <m:num>
+                          </m:sSupPr>
+                          <m:e>
                             <m:r>
-                              <a:rPr lang="fr-CA" sz="2800" i="1">
+                              <m:rPr>
+                                <m:sty m:val="p"/>
+                              </m:rPr>
+                              <a:rPr lang="en-CA" sz="2800" i="0">
                                 <a:latin typeface="Cambria Math" panose="02040503050406030204" pitchFamily="18" charset="0"/>
                               </a:rPr>
-                              <m:t>𝑛</m:t>
+                              <m:t>sin</m:t>
                             </m:r>
+                          </m:e>
+                          <m:sup>
                             <m:r>
-                              <a:rPr lang="fr-CA" sz="2800" i="1">
+                              <a:rPr lang="fr-CA" sz="2800" b="0" i="1" smtClean="0">
                                 <a:latin typeface="Cambria Math" panose="02040503050406030204" pitchFamily="18" charset="0"/>
                               </a:rPr>
-                              <m:t>𝜋</m:t>
+                              <m:t>2</m:t>
                             </m:r>
-                            <m:r>
+                          </m:sup>
+                        </m:sSup>
+                      </m:fName>
+                      <m:e>
+                        <m:d>
+                          <m:dPr>
+                            <m:ctrlPr>
                               <a:rPr lang="en-CA" sz="2800" i="1">
                                 <a:latin typeface="Cambria Math" panose="02040503050406030204" pitchFamily="18" charset="0"/>
                               </a:rPr>
-                              <m:t>𝑥</m:t>
-                            </m:r>
-                          </m:num>
-                          <m:den>
-                            <m:r>
-                              <a:rPr lang="fr-CA" sz="2800" i="1">
-                                <a:latin typeface="Cambria Math" panose="02040503050406030204" pitchFamily="18" charset="0"/>
-                              </a:rPr>
-                              <m:t>𝐿</m:t>
-                            </m:r>
-                          </m:den>
-                        </m:f>
+                            </m:ctrlPr>
+                          </m:dPr>
+                          <m:e>
+                            <m:f>
+                              <m:fPr>
+                                <m:ctrlPr>
+                                  <a:rPr lang="fr-CA" sz="2800" i="1">
+                                    <a:latin typeface="Cambria Math" panose="02040503050406030204" pitchFamily="18" charset="0"/>
+                                  </a:rPr>
+                                </m:ctrlPr>
+                              </m:fPr>
+                              <m:num>
+                                <m:r>
+                                  <a:rPr lang="fr-CA" sz="2800" i="1">
+                                    <a:latin typeface="Cambria Math" panose="02040503050406030204" pitchFamily="18" charset="0"/>
+                                  </a:rPr>
+                                  <m:t>𝑛</m:t>
+                                </m:r>
+                                <m:r>
+                                  <a:rPr lang="fr-CA" sz="2800" i="1">
+                                    <a:latin typeface="Cambria Math" panose="02040503050406030204" pitchFamily="18" charset="0"/>
+                                  </a:rPr>
+                                  <m:t>𝜋</m:t>
+                                </m:r>
+                                <m:r>
+                                  <a:rPr lang="en-CA" sz="2800" i="1">
+                                    <a:latin typeface="Cambria Math" panose="02040503050406030204" pitchFamily="18" charset="0"/>
+                                  </a:rPr>
+                                  <m:t>𝑥</m:t>
+                                </m:r>
+                              </m:num>
+                              <m:den>
+                                <m:r>
+                                  <a:rPr lang="fr-CA" sz="2800" i="1">
+                                    <a:latin typeface="Cambria Math" panose="02040503050406030204" pitchFamily="18" charset="0"/>
+                                  </a:rPr>
+                                  <m:t>𝐿</m:t>
+                                </m:r>
+                              </m:den>
+                            </m:f>
+                          </m:e>
+                        </m:d>
                       </m:e>
-                    </m:d>
-                    <m:r>
-                      <a:rPr lang="en-CA" sz="2800" i="1">
-                        <a:latin typeface="Cambria Math" panose="02040503050406030204" pitchFamily="18" charset="0"/>
-                      </a:rPr>
-                      <m:t>𝐴𝑠𝑖𝑛</m:t>
-                    </m:r>
-                    <m:d>
-                      <m:dPr>
-                        <m:ctrlPr>
-                          <a:rPr lang="en-CA" sz="2800" i="1">
-                            <a:latin typeface="Cambria Math" panose="02040503050406030204" pitchFamily="18" charset="0"/>
-                          </a:rPr>
-                        </m:ctrlPr>
-                      </m:dPr>
-                      <m:e>
-                        <m:f>
-                          <m:fPr>
-                            <m:ctrlPr>
-                              <a:rPr lang="fr-CA" sz="2800" i="1">
-                                <a:latin typeface="Cambria Math" panose="02040503050406030204" pitchFamily="18" charset="0"/>
-                              </a:rPr>
-                            </m:ctrlPr>
-                          </m:fPr>
-                          <m:num>
-                            <m:r>
-                              <a:rPr lang="fr-CA" sz="2800" i="1">
-                                <a:latin typeface="Cambria Math" panose="02040503050406030204" pitchFamily="18" charset="0"/>
-                              </a:rPr>
-                              <m:t>𝑛</m:t>
-                            </m:r>
-                            <m:r>
-                              <a:rPr lang="fr-CA" sz="2800" i="1">
-                                <a:latin typeface="Cambria Math" panose="02040503050406030204" pitchFamily="18" charset="0"/>
-                              </a:rPr>
-                              <m:t>𝜋</m:t>
-                            </m:r>
-                            <m:r>
-                              <a:rPr lang="en-CA" sz="2800" i="1">
-                                <a:latin typeface="Cambria Math" panose="02040503050406030204" pitchFamily="18" charset="0"/>
-                              </a:rPr>
-                              <m:t>𝑥</m:t>
-                            </m:r>
-                          </m:num>
-                          <m:den>
-                            <m:r>
-                              <a:rPr lang="fr-CA" sz="2800" i="1">
-                                <a:latin typeface="Cambria Math" panose="02040503050406030204" pitchFamily="18" charset="0"/>
-                              </a:rPr>
-                              <m:t>𝐿</m:t>
-                            </m:r>
-                          </m:den>
-                        </m:f>
-                      </m:e>
-                    </m:d>
+                    </m:func>
                   </m:oMath>
                 </a14:m>
                 <a:r>
@@ -12134,7 +11919,7 @@
             </p:txBody>
           </p:sp>
         </mc:Choice>
-        <mc:Fallback>
+        <mc:Fallback xmlns="">
           <p:sp>
             <p:nvSpPr>
               <p:cNvPr id="7" name="!!!eq3">
@@ -12152,7 +11937,7 @@
             <p:spPr>
               <a:xfrm>
                 <a:off x="720240" y="3670682"/>
-                <a:ext cx="4562531" cy="737189"/>
+                <a:ext cx="3229154" cy="737189"/>
               </a:xfrm>
               <a:prstGeom prst="rect">
                 <a:avLst/>
@@ -12160,7 +11945,7 @@
               <a:blipFill>
                 <a:blip r:embed="rId7"/>
                 <a:stretch>
-                  <a:fillRect r="-1602" b="-9091"/>
+                  <a:fillRect r="-2830" b="-9091"/>
                 </a:stretch>
               </a:blipFill>
             </p:spPr>
@@ -12182,7 +11967,7 @@
     </p:spTree>
     <p:extLst>
       <p:ext uri="{BB962C8B-B14F-4D97-AF65-F5344CB8AC3E}">
-        <p14:creationId xmlns:p14="http://schemas.microsoft.com/office/powerpoint/2010/main" val="3744583751"/>
+        <p14:creationId xmlns:p14="http://schemas.microsoft.com/office/powerpoint/2010/main" val="3305057843"/>
       </p:ext>
     </p:extLst>
   </p:cSld>
@@ -12383,8 +12168,8 @@
           </a:extLst>
         </p:spPr>
       </p:pic>
-      <mc:AlternateContent xmlns:mc="http://schemas.openxmlformats.org/markup-compatibility/2006">
-        <mc:Choice xmlns:a14="http://schemas.microsoft.com/office/drawing/2010/main" Requires="a14">
+      <mc:AlternateContent xmlns:mc="http://schemas.openxmlformats.org/markup-compatibility/2006" xmlns:a14="http://schemas.microsoft.com/office/drawing/2010/main">
+        <mc:Choice Requires="a14">
           <p:sp>
             <p:nvSpPr>
               <p:cNvPr id="11" name="Rectangle 10">
@@ -12532,7 +12317,7 @@
             </p:txBody>
           </p:sp>
         </mc:Choice>
-        <mc:Fallback>
+        <mc:Fallback xmlns="">
           <p:sp>
             <p:nvSpPr>
               <p:cNvPr id="11" name="Rectangle 10">
@@ -12577,8 +12362,8 @@
           </p:sp>
         </mc:Fallback>
       </mc:AlternateContent>
-      <mc:AlternateContent xmlns:mc="http://schemas.openxmlformats.org/markup-compatibility/2006">
-        <mc:Choice xmlns:a14="http://schemas.microsoft.com/office/drawing/2010/main" Requires="a14">
+      <mc:AlternateContent xmlns:mc="http://schemas.openxmlformats.org/markup-compatibility/2006" xmlns:a14="http://schemas.microsoft.com/office/drawing/2010/main">
+        <mc:Choice Requires="a14">
           <p:sp>
             <p:nvSpPr>
               <p:cNvPr id="14" name="Rectangle 13">
@@ -12743,7 +12528,7 @@
             </p:txBody>
           </p:sp>
         </mc:Choice>
-        <mc:Fallback>
+        <mc:Fallback xmlns="">
           <p:sp>
             <p:nvSpPr>
               <p:cNvPr id="14" name="Rectangle 13">
@@ -12788,8 +12573,8 @@
           </p:sp>
         </mc:Fallback>
       </mc:AlternateContent>
-      <mc:AlternateContent xmlns:mc="http://schemas.openxmlformats.org/markup-compatibility/2006">
-        <mc:Choice xmlns:a14="http://schemas.microsoft.com/office/drawing/2010/main" Requires="a14">
+      <mc:AlternateContent xmlns:mc="http://schemas.openxmlformats.org/markup-compatibility/2006" xmlns:a14="http://schemas.microsoft.com/office/drawing/2010/main">
+        <mc:Choice Requires="a14">
           <p:sp>
             <p:nvSpPr>
               <p:cNvPr id="7" name="!!!eq3">
@@ -12817,7 +12602,6 @@
               </a:bodyPr>
               <a:lstStyle/>
               <a:p>
-                <a:pPr/>
                 <a14:m>
                   <m:oMath xmlns:m="http://schemas.openxmlformats.org/officeDocument/2006/math">
                     <m:r>
@@ -12956,7 +12740,7 @@
             </p:txBody>
           </p:sp>
         </mc:Choice>
-        <mc:Fallback>
+        <mc:Fallback xmlns="">
           <p:sp>
             <p:nvSpPr>
               <p:cNvPr id="7" name="!!!eq3">
@@ -13001,10 +12785,285 @@
           </p:sp>
         </mc:Fallback>
       </mc:AlternateContent>
+      <mc:AlternateContent xmlns:mc="http://schemas.openxmlformats.org/markup-compatibility/2006">
+        <mc:Choice xmlns:a14="http://schemas.microsoft.com/office/drawing/2010/main" Requires="a14">
+          <p:sp>
+            <p:nvSpPr>
+              <p:cNvPr id="9" name="!!!eq3">
+                <a:extLst>
+                  <a:ext uri="{FF2B5EF4-FFF2-40B4-BE49-F238E27FC236}">
+                    <a16:creationId xmlns:a16="http://schemas.microsoft.com/office/drawing/2014/main" id="{A951563A-F00C-47F5-8B2F-346A5F0240E8}"/>
+                  </a:ext>
+                </a:extLst>
+              </p:cNvPr>
+              <p:cNvSpPr/>
+              <p:nvPr/>
+            </p:nvSpPr>
+            <p:spPr>
+              <a:xfrm>
+                <a:off x="720240" y="4421263"/>
+                <a:ext cx="5295937" cy="838756"/>
+              </a:xfrm>
+              <a:prstGeom prst="rect">
+                <a:avLst/>
+              </a:prstGeom>
+            </p:spPr>
+            <p:txBody>
+              <a:bodyPr wrap="none">
+                <a:spAutoFit/>
+              </a:bodyPr>
+              <a:lstStyle/>
+              <a:p>
+                <a:pPr/>
+                <a14:m>
+                  <m:oMathPara xmlns:m="http://schemas.openxmlformats.org/officeDocument/2006/math">
+                    <m:oMathParaPr>
+                      <m:jc m:val="left"/>
+                    </m:oMathParaPr>
+                    <m:oMath xmlns:m="http://schemas.openxmlformats.org/officeDocument/2006/math">
+                      <m:r>
+                        <a:rPr lang="fr-CA" sz="2800" b="0" i="1" smtClean="0">
+                          <a:latin typeface="Cambria Math" panose="02040503050406030204" pitchFamily="18" charset="0"/>
+                        </a:rPr>
+                        <m:t>∫</m:t>
+                      </m:r>
+                      <m:r>
+                        <a:rPr lang="fr-CA" sz="2800" b="0" i="1" smtClean="0">
+                          <a:latin typeface="Cambria Math" panose="02040503050406030204" pitchFamily="18" charset="0"/>
+                        </a:rPr>
+                        <m:t>𝑑𝑥</m:t>
+                      </m:r>
+                      <m:sSup>
+                        <m:sSupPr>
+                          <m:ctrlPr>
+                            <a:rPr lang="fr-CA" sz="2800" b="0" i="1" smtClean="0">
+                              <a:latin typeface="Cambria Math" panose="02040503050406030204" pitchFamily="18" charset="0"/>
+                            </a:rPr>
+                          </m:ctrlPr>
+                        </m:sSupPr>
+                        <m:e>
+                          <m:r>
+                            <a:rPr lang="fr-CA" sz="2800" b="0" i="1" smtClean="0">
+                              <a:latin typeface="Cambria Math" panose="02040503050406030204" pitchFamily="18" charset="0"/>
+                            </a:rPr>
+                            <m:t>(</m:t>
+                          </m:r>
+                          <m:r>
+                            <a:rPr lang="en-CA" sz="2800" i="1">
+                              <a:latin typeface="Cambria Math" panose="02040503050406030204" pitchFamily="18" charset="0"/>
+                            </a:rPr>
+                            <m:t>𝐴</m:t>
+                          </m:r>
+                        </m:e>
+                        <m:sup>
+                          <m:r>
+                            <a:rPr lang="fr-CA" sz="2800" b="0" i="1" smtClean="0">
+                              <a:latin typeface="Cambria Math" panose="02040503050406030204" pitchFamily="18" charset="0"/>
+                            </a:rPr>
+                            <m:t>2</m:t>
+                          </m:r>
+                        </m:sup>
+                      </m:sSup>
+                      <m:func>
+                        <m:funcPr>
+                          <m:ctrlPr>
+                            <a:rPr lang="fr-CA" sz="2800" b="0" i="1" smtClean="0">
+                              <a:latin typeface="Cambria Math" panose="02040503050406030204" pitchFamily="18" charset="0"/>
+                            </a:rPr>
+                          </m:ctrlPr>
+                        </m:funcPr>
+                        <m:fName>
+                          <m:r>
+                            <a:rPr lang="fr-CA" sz="2800" b="0" i="1" smtClean="0">
+                              <a:latin typeface="Cambria Math" panose="02040503050406030204" pitchFamily="18" charset="0"/>
+                            </a:rPr>
+                            <m:t>−2</m:t>
+                          </m:r>
+                          <m:r>
+                            <a:rPr lang="fr-CA" sz="2800" b="0" i="1" smtClean="0">
+                              <a:latin typeface="Cambria Math" panose="02040503050406030204" pitchFamily="18" charset="0"/>
+                            </a:rPr>
+                            <m:t>𝑐𝑜𝑠</m:t>
+                          </m:r>
+                        </m:fName>
+                        <m:e>
+                          <m:d>
+                            <m:dPr>
+                              <m:ctrlPr>
+                                <a:rPr lang="en-CA" sz="2800" i="1">
+                                  <a:latin typeface="Cambria Math" panose="02040503050406030204" pitchFamily="18" charset="0"/>
+                                </a:rPr>
+                              </m:ctrlPr>
+                            </m:dPr>
+                            <m:e>
+                              <m:f>
+                                <m:fPr>
+                                  <m:ctrlPr>
+                                    <a:rPr lang="fr-CA" sz="2800" i="1">
+                                      <a:latin typeface="Cambria Math" panose="02040503050406030204" pitchFamily="18" charset="0"/>
+                                    </a:rPr>
+                                  </m:ctrlPr>
+                                </m:fPr>
+                                <m:num>
+                                  <m:r>
+                                    <a:rPr lang="fr-CA" sz="2800" i="1">
+                                      <a:latin typeface="Cambria Math" panose="02040503050406030204" pitchFamily="18" charset="0"/>
+                                    </a:rPr>
+                                    <m:t>𝑛</m:t>
+                                  </m:r>
+                                  <m:r>
+                                    <a:rPr lang="fr-CA" sz="2800" i="1">
+                                      <a:latin typeface="Cambria Math" panose="02040503050406030204" pitchFamily="18" charset="0"/>
+                                    </a:rPr>
+                                    <m:t>𝜋</m:t>
+                                  </m:r>
+                                  <m:r>
+                                    <a:rPr lang="en-CA" sz="2800" i="1">
+                                      <a:latin typeface="Cambria Math" panose="02040503050406030204" pitchFamily="18" charset="0"/>
+                                    </a:rPr>
+                                    <m:t>𝑥</m:t>
+                                  </m:r>
+                                </m:num>
+                                <m:den>
+                                  <m:r>
+                                    <a:rPr lang="fr-CA" sz="2800" i="1">
+                                      <a:latin typeface="Cambria Math" panose="02040503050406030204" pitchFamily="18" charset="0"/>
+                                    </a:rPr>
+                                    <m:t>𝐿</m:t>
+                                  </m:r>
+                                </m:den>
+                              </m:f>
+                            </m:e>
+                          </m:d>
+                          <m:r>
+                            <a:rPr lang="fr-CA" sz="2800" b="0" i="1" smtClean="0">
+                              <a:latin typeface="Cambria Math" panose="02040503050406030204" pitchFamily="18" charset="0"/>
+                            </a:rPr>
+                            <m:t>)</m:t>
+                          </m:r>
+                          <m:func>
+                            <m:funcPr>
+                              <m:ctrlPr>
+                                <a:rPr lang="fr-CA" sz="2800" b="0" i="1" smtClean="0">
+                                  <a:latin typeface="Cambria Math" panose="02040503050406030204" pitchFamily="18" charset="0"/>
+                                </a:rPr>
+                              </m:ctrlPr>
+                            </m:funcPr>
+                            <m:fName>
+                              <m:sSubSup>
+                                <m:sSubSupPr>
+                                  <m:ctrlPr>
+                                    <a:rPr lang="fr-CA" sz="2800" b="0" i="1" smtClean="0">
+                                      <a:latin typeface="Cambria Math" panose="02040503050406030204" pitchFamily="18" charset="0"/>
+                                    </a:rPr>
+                                  </m:ctrlPr>
+                                </m:sSubSupPr>
+                                <m:e>
+                                  <m:d>
+                                    <m:dPr>
+                                      <m:begChr m:val=""/>
+                                      <m:endChr m:val="|"/>
+                                      <m:ctrlPr>
+                                        <a:rPr lang="fr-CA" sz="2800" b="0" i="1" smtClean="0">
+                                          <a:latin typeface="Cambria Math" panose="02040503050406030204" pitchFamily="18" charset="0"/>
+                                        </a:rPr>
+                                      </m:ctrlPr>
+                                    </m:dPr>
+                                    <m:e/>
+                                  </m:d>
+                                </m:e>
+                                <m:sub>
+                                  <m:r>
+                                    <a:rPr lang="fr-CA" sz="2800" b="0" i="1" smtClean="0">
+                                      <a:latin typeface="Cambria Math" panose="02040503050406030204" pitchFamily="18" charset="0"/>
+                                    </a:rPr>
+                                    <m:t>−</m:t>
+                                  </m:r>
+                                  <m:r>
+                                    <a:rPr lang="fr-CA" sz="2800" i="1">
+                                      <a:latin typeface="Cambria Math" panose="02040503050406030204" pitchFamily="18" charset="0"/>
+                                    </a:rPr>
+                                    <m:t>∞</m:t>
+                                  </m:r>
+                                </m:sub>
+                                <m:sup>
+                                  <m:r>
+                                    <a:rPr lang="fr-CA" sz="2800" i="1">
+                                      <a:latin typeface="Cambria Math" panose="02040503050406030204" pitchFamily="18" charset="0"/>
+                                    </a:rPr>
+                                    <m:t>∞</m:t>
+                                  </m:r>
+                                </m:sup>
+                              </m:sSubSup>
+                            </m:fName>
+                            <m:e>
+                              <m:r>
+                                <a:rPr lang="fr-CA" sz="2800" b="0" i="1" smtClean="0">
+                                  <a:latin typeface="Cambria Math" panose="02040503050406030204" pitchFamily="18" charset="0"/>
+                                </a:rPr>
+                                <m:t>=1</m:t>
+                              </m:r>
+                            </m:e>
+                          </m:func>
+                        </m:e>
+                      </m:func>
+                    </m:oMath>
+                  </m:oMathPara>
+                </a14:m>
+                <a:endParaRPr lang="en-CA" sz="2800" dirty="0"/>
+              </a:p>
+            </p:txBody>
+          </p:sp>
+        </mc:Choice>
+        <mc:Fallback>
+          <p:sp>
+            <p:nvSpPr>
+              <p:cNvPr id="9" name="!!!eq3">
+                <a:extLst>
+                  <a:ext uri="{FF2B5EF4-FFF2-40B4-BE49-F238E27FC236}">
+                    <a16:creationId xmlns:a16="http://schemas.microsoft.com/office/drawing/2014/main" id="{A951563A-F00C-47F5-8B2F-346A5F0240E8}"/>
+                  </a:ext>
+                </a:extLst>
+              </p:cNvPr>
+              <p:cNvSpPr>
+                <a:spLocks noRot="1" noChangeAspect="1" noMove="1" noResize="1" noEditPoints="1" noAdjustHandles="1" noChangeArrowheads="1" noChangeShapeType="1" noTextEdit="1"/>
+              </p:cNvSpPr>
+              <p:nvPr/>
+            </p:nvSpPr>
+            <p:spPr>
+              <a:xfrm>
+                <a:off x="720240" y="4421263"/>
+                <a:ext cx="5295937" cy="838756"/>
+              </a:xfrm>
+              <a:prstGeom prst="rect">
+                <a:avLst/>
+              </a:prstGeom>
+              <a:blipFill>
+                <a:blip r:embed="rId8"/>
+                <a:stretch>
+                  <a:fillRect/>
+                </a:stretch>
+              </a:blipFill>
+            </p:spPr>
+            <p:txBody>
+              <a:bodyPr/>
+              <a:lstStyle/>
+              <a:p>
+                <a:r>
+                  <a:rPr lang="en-US">
+                    <a:noFill/>
+                  </a:rPr>
+                  <a:t> </a:t>
+                </a:r>
+              </a:p>
+            </p:txBody>
+          </p:sp>
+        </mc:Fallback>
+      </mc:AlternateContent>
     </p:spTree>
     <p:extLst>
       <p:ext uri="{BB962C8B-B14F-4D97-AF65-F5344CB8AC3E}">
-        <p14:creationId xmlns:p14="http://schemas.microsoft.com/office/powerpoint/2010/main" val="3305057843"/>
+        <p14:creationId xmlns:p14="http://schemas.microsoft.com/office/powerpoint/2010/main" val="661164466"/>
       </p:ext>
     </p:extLst>
   </p:cSld>
@@ -13683,1097 +13742,6 @@
   <p:clrMapOvr>
     <a:masterClrMapping/>
   </p:clrMapOvr>
-</p:sld>
-</file>
-
-<file path=ppt/slides/slide20.xml><?xml version="1.0" encoding="utf-8"?>
-<p:sld xmlns:a="http://schemas.openxmlformats.org/drawingml/2006/main" xmlns:r="http://schemas.openxmlformats.org/officeDocument/2006/relationships" xmlns:p="http://schemas.openxmlformats.org/presentationml/2006/main">
-  <p:cSld>
-    <p:spTree>
-      <p:nvGrpSpPr>
-        <p:cNvPr id="1" name=""/>
-        <p:cNvGrpSpPr/>
-        <p:nvPr/>
-      </p:nvGrpSpPr>
-      <p:grpSpPr>
-        <a:xfrm>
-          <a:off x="0" y="0"/>
-          <a:ext cx="0" cy="0"/>
-          <a:chOff x="0" y="0"/>
-          <a:chExt cx="0" cy="0"/>
-        </a:xfrm>
-      </p:grpSpPr>
-      <p:sp>
-        <p:nvSpPr>
-          <p:cNvPr id="10" name="Rectangle 9">
-            <a:extLst>
-              <a:ext uri="{FF2B5EF4-FFF2-40B4-BE49-F238E27FC236}">
-                <a16:creationId xmlns:a16="http://schemas.microsoft.com/office/drawing/2014/main" id="{EBF87945-A001-489F-9D9B-7D9435F0B9CA}"/>
-              </a:ext>
-              <a:ext uri="{C183D7F6-B498-43B3-948B-1728B52AA6E4}">
-                <adec:decorative xmlns:adec="http://schemas.microsoft.com/office/drawing/2017/decorative" val="1"/>
-              </a:ext>
-            </a:extLst>
-          </p:cNvPr>
-          <p:cNvSpPr>
-            <a:spLocks noGrp="1" noRot="1" noChangeAspect="1" noMove="1" noResize="1" noEditPoints="1" noAdjustHandles="1" noChangeArrowheads="1" noChangeShapeType="1" noTextEdit="1"/>
-          </p:cNvSpPr>
-          <p:nvPr>
-            <p:custDataLst>
-              <p:tags r:id="rId1"/>
-            </p:custDataLst>
-            <p:extLst>
-              <p:ext uri="{386F3935-93C4-4BCD-93E2-E3B085C9AB24}">
-                <p16:designElem xmlns:p16="http://schemas.microsoft.com/office/powerpoint/2015/main" val="1"/>
-              </p:ext>
-            </p:extLst>
-          </p:nvPr>
-        </p:nvSpPr>
-        <p:spPr>
-          <a:xfrm>
-            <a:off x="0" y="1"/>
-            <a:ext cx="12192000" cy="1911096"/>
-          </a:xfrm>
-          <a:prstGeom prst="rect">
-            <a:avLst/>
-          </a:prstGeom>
-          <a:solidFill>
-            <a:schemeClr val="accent5"/>
-          </a:solidFill>
-          <a:ln>
-            <a:noFill/>
-          </a:ln>
-        </p:spPr>
-        <p:style>
-          <a:lnRef idx="2">
-            <a:schemeClr val="accent1">
-              <a:shade val="50000"/>
-            </a:schemeClr>
-          </a:lnRef>
-          <a:fillRef idx="1">
-            <a:schemeClr val="accent1"/>
-          </a:fillRef>
-          <a:effectRef idx="0">
-            <a:schemeClr val="accent1"/>
-          </a:effectRef>
-          <a:fontRef idx="minor">
-            <a:schemeClr val="lt1"/>
-          </a:fontRef>
-        </p:style>
-        <p:txBody>
-          <a:bodyPr rtlCol="0" anchor="ctr"/>
-          <a:lstStyle/>
-          <a:p>
-            <a:pPr algn="ctr"/>
-            <a:endParaRPr lang="en-US"/>
-          </a:p>
-        </p:txBody>
-      </p:sp>
-      <p:sp>
-        <p:nvSpPr>
-          <p:cNvPr id="2" name="Title 1"/>
-          <p:cNvSpPr>
-            <a:spLocks noGrp="1"/>
-          </p:cNvSpPr>
-          <p:nvPr>
-            <p:ph type="title"/>
-            <p:custDataLst>
-              <p:tags r:id="rId2"/>
-            </p:custDataLst>
-          </p:nvPr>
-        </p:nvSpPr>
-        <p:spPr>
-          <a:xfrm>
-            <a:off x="838200" y="365760"/>
-            <a:ext cx="10515600" cy="1325563"/>
-          </a:xfrm>
-        </p:spPr>
-        <p:txBody>
-          <a:bodyPr>
-            <a:normAutofit/>
-          </a:bodyPr>
-          <a:lstStyle/>
-          <a:p>
-            <a:r>
-              <a:rPr lang="en-US" dirty="0">
-                <a:solidFill>
-                  <a:schemeClr val="bg1"/>
-                </a:solidFill>
-              </a:rPr>
-              <a:t>Solutions </a:t>
-            </a:r>
-            <a:r>
-              <a:rPr lang="en-US" dirty="0" err="1">
-                <a:solidFill>
-                  <a:schemeClr val="bg1"/>
-                </a:solidFill>
-              </a:rPr>
-              <a:t>générales</a:t>
-            </a:r>
-            <a:endParaRPr lang="en-CA" dirty="0">
-              <a:solidFill>
-                <a:schemeClr val="bg1"/>
-              </a:solidFill>
-            </a:endParaRPr>
-          </a:p>
-        </p:txBody>
-      </p:sp>
-      <p:pic>
-        <p:nvPicPr>
-          <p:cNvPr id="8" name="Picture 2">
-            <a:extLst>
-              <a:ext uri="{FF2B5EF4-FFF2-40B4-BE49-F238E27FC236}">
-                <a16:creationId xmlns:a16="http://schemas.microsoft.com/office/drawing/2014/main" id="{379AEA0A-967C-4788-9798-9A436DEE3210}"/>
-              </a:ext>
-            </a:extLst>
-          </p:cNvPr>
-          <p:cNvPicPr>
-            <a:picLocks noChangeAspect="1" noChangeArrowheads="1"/>
-          </p:cNvPicPr>
-          <p:nvPr/>
-        </p:nvPicPr>
-        <p:blipFill>
-          <a:blip r:embed="rId4">
-            <a:extLst>
-              <a:ext uri="{28A0092B-C50C-407E-A947-70E740481C1C}">
-                <a14:useLocalDpi xmlns:a14="http://schemas.microsoft.com/office/drawing/2010/main" val="0"/>
-              </a:ext>
-            </a:extLst>
-          </a:blip>
-          <a:srcRect/>
-          <a:stretch>
-            <a:fillRect/>
-          </a:stretch>
-        </p:blipFill>
-        <p:spPr bwMode="auto">
-          <a:xfrm>
-            <a:off x="6765122" y="2276856"/>
-            <a:ext cx="4170835" cy="3336668"/>
-          </a:xfrm>
-          <a:prstGeom prst="rect">
-            <a:avLst/>
-          </a:prstGeom>
-          <a:noFill/>
-          <a:extLst>
-            <a:ext uri="{909E8E84-426E-40DD-AFC4-6F175D3DCCD1}">
-              <a14:hiddenFill xmlns:a14="http://schemas.microsoft.com/office/drawing/2010/main">
-                <a:solidFill>
-                  <a:srgbClr val="FFFFFF"/>
-                </a:solidFill>
-              </a14:hiddenFill>
-            </a:ext>
-          </a:extLst>
-        </p:spPr>
-      </p:pic>
-      <mc:AlternateContent xmlns:mc="http://schemas.openxmlformats.org/markup-compatibility/2006">
-        <mc:Choice xmlns:a14="http://schemas.microsoft.com/office/drawing/2010/main" Requires="a14">
-          <p:sp>
-            <p:nvSpPr>
-              <p:cNvPr id="11" name="Rectangle 10">
-                <a:extLst>
-                  <a:ext uri="{FF2B5EF4-FFF2-40B4-BE49-F238E27FC236}">
-                    <a16:creationId xmlns:a16="http://schemas.microsoft.com/office/drawing/2014/main" id="{D8B37C00-2D41-4791-B6C4-41FC2EA1160A}"/>
-                  </a:ext>
-                </a:extLst>
-              </p:cNvPr>
-              <p:cNvSpPr/>
-              <p:nvPr/>
-            </p:nvSpPr>
-            <p:spPr>
-              <a:xfrm>
-                <a:off x="788720" y="2276856"/>
-                <a:ext cx="3427413" cy="827471"/>
-              </a:xfrm>
-              <a:prstGeom prst="rect">
-                <a:avLst/>
-              </a:prstGeom>
-            </p:spPr>
-            <p:txBody>
-              <a:bodyPr wrap="none">
-                <a:spAutoFit/>
-              </a:bodyPr>
-              <a:lstStyle/>
-              <a:p>
-                <a:pPr/>
-                <a14:m>
-                  <m:oMathPara xmlns:m="http://schemas.openxmlformats.org/officeDocument/2006/math">
-                    <m:oMathParaPr>
-                      <m:jc m:val="left"/>
-                    </m:oMathParaPr>
-                    <m:oMath xmlns:m="http://schemas.openxmlformats.org/officeDocument/2006/math">
-                      <m:sSub>
-                        <m:sSubPr>
-                          <m:ctrlPr>
-                            <a:rPr lang="fr-CA" sz="2800" b="0" i="1" smtClean="0">
-                              <a:latin typeface="Cambria Math" panose="02040503050406030204" pitchFamily="18" charset="0"/>
-                            </a:rPr>
-                          </m:ctrlPr>
-                        </m:sSubPr>
-                        <m:e>
-                          <m:r>
-                            <m:rPr>
-                              <m:sty m:val="p"/>
-                            </m:rPr>
-                            <a:rPr lang="fr-CA" sz="2800" b="0" i="0" smtClean="0">
-                              <a:latin typeface="Cambria Math" panose="02040503050406030204" pitchFamily="18" charset="0"/>
-                            </a:rPr>
-                            <m:t>Ψ</m:t>
-                          </m:r>
-                        </m:e>
-                        <m:sub>
-                          <m:r>
-                            <a:rPr lang="fr-CA" sz="2800" b="0" i="1" smtClean="0">
-                              <a:latin typeface="Cambria Math" panose="02040503050406030204" pitchFamily="18" charset="0"/>
-                            </a:rPr>
-                            <m:t>𝑛</m:t>
-                          </m:r>
-                        </m:sub>
-                      </m:sSub>
-                      <m:d>
-                        <m:dPr>
-                          <m:ctrlPr>
-                            <a:rPr lang="en-CA" sz="2800" b="0" i="1" smtClean="0">
-                              <a:latin typeface="Cambria Math" panose="02040503050406030204" pitchFamily="18" charset="0"/>
-                            </a:rPr>
-                          </m:ctrlPr>
-                        </m:dPr>
-                        <m:e>
-                          <m:r>
-                            <a:rPr lang="en-CA" sz="2800" b="0" i="1" smtClean="0">
-                              <a:latin typeface="Cambria Math" panose="02040503050406030204" pitchFamily="18" charset="0"/>
-                            </a:rPr>
-                            <m:t>𝑥</m:t>
-                          </m:r>
-                        </m:e>
-                      </m:d>
-                      <m:r>
-                        <a:rPr lang="en-CA" sz="2800" i="1">
-                          <a:latin typeface="Cambria Math" panose="02040503050406030204" pitchFamily="18" charset="0"/>
-                        </a:rPr>
-                        <m:t>=</m:t>
-                      </m:r>
-                      <m:r>
-                        <a:rPr lang="en-CA" sz="2800" b="0" i="1" smtClean="0">
-                          <a:latin typeface="Cambria Math" panose="02040503050406030204" pitchFamily="18" charset="0"/>
-                        </a:rPr>
-                        <m:t>𝐴𝑠𝑖𝑛</m:t>
-                      </m:r>
-                      <m:d>
-                        <m:dPr>
-                          <m:ctrlPr>
-                            <a:rPr lang="en-CA" sz="2800" b="0" i="1" smtClean="0">
-                              <a:latin typeface="Cambria Math" panose="02040503050406030204" pitchFamily="18" charset="0"/>
-                            </a:rPr>
-                          </m:ctrlPr>
-                        </m:dPr>
-                        <m:e>
-                          <m:f>
-                            <m:fPr>
-                              <m:ctrlPr>
-                                <a:rPr lang="fr-CA" sz="2800" i="1">
-                                  <a:latin typeface="Cambria Math" panose="02040503050406030204" pitchFamily="18" charset="0"/>
-                                </a:rPr>
-                              </m:ctrlPr>
-                            </m:fPr>
-                            <m:num>
-                              <m:r>
-                                <a:rPr lang="fr-CA" sz="2800" i="1">
-                                  <a:latin typeface="Cambria Math" panose="02040503050406030204" pitchFamily="18" charset="0"/>
-                                </a:rPr>
-                                <m:t>𝑛</m:t>
-                              </m:r>
-                              <m:r>
-                                <a:rPr lang="fr-CA" sz="2800" i="1">
-                                  <a:latin typeface="Cambria Math" panose="02040503050406030204" pitchFamily="18" charset="0"/>
-                                </a:rPr>
-                                <m:t>𝜋</m:t>
-                              </m:r>
-                              <m:r>
-                                <a:rPr lang="en-CA" sz="2800" i="1">
-                                  <a:latin typeface="Cambria Math" panose="02040503050406030204" pitchFamily="18" charset="0"/>
-                                </a:rPr>
-                                <m:t>𝑥</m:t>
-                              </m:r>
-                            </m:num>
-                            <m:den>
-                              <m:r>
-                                <a:rPr lang="fr-CA" sz="2800" i="1">
-                                  <a:latin typeface="Cambria Math" panose="02040503050406030204" pitchFamily="18" charset="0"/>
-                                </a:rPr>
-                                <m:t>𝐿</m:t>
-                              </m:r>
-                            </m:den>
-                          </m:f>
-                        </m:e>
-                      </m:d>
-                    </m:oMath>
-                  </m:oMathPara>
-                </a14:m>
-                <a:endParaRPr lang="en-CA" sz="2800" dirty="0"/>
-              </a:p>
-            </p:txBody>
-          </p:sp>
-        </mc:Choice>
-        <mc:Fallback>
-          <p:sp>
-            <p:nvSpPr>
-              <p:cNvPr id="11" name="Rectangle 10">
-                <a:extLst>
-                  <a:ext uri="{FF2B5EF4-FFF2-40B4-BE49-F238E27FC236}">
-                    <a16:creationId xmlns:a16="http://schemas.microsoft.com/office/drawing/2014/main" id="{D8B37C00-2D41-4791-B6C4-41FC2EA1160A}"/>
-                  </a:ext>
-                </a:extLst>
-              </p:cNvPr>
-              <p:cNvSpPr>
-                <a:spLocks noRot="1" noChangeAspect="1" noMove="1" noResize="1" noEditPoints="1" noAdjustHandles="1" noChangeArrowheads="1" noChangeShapeType="1" noTextEdit="1"/>
-              </p:cNvSpPr>
-              <p:nvPr/>
-            </p:nvSpPr>
-            <p:spPr>
-              <a:xfrm>
-                <a:off x="788720" y="2276856"/>
-                <a:ext cx="3427413" cy="827471"/>
-              </a:xfrm>
-              <a:prstGeom prst="rect">
-                <a:avLst/>
-              </a:prstGeom>
-              <a:blipFill>
-                <a:blip r:embed="rId5"/>
-                <a:stretch>
-                  <a:fillRect/>
-                </a:stretch>
-              </a:blipFill>
-            </p:spPr>
-            <p:txBody>
-              <a:bodyPr/>
-              <a:lstStyle/>
-              <a:p>
-                <a:r>
-                  <a:rPr lang="fr-CA">
-                    <a:noFill/>
-                  </a:rPr>
-                  <a:t> </a:t>
-                </a:r>
-              </a:p>
-            </p:txBody>
-          </p:sp>
-        </mc:Fallback>
-      </mc:AlternateContent>
-      <mc:AlternateContent xmlns:mc="http://schemas.openxmlformats.org/markup-compatibility/2006">
-        <mc:Choice xmlns:a14="http://schemas.microsoft.com/office/drawing/2010/main" Requires="a14">
-          <p:sp>
-            <p:nvSpPr>
-              <p:cNvPr id="14" name="Rectangle 13">
-                <a:extLst>
-                  <a:ext uri="{FF2B5EF4-FFF2-40B4-BE49-F238E27FC236}">
-                    <a16:creationId xmlns:a16="http://schemas.microsoft.com/office/drawing/2014/main" id="{9CB415B7-B7C7-48BC-8CAB-2CBD6E14F4C9}"/>
-                  </a:ext>
-                </a:extLst>
-              </p:cNvPr>
-              <p:cNvSpPr/>
-              <p:nvPr/>
-            </p:nvSpPr>
-            <p:spPr>
-              <a:xfrm>
-                <a:off x="788719" y="3117719"/>
-                <a:ext cx="3495893" cy="539571"/>
-              </a:xfrm>
-              <a:prstGeom prst="rect">
-                <a:avLst/>
-              </a:prstGeom>
-            </p:spPr>
-            <p:txBody>
-              <a:bodyPr wrap="none">
-                <a:spAutoFit/>
-              </a:bodyPr>
-              <a:lstStyle/>
-              <a:p>
-                <a:pPr/>
-                <a14:m>
-                  <m:oMathPara xmlns:m="http://schemas.openxmlformats.org/officeDocument/2006/math">
-                    <m:oMathParaPr>
-                      <m:jc m:val="left"/>
-                    </m:oMathParaPr>
-                    <m:oMath xmlns:m="http://schemas.openxmlformats.org/officeDocument/2006/math">
-                      <m:sSubSup>
-                        <m:sSubSupPr>
-                          <m:ctrlPr>
-                            <a:rPr lang="fr-CA" sz="2800" b="0" i="1" smtClean="0">
-                              <a:latin typeface="Cambria Math" panose="02040503050406030204" pitchFamily="18" charset="0"/>
-                            </a:rPr>
-                          </m:ctrlPr>
-                        </m:sSubSupPr>
-                        <m:e>
-                          <m:r>
-                            <a:rPr lang="fr-CA" sz="2800" b="0" i="1" smtClean="0">
-                              <a:latin typeface="Cambria Math" panose="02040503050406030204" pitchFamily="18" charset="0"/>
-                            </a:rPr>
-                            <m:t>∫</m:t>
-                          </m:r>
-                          <m:r>
-                            <a:rPr lang="fr-CA" sz="2800" b="0" i="1" smtClean="0">
-                              <a:latin typeface="Cambria Math" panose="02040503050406030204" pitchFamily="18" charset="0"/>
-                            </a:rPr>
-                            <m:t>𝑑𝑥</m:t>
-                          </m:r>
-                          <m:r>
-                            <m:rPr>
-                              <m:sty m:val="p"/>
-                            </m:rPr>
-                            <a:rPr lang="fr-CA" sz="2800" b="0" i="0" smtClean="0">
-                              <a:latin typeface="Cambria Math" panose="02040503050406030204" pitchFamily="18" charset="0"/>
-                            </a:rPr>
-                            <m:t>Ψ</m:t>
-                          </m:r>
-                        </m:e>
-                        <m:sub>
-                          <m:r>
-                            <a:rPr lang="fr-CA" sz="2800" b="0" i="1" smtClean="0">
-                              <a:latin typeface="Cambria Math" panose="02040503050406030204" pitchFamily="18" charset="0"/>
-                            </a:rPr>
-                            <m:t>𝑛</m:t>
-                          </m:r>
-                        </m:sub>
-                        <m:sup>
-                          <m:r>
-                            <a:rPr lang="fr-CA" sz="2800" b="0" i="1" smtClean="0">
-                              <a:latin typeface="Cambria Math" panose="02040503050406030204" pitchFamily="18" charset="0"/>
-                            </a:rPr>
-                            <m:t>∗</m:t>
-                          </m:r>
-                        </m:sup>
-                      </m:sSubSup>
-                      <m:d>
-                        <m:dPr>
-                          <m:ctrlPr>
-                            <a:rPr lang="en-CA" sz="2800" i="1">
-                              <a:latin typeface="Cambria Math" panose="02040503050406030204" pitchFamily="18" charset="0"/>
-                            </a:rPr>
-                          </m:ctrlPr>
-                        </m:dPr>
-                        <m:e>
-                          <m:r>
-                            <a:rPr lang="en-CA" sz="2800" i="1">
-                              <a:latin typeface="Cambria Math" panose="02040503050406030204" pitchFamily="18" charset="0"/>
-                            </a:rPr>
-                            <m:t>𝑥</m:t>
-                          </m:r>
-                        </m:e>
-                      </m:d>
-                      <m:sSub>
-                        <m:sSubPr>
-                          <m:ctrlPr>
-                            <a:rPr lang="fr-CA" sz="2800" b="0" i="1" smtClean="0">
-                              <a:latin typeface="Cambria Math" panose="02040503050406030204" pitchFamily="18" charset="0"/>
-                            </a:rPr>
-                          </m:ctrlPr>
-                        </m:sSubPr>
-                        <m:e>
-                          <m:r>
-                            <m:rPr>
-                              <m:sty m:val="p"/>
-                            </m:rPr>
-                            <a:rPr lang="fr-CA" sz="2800" b="0" i="0" smtClean="0">
-                              <a:latin typeface="Cambria Math" panose="02040503050406030204" pitchFamily="18" charset="0"/>
-                            </a:rPr>
-                            <m:t>Ψ</m:t>
-                          </m:r>
-                        </m:e>
-                        <m:sub>
-                          <m:r>
-                            <a:rPr lang="fr-CA" sz="2800" b="0" i="1" smtClean="0">
-                              <a:latin typeface="Cambria Math" panose="02040503050406030204" pitchFamily="18" charset="0"/>
-                            </a:rPr>
-                            <m:t>𝑛</m:t>
-                          </m:r>
-                        </m:sub>
-                      </m:sSub>
-                      <m:d>
-                        <m:dPr>
-                          <m:ctrlPr>
-                            <a:rPr lang="en-CA" sz="2800" b="0" i="1" smtClean="0">
-                              <a:latin typeface="Cambria Math" panose="02040503050406030204" pitchFamily="18" charset="0"/>
-                            </a:rPr>
-                          </m:ctrlPr>
-                        </m:dPr>
-                        <m:e>
-                          <m:r>
-                            <a:rPr lang="en-CA" sz="2800" b="0" i="1" smtClean="0">
-                              <a:latin typeface="Cambria Math" panose="02040503050406030204" pitchFamily="18" charset="0"/>
-                            </a:rPr>
-                            <m:t>𝑥</m:t>
-                          </m:r>
-                        </m:e>
-                      </m:d>
-                      <m:r>
-                        <a:rPr lang="en-CA" sz="2800" i="1">
-                          <a:latin typeface="Cambria Math" panose="02040503050406030204" pitchFamily="18" charset="0"/>
-                        </a:rPr>
-                        <m:t>=</m:t>
-                      </m:r>
-                      <m:r>
-                        <a:rPr lang="fr-CA" sz="2800" b="0" i="1" smtClean="0">
-                          <a:latin typeface="Cambria Math" panose="02040503050406030204" pitchFamily="18" charset="0"/>
-                        </a:rPr>
-                        <m:t>1</m:t>
-                      </m:r>
-                    </m:oMath>
-                  </m:oMathPara>
-                </a14:m>
-                <a:endParaRPr lang="en-CA" sz="2800" dirty="0"/>
-              </a:p>
-            </p:txBody>
-          </p:sp>
-        </mc:Choice>
-        <mc:Fallback>
-          <p:sp>
-            <p:nvSpPr>
-              <p:cNvPr id="14" name="Rectangle 13">
-                <a:extLst>
-                  <a:ext uri="{FF2B5EF4-FFF2-40B4-BE49-F238E27FC236}">
-                    <a16:creationId xmlns:a16="http://schemas.microsoft.com/office/drawing/2014/main" id="{9CB415B7-B7C7-48BC-8CAB-2CBD6E14F4C9}"/>
-                  </a:ext>
-                </a:extLst>
-              </p:cNvPr>
-              <p:cNvSpPr>
-                <a:spLocks noRot="1" noChangeAspect="1" noMove="1" noResize="1" noEditPoints="1" noAdjustHandles="1" noChangeArrowheads="1" noChangeShapeType="1" noTextEdit="1"/>
-              </p:cNvSpPr>
-              <p:nvPr/>
-            </p:nvSpPr>
-            <p:spPr>
-              <a:xfrm>
-                <a:off x="788719" y="3117719"/>
-                <a:ext cx="3495893" cy="539571"/>
-              </a:xfrm>
-              <a:prstGeom prst="rect">
-                <a:avLst/>
-              </a:prstGeom>
-              <a:blipFill>
-                <a:blip r:embed="rId6"/>
-                <a:stretch>
-                  <a:fillRect/>
-                </a:stretch>
-              </a:blipFill>
-            </p:spPr>
-            <p:txBody>
-              <a:bodyPr/>
-              <a:lstStyle/>
-              <a:p>
-                <a:r>
-                  <a:rPr lang="fr-CA">
-                    <a:noFill/>
-                  </a:rPr>
-                  <a:t> </a:t>
-                </a:r>
-              </a:p>
-            </p:txBody>
-          </p:sp>
-        </mc:Fallback>
-      </mc:AlternateContent>
-      <mc:AlternateContent xmlns:mc="http://schemas.openxmlformats.org/markup-compatibility/2006">
-        <mc:Choice xmlns:a14="http://schemas.microsoft.com/office/drawing/2010/main" Requires="a14">
-          <p:sp>
-            <p:nvSpPr>
-              <p:cNvPr id="7" name="!!!eq3">
-                <a:extLst>
-                  <a:ext uri="{FF2B5EF4-FFF2-40B4-BE49-F238E27FC236}">
-                    <a16:creationId xmlns:a16="http://schemas.microsoft.com/office/drawing/2014/main" id="{18D23612-F111-4C02-AF5F-2303BCFE81F3}"/>
-                  </a:ext>
-                </a:extLst>
-              </p:cNvPr>
-              <p:cNvSpPr/>
-              <p:nvPr/>
-            </p:nvSpPr>
-            <p:spPr>
-              <a:xfrm>
-                <a:off x="720240" y="3670682"/>
-                <a:ext cx="3229154" cy="737189"/>
-              </a:xfrm>
-              <a:prstGeom prst="rect">
-                <a:avLst/>
-              </a:prstGeom>
-            </p:spPr>
-            <p:txBody>
-              <a:bodyPr wrap="none">
-                <a:spAutoFit/>
-              </a:bodyPr>
-              <a:lstStyle/>
-              <a:p>
-                <a:pPr/>
-                <a14:m>
-                  <m:oMath xmlns:m="http://schemas.openxmlformats.org/officeDocument/2006/math">
-                    <m:r>
-                      <a:rPr lang="fr-CA" sz="2800" b="0" i="1" smtClean="0">
-                        <a:latin typeface="Cambria Math" panose="02040503050406030204" pitchFamily="18" charset="0"/>
-                      </a:rPr>
-                      <m:t>∫</m:t>
-                    </m:r>
-                    <m:r>
-                      <a:rPr lang="fr-CA" sz="2800" b="0" i="1" smtClean="0">
-                        <a:latin typeface="Cambria Math" panose="02040503050406030204" pitchFamily="18" charset="0"/>
-                      </a:rPr>
-                      <m:t>𝑑𝑥</m:t>
-                    </m:r>
-                    <m:sSup>
-                      <m:sSupPr>
-                        <m:ctrlPr>
-                          <a:rPr lang="fr-CA" sz="2800" b="0" i="1" smtClean="0">
-                            <a:latin typeface="Cambria Math" panose="02040503050406030204" pitchFamily="18" charset="0"/>
-                          </a:rPr>
-                        </m:ctrlPr>
-                      </m:sSupPr>
-                      <m:e>
-                        <m:r>
-                          <a:rPr lang="en-CA" sz="2800" i="1">
-                            <a:latin typeface="Cambria Math" panose="02040503050406030204" pitchFamily="18" charset="0"/>
-                          </a:rPr>
-                          <m:t>𝐴</m:t>
-                        </m:r>
-                      </m:e>
-                      <m:sup>
-                        <m:r>
-                          <a:rPr lang="fr-CA" sz="2800" b="0" i="1" smtClean="0">
-                            <a:latin typeface="Cambria Math" panose="02040503050406030204" pitchFamily="18" charset="0"/>
-                          </a:rPr>
-                          <m:t>2</m:t>
-                        </m:r>
-                      </m:sup>
-                    </m:sSup>
-                    <m:func>
-                      <m:funcPr>
-                        <m:ctrlPr>
-                          <a:rPr lang="fr-CA" sz="2800" b="0" i="1" smtClean="0">
-                            <a:latin typeface="Cambria Math" panose="02040503050406030204" pitchFamily="18" charset="0"/>
-                          </a:rPr>
-                        </m:ctrlPr>
-                      </m:funcPr>
-                      <m:fName>
-                        <m:sSup>
-                          <m:sSupPr>
-                            <m:ctrlPr>
-                              <a:rPr lang="fr-CA" sz="2800" b="0" i="1" smtClean="0">
-                                <a:latin typeface="Cambria Math" panose="02040503050406030204" pitchFamily="18" charset="0"/>
-                              </a:rPr>
-                            </m:ctrlPr>
-                          </m:sSupPr>
-                          <m:e>
-                            <m:r>
-                              <m:rPr>
-                                <m:sty m:val="p"/>
-                              </m:rPr>
-                              <a:rPr lang="en-CA" sz="2800" i="0">
-                                <a:latin typeface="Cambria Math" panose="02040503050406030204" pitchFamily="18" charset="0"/>
-                              </a:rPr>
-                              <m:t>sin</m:t>
-                            </m:r>
-                          </m:e>
-                          <m:sup>
-                            <m:r>
-                              <a:rPr lang="fr-CA" sz="2800" b="0" i="1" smtClean="0">
-                                <a:latin typeface="Cambria Math" panose="02040503050406030204" pitchFamily="18" charset="0"/>
-                              </a:rPr>
-                              <m:t>2</m:t>
-                            </m:r>
-                          </m:sup>
-                        </m:sSup>
-                      </m:fName>
-                      <m:e>
-                        <m:d>
-                          <m:dPr>
-                            <m:ctrlPr>
-                              <a:rPr lang="en-CA" sz="2800" i="1">
-                                <a:latin typeface="Cambria Math" panose="02040503050406030204" pitchFamily="18" charset="0"/>
-                              </a:rPr>
-                            </m:ctrlPr>
-                          </m:dPr>
-                          <m:e>
-                            <m:f>
-                              <m:fPr>
-                                <m:ctrlPr>
-                                  <a:rPr lang="fr-CA" sz="2800" i="1">
-                                    <a:latin typeface="Cambria Math" panose="02040503050406030204" pitchFamily="18" charset="0"/>
-                                  </a:rPr>
-                                </m:ctrlPr>
-                              </m:fPr>
-                              <m:num>
-                                <m:r>
-                                  <a:rPr lang="fr-CA" sz="2800" i="1">
-                                    <a:latin typeface="Cambria Math" panose="02040503050406030204" pitchFamily="18" charset="0"/>
-                                  </a:rPr>
-                                  <m:t>𝑛</m:t>
-                                </m:r>
-                                <m:r>
-                                  <a:rPr lang="fr-CA" sz="2800" i="1">
-                                    <a:latin typeface="Cambria Math" panose="02040503050406030204" pitchFamily="18" charset="0"/>
-                                  </a:rPr>
-                                  <m:t>𝜋</m:t>
-                                </m:r>
-                                <m:r>
-                                  <a:rPr lang="en-CA" sz="2800" i="1">
-                                    <a:latin typeface="Cambria Math" panose="02040503050406030204" pitchFamily="18" charset="0"/>
-                                  </a:rPr>
-                                  <m:t>𝑥</m:t>
-                                </m:r>
-                              </m:num>
-                              <m:den>
-                                <m:r>
-                                  <a:rPr lang="fr-CA" sz="2800" i="1">
-                                    <a:latin typeface="Cambria Math" panose="02040503050406030204" pitchFamily="18" charset="0"/>
-                                  </a:rPr>
-                                  <m:t>𝐿</m:t>
-                                </m:r>
-                              </m:den>
-                            </m:f>
-                          </m:e>
-                        </m:d>
-                      </m:e>
-                    </m:func>
-                  </m:oMath>
-                </a14:m>
-                <a:r>
-                  <a:rPr lang="en-CA" sz="2800" dirty="0"/>
-                  <a:t>=1</a:t>
-                </a:r>
-              </a:p>
-            </p:txBody>
-          </p:sp>
-        </mc:Choice>
-        <mc:Fallback>
-          <p:sp>
-            <p:nvSpPr>
-              <p:cNvPr id="7" name="!!!eq3">
-                <a:extLst>
-                  <a:ext uri="{FF2B5EF4-FFF2-40B4-BE49-F238E27FC236}">
-                    <a16:creationId xmlns:a16="http://schemas.microsoft.com/office/drawing/2014/main" id="{18D23612-F111-4C02-AF5F-2303BCFE81F3}"/>
-                  </a:ext>
-                </a:extLst>
-              </p:cNvPr>
-              <p:cNvSpPr>
-                <a:spLocks noRot="1" noChangeAspect="1" noMove="1" noResize="1" noEditPoints="1" noAdjustHandles="1" noChangeArrowheads="1" noChangeShapeType="1" noTextEdit="1"/>
-              </p:cNvSpPr>
-              <p:nvPr/>
-            </p:nvSpPr>
-            <p:spPr>
-              <a:xfrm>
-                <a:off x="720240" y="3670682"/>
-                <a:ext cx="3229154" cy="737189"/>
-              </a:xfrm>
-              <a:prstGeom prst="rect">
-                <a:avLst/>
-              </a:prstGeom>
-              <a:blipFill>
-                <a:blip r:embed="rId7"/>
-                <a:stretch>
-                  <a:fillRect r="-2830" b="-9091"/>
-                </a:stretch>
-              </a:blipFill>
-            </p:spPr>
-            <p:txBody>
-              <a:bodyPr/>
-              <a:lstStyle/>
-              <a:p>
-                <a:r>
-                  <a:rPr lang="fr-CA">
-                    <a:noFill/>
-                  </a:rPr>
-                  <a:t> </a:t>
-                </a:r>
-              </a:p>
-            </p:txBody>
-          </p:sp>
-        </mc:Fallback>
-      </mc:AlternateContent>
-      <mc:AlternateContent xmlns:mc="http://schemas.openxmlformats.org/markup-compatibility/2006">
-        <mc:Choice xmlns:a14="http://schemas.microsoft.com/office/drawing/2010/main" Requires="a14">
-          <p:sp>
-            <p:nvSpPr>
-              <p:cNvPr id="9" name="!!!eq3">
-                <a:extLst>
-                  <a:ext uri="{FF2B5EF4-FFF2-40B4-BE49-F238E27FC236}">
-                    <a16:creationId xmlns:a16="http://schemas.microsoft.com/office/drawing/2014/main" id="{A951563A-F00C-47F5-8B2F-346A5F0240E8}"/>
-                  </a:ext>
-                </a:extLst>
-              </p:cNvPr>
-              <p:cNvSpPr/>
-              <p:nvPr/>
-            </p:nvSpPr>
-            <p:spPr>
-              <a:xfrm>
-                <a:off x="720240" y="4421263"/>
-                <a:ext cx="4819012" cy="827471"/>
-              </a:xfrm>
-              <a:prstGeom prst="rect">
-                <a:avLst/>
-              </a:prstGeom>
-            </p:spPr>
-            <p:txBody>
-              <a:bodyPr wrap="none">
-                <a:spAutoFit/>
-              </a:bodyPr>
-              <a:lstStyle/>
-              <a:p>
-                <a:pPr/>
-                <a14:m>
-                  <m:oMathPara xmlns:m="http://schemas.openxmlformats.org/officeDocument/2006/math">
-                    <m:oMathParaPr>
-                      <m:jc m:val="left"/>
-                    </m:oMathParaPr>
-                    <m:oMath xmlns:m="http://schemas.openxmlformats.org/officeDocument/2006/math">
-                      <m:r>
-                        <a:rPr lang="fr-CA" sz="2800" b="0" i="1" smtClean="0">
-                          <a:latin typeface="Cambria Math" panose="02040503050406030204" pitchFamily="18" charset="0"/>
-                        </a:rPr>
-                        <m:t>∫</m:t>
-                      </m:r>
-                      <m:r>
-                        <a:rPr lang="fr-CA" sz="2800" b="0" i="1" smtClean="0">
-                          <a:latin typeface="Cambria Math" panose="02040503050406030204" pitchFamily="18" charset="0"/>
-                        </a:rPr>
-                        <m:t>𝑑𝑥</m:t>
-                      </m:r>
-                      <m:sSup>
-                        <m:sSupPr>
-                          <m:ctrlPr>
-                            <a:rPr lang="fr-CA" sz="2800" b="0" i="1" smtClean="0">
-                              <a:latin typeface="Cambria Math" panose="02040503050406030204" pitchFamily="18" charset="0"/>
-                            </a:rPr>
-                          </m:ctrlPr>
-                        </m:sSupPr>
-                        <m:e>
-                          <m:r>
-                            <a:rPr lang="en-CA" sz="2800" i="1">
-                              <a:latin typeface="Cambria Math" panose="02040503050406030204" pitchFamily="18" charset="0"/>
-                            </a:rPr>
-                            <m:t>𝐴</m:t>
-                          </m:r>
-                        </m:e>
-                        <m:sup>
-                          <m:r>
-                            <a:rPr lang="fr-CA" sz="2800" b="0" i="1" smtClean="0">
-                              <a:latin typeface="Cambria Math" panose="02040503050406030204" pitchFamily="18" charset="0"/>
-                            </a:rPr>
-                            <m:t>2</m:t>
-                          </m:r>
-                        </m:sup>
-                      </m:sSup>
-                      <m:func>
-                        <m:funcPr>
-                          <m:ctrlPr>
-                            <a:rPr lang="fr-CA" sz="2800" b="0" i="1" smtClean="0">
-                              <a:latin typeface="Cambria Math" panose="02040503050406030204" pitchFamily="18" charset="0"/>
-                            </a:rPr>
-                          </m:ctrlPr>
-                        </m:funcPr>
-                        <m:fName>
-                          <m:r>
-                            <a:rPr lang="fr-CA" sz="2800" b="0" i="1" smtClean="0">
-                              <a:latin typeface="Cambria Math" panose="02040503050406030204" pitchFamily="18" charset="0"/>
-                            </a:rPr>
-                            <m:t>−2</m:t>
-                          </m:r>
-                          <m:r>
-                            <a:rPr lang="fr-CA" sz="2800" b="0" i="1" smtClean="0">
-                              <a:latin typeface="Cambria Math" panose="02040503050406030204" pitchFamily="18" charset="0"/>
-                            </a:rPr>
-                            <m:t>𝑐𝑜𝑠</m:t>
-                          </m:r>
-                        </m:fName>
-                        <m:e>
-                          <m:d>
-                            <m:dPr>
-                              <m:ctrlPr>
-                                <a:rPr lang="en-CA" sz="2800" i="1">
-                                  <a:latin typeface="Cambria Math" panose="02040503050406030204" pitchFamily="18" charset="0"/>
-                                </a:rPr>
-                              </m:ctrlPr>
-                            </m:dPr>
-                            <m:e>
-                              <m:f>
-                                <m:fPr>
-                                  <m:ctrlPr>
-                                    <a:rPr lang="fr-CA" sz="2800" i="1">
-                                      <a:latin typeface="Cambria Math" panose="02040503050406030204" pitchFamily="18" charset="0"/>
-                                    </a:rPr>
-                                  </m:ctrlPr>
-                                </m:fPr>
-                                <m:num>
-                                  <m:r>
-                                    <a:rPr lang="fr-CA" sz="2800" i="1">
-                                      <a:latin typeface="Cambria Math" panose="02040503050406030204" pitchFamily="18" charset="0"/>
-                                    </a:rPr>
-                                    <m:t>𝑛</m:t>
-                                  </m:r>
-                                  <m:r>
-                                    <a:rPr lang="fr-CA" sz="2800" i="1">
-                                      <a:latin typeface="Cambria Math" panose="02040503050406030204" pitchFamily="18" charset="0"/>
-                                    </a:rPr>
-                                    <m:t>𝜋</m:t>
-                                  </m:r>
-                                  <m:r>
-                                    <a:rPr lang="en-CA" sz="2800" i="1">
-                                      <a:latin typeface="Cambria Math" panose="02040503050406030204" pitchFamily="18" charset="0"/>
-                                    </a:rPr>
-                                    <m:t>𝑥</m:t>
-                                  </m:r>
-                                </m:num>
-                                <m:den>
-                                  <m:r>
-                                    <a:rPr lang="fr-CA" sz="2800" i="1">
-                                      <a:latin typeface="Cambria Math" panose="02040503050406030204" pitchFamily="18" charset="0"/>
-                                    </a:rPr>
-                                    <m:t>𝐿</m:t>
-                                  </m:r>
-                                </m:den>
-                              </m:f>
-                            </m:e>
-                          </m:d>
-                          <m:func>
-                            <m:funcPr>
-                              <m:ctrlPr>
-                                <a:rPr lang="fr-CA" sz="2800" b="0" i="1" smtClean="0">
-                                  <a:latin typeface="Cambria Math" panose="02040503050406030204" pitchFamily="18" charset="0"/>
-                                </a:rPr>
-                              </m:ctrlPr>
-                            </m:funcPr>
-                            <m:fName>
-                              <m:sSubSup>
-                                <m:sSubSupPr>
-                                  <m:ctrlPr>
-                                    <a:rPr lang="fr-CA" sz="2800" b="0" i="1" smtClean="0">
-                                      <a:latin typeface="Cambria Math" panose="02040503050406030204" pitchFamily="18" charset="0"/>
-                                    </a:rPr>
-                                  </m:ctrlPr>
-                                </m:sSubSupPr>
-                                <m:e>
-                                  <m:r>
-                                    <a:rPr lang="fr-CA" sz="2800" b="0" i="1" smtClean="0">
-                                      <a:latin typeface="Cambria Math" panose="02040503050406030204" pitchFamily="18" charset="0"/>
-                                    </a:rPr>
-                                    <m:t>∣</m:t>
-                                  </m:r>
-                                </m:e>
-                                <m:sub>
-                                  <m:r>
-                                    <a:rPr lang="fr-CA" sz="2800" b="0" i="1" smtClean="0">
-                                      <a:latin typeface="Cambria Math" panose="02040503050406030204" pitchFamily="18" charset="0"/>
-                                    </a:rPr>
-                                    <m:t>−</m:t>
-                                  </m:r>
-                                  <m:r>
-                                    <m:rPr>
-                                      <m:sty m:val="p"/>
-                                    </m:rPr>
-                                    <a:rPr lang="fr-CA" sz="2800" b="0" i="0" smtClean="0">
-                                      <a:latin typeface="Cambria Math" panose="02040503050406030204" pitchFamily="18" charset="0"/>
-                                    </a:rPr>
-                                    <m:t>inf</m:t>
-                                  </m:r>
-                                </m:sub>
-                                <m:sup>
-                                  <m:r>
-                                    <a:rPr lang="fr-CA" sz="2800" b="0" i="1" smtClean="0">
-                                      <a:latin typeface="Cambria Math" panose="02040503050406030204" pitchFamily="18" charset="0"/>
-                                    </a:rPr>
-                                    <m:t>\</m:t>
-                                  </m:r>
-                                  <m:r>
-                                    <m:rPr>
-                                      <m:sty m:val="p"/>
-                                    </m:rPr>
-                                    <a:rPr lang="fr-CA" sz="2800" b="0" i="1" smtClean="0">
-                                      <a:latin typeface="Cambria Math" panose="02040503050406030204" pitchFamily="18" charset="0"/>
-                                    </a:rPr>
-                                    <m:t>inf</m:t>
-                                  </m:r>
-                                </m:sup>
-                              </m:sSubSup>
-                            </m:fName>
-                            <m:e>
-                              <m:r>
-                                <a:rPr lang="fr-CA" sz="2800" b="0" i="1" smtClean="0">
-                                  <a:latin typeface="Cambria Math" panose="02040503050406030204" pitchFamily="18" charset="0"/>
-                                </a:rPr>
-                                <m:t>=1</m:t>
-                              </m:r>
-                            </m:e>
-                          </m:func>
-                        </m:e>
-                      </m:func>
-                    </m:oMath>
-                  </m:oMathPara>
-                </a14:m>
-                <a:endParaRPr lang="en-CA" sz="2800" dirty="0"/>
-              </a:p>
-            </p:txBody>
-          </p:sp>
-        </mc:Choice>
-        <mc:Fallback>
-          <p:sp>
-            <p:nvSpPr>
-              <p:cNvPr id="9" name="!!!eq3">
-                <a:extLst>
-                  <a:ext uri="{FF2B5EF4-FFF2-40B4-BE49-F238E27FC236}">
-                    <a16:creationId xmlns:a16="http://schemas.microsoft.com/office/drawing/2014/main" id="{A951563A-F00C-47F5-8B2F-346A5F0240E8}"/>
-                  </a:ext>
-                </a:extLst>
-              </p:cNvPr>
-              <p:cNvSpPr>
-                <a:spLocks noRot="1" noChangeAspect="1" noMove="1" noResize="1" noEditPoints="1" noAdjustHandles="1" noChangeArrowheads="1" noChangeShapeType="1" noTextEdit="1"/>
-              </p:cNvSpPr>
-              <p:nvPr/>
-            </p:nvSpPr>
-            <p:spPr>
-              <a:xfrm>
-                <a:off x="720240" y="4421263"/>
-                <a:ext cx="4819012" cy="827471"/>
-              </a:xfrm>
-              <a:prstGeom prst="rect">
-                <a:avLst/>
-              </a:prstGeom>
-              <a:blipFill>
-                <a:blip r:embed="rId8"/>
-                <a:stretch>
-                  <a:fillRect/>
-                </a:stretch>
-              </a:blipFill>
-            </p:spPr>
-            <p:txBody>
-              <a:bodyPr/>
-              <a:lstStyle/>
-              <a:p>
-                <a:r>
-                  <a:rPr lang="fr-CA">
-                    <a:noFill/>
-                  </a:rPr>
-                  <a:t> </a:t>
-                </a:r>
-              </a:p>
-            </p:txBody>
-          </p:sp>
-        </mc:Fallback>
-      </mc:AlternateContent>
-    </p:spTree>
-    <p:extLst>
-      <p:ext uri="{BB962C8B-B14F-4D97-AF65-F5344CB8AC3E}">
-        <p14:creationId xmlns:p14="http://schemas.microsoft.com/office/powerpoint/2010/main" val="661164466"/>
-      </p:ext>
-    </p:extLst>
-  </p:cSld>
-  <p:clrMapOvr>
-    <a:masterClrMapping/>
-  </p:clrMapOvr>
-  <mc:AlternateContent xmlns:mc="http://schemas.openxmlformats.org/markup-compatibility/2006" xmlns:p159="http://schemas.microsoft.com/office/powerpoint/2015/09/main">
-    <mc:Choice Requires="p159">
-      <p:transition xmlns:p14="http://schemas.microsoft.com/office/powerpoint/2010/main" spd="slow" p14:dur="2000">
-        <p159:morph option="byObject"/>
-      </p:transition>
-    </mc:Choice>
-    <mc:Fallback xmlns="">
-      <p:transition spd="slow">
-        <p:fade/>
-      </p:transition>
-    </mc:Fallback>
-  </mc:AlternateContent>
 </p:sld>
 </file>
 
@@ -15903,8 +14871,8 @@
           </p:sp>
         </mc:Fallback>
       </mc:AlternateContent>
-      <mc:AlternateContent xmlns:mc="http://schemas.openxmlformats.org/markup-compatibility/2006" xmlns:a14="http://schemas.microsoft.com/office/drawing/2010/main">
-        <mc:Choice Requires="a14">
+      <mc:AlternateContent xmlns:mc="http://schemas.openxmlformats.org/markup-compatibility/2006">
+        <mc:Choice xmlns:a14="http://schemas.microsoft.com/office/drawing/2010/main" Requires="a14">
           <p:sp>
             <p:nvSpPr>
               <p:cNvPr id="3" name="Rectangle 2">
@@ -15920,7 +14888,7 @@
             <p:spPr>
               <a:xfrm>
                 <a:off x="3675837" y="2751214"/>
-                <a:ext cx="1269771" cy="523220"/>
+                <a:ext cx="1269771" cy="534762"/>
               </a:xfrm>
               <a:prstGeom prst="rect">
                 <a:avLst/>
@@ -15940,17 +14908,29 @@
                     </m:oMathParaPr>
                     <m:oMath xmlns:m="http://schemas.openxmlformats.org/officeDocument/2006/math">
                       <m:r>
-                        <a:rPr lang="en-CA" sz="2800" i="1">
+                        <a:rPr lang="en-CA" sz="2800" i="1" smtClean="0">
                           <a:latin typeface="Cambria Math" panose="02040503050406030204" pitchFamily="18" charset="0"/>
                         </a:rPr>
                         <m:t>+</m:t>
                       </m:r>
-                      <m:r>
-                        <a:rPr lang="en-CA" sz="2800" i="1">
-                          <a:latin typeface="Cambria Math" panose="02040503050406030204" pitchFamily="18" charset="0"/>
-                        </a:rPr>
-                        <m:t>𝑉</m:t>
-                      </m:r>
+                      <m:acc>
+                        <m:accPr>
+                          <m:chr m:val="̂"/>
+                          <m:ctrlPr>
+                            <a:rPr lang="fr-CA" sz="2800" b="0" i="1" smtClean="0">
+                              <a:latin typeface="Cambria Math" panose="02040503050406030204" pitchFamily="18" charset="0"/>
+                            </a:rPr>
+                          </m:ctrlPr>
+                        </m:accPr>
+                        <m:e>
+                          <m:r>
+                            <a:rPr lang="en-CA" sz="2800" i="1">
+                              <a:latin typeface="Cambria Math" panose="02040503050406030204" pitchFamily="18" charset="0"/>
+                            </a:rPr>
+                            <m:t>𝑉</m:t>
+                          </m:r>
+                        </m:e>
+                      </m:acc>
                       <m:r>
                         <a:rPr lang="en-CA" sz="2800" i="1">
                           <a:latin typeface="Cambria Math" panose="02040503050406030204" pitchFamily="18" charset="0"/>
@@ -15977,7 +14957,7 @@
             </p:txBody>
           </p:sp>
         </mc:Choice>
-        <mc:Fallback xmlns="">
+        <mc:Fallback>
           <p:sp>
             <p:nvSpPr>
               <p:cNvPr id="3" name="Rectangle 2">
@@ -15995,7 +14975,7 @@
             <p:spPr>
               <a:xfrm>
                 <a:off x="3675837" y="2751214"/>
-                <a:ext cx="1269771" cy="523220"/>
+                <a:ext cx="1269771" cy="534762"/>
               </a:xfrm>
               <a:prstGeom prst="rect">
                 <a:avLst/>
@@ -16012,7 +14992,7 @@
               <a:lstStyle/>
               <a:p>
                 <a:r>
-                  <a:rPr lang="en-CA">
+                  <a:rPr lang="en-US">
                     <a:noFill/>
                   </a:rPr>
                   <a:t> </a:t>
@@ -16717,10 +15697,10 @@
         <mc:Choice Requires="a14">
           <p:sp>
             <p:nvSpPr>
-              <p:cNvPr id="9" name="Rectangle 8">
+              <p:cNvPr id="12" name="Rectangle 11">
                 <a:extLst>
                   <a:ext uri="{FF2B5EF4-FFF2-40B4-BE49-F238E27FC236}">
-                    <a16:creationId xmlns:a16="http://schemas.microsoft.com/office/drawing/2014/main" id="{6A5CBC5C-E4A0-4C67-95D0-75A0ADB995AE}"/>
+                    <a16:creationId xmlns:a16="http://schemas.microsoft.com/office/drawing/2014/main" id="{78CB3FC2-C935-44BE-83D1-7B5725374C80}"/>
                   </a:ext>
                 </a:extLst>
               </p:cNvPr>
@@ -16729,15 +15709,15 @@
             </p:nvSpPr>
             <p:spPr>
               <a:xfrm>
-                <a:off x="1716849" y="3505046"/>
-                <a:ext cx="2518766" cy="523220"/>
+                <a:off x="1464193" y="3499104"/>
+                <a:ext cx="3435941" cy="1062150"/>
               </a:xfrm>
               <a:prstGeom prst="rect">
                 <a:avLst/>
               </a:prstGeom>
             </p:spPr>
             <p:txBody>
-              <a:bodyPr wrap="none">
+              <a:bodyPr wrap="square">
                 <a:spAutoFit/>
               </a:bodyPr>
               <a:lstStyle/>
@@ -16749,6 +15729,24 @@
                       <m:jc m:val="left"/>
                     </m:oMathParaPr>
                     <m:oMath xmlns:m="http://schemas.openxmlformats.org/officeDocument/2006/math">
+                      <m:acc>
+                        <m:accPr>
+                          <m:chr m:val="̂"/>
+                          <m:ctrlPr>
+                            <a:rPr lang="en-CA" sz="2800" b="0" i="1" smtClean="0">
+                              <a:latin typeface="Cambria Math" panose="02040503050406030204" pitchFamily="18" charset="0"/>
+                            </a:rPr>
+                          </m:ctrlPr>
+                        </m:accPr>
+                        <m:e>
+                          <m:r>
+                            <a:rPr lang="en-CA" sz="2800" b="0" i="1" smtClean="0">
+                              <a:latin typeface="Cambria Math" panose="02040503050406030204" pitchFamily="18" charset="0"/>
+                            </a:rPr>
+                            <m:t>𝐻</m:t>
+                          </m:r>
+                        </m:e>
+                      </m:acc>
                       <m:r>
                         <m:rPr>
                           <m:sty m:val="p"/>
@@ -16777,7 +15775,7 @@
                         <m:t>)=</m:t>
                       </m:r>
                       <m:r>
-                        <a:rPr lang="en-CA" sz="2800" b="0" i="1" smtClean="0">
+                        <a:rPr lang="en-CA" sz="2800" i="1">
                           <a:latin typeface="Cambria Math" panose="02040503050406030204" pitchFamily="18" charset="0"/>
                         </a:rPr>
                         <m:t>𝐸</m:t>
@@ -16786,29 +15784,58 @@
                         <m:rPr>
                           <m:sty m:val="p"/>
                         </m:rPr>
-                        <a:rPr lang="en-CA" sz="2800" b="0" i="0" smtClean="0">
+                        <a:rPr lang="en-CA" sz="2800">
                           <a:latin typeface="Cambria Math" panose="02040503050406030204" pitchFamily="18" charset="0"/>
                         </a:rPr>
                         <m:t>Ψ</m:t>
                       </m:r>
                       <m:r>
-                        <a:rPr lang="en-CA" sz="2800" b="0" i="1" smtClean="0">
+                        <a:rPr lang="en-CA" sz="2800" i="1">
                           <a:latin typeface="Cambria Math" panose="02040503050406030204" pitchFamily="18" charset="0"/>
                         </a:rPr>
                         <m:t>(</m:t>
                       </m:r>
                       <m:r>
-                        <a:rPr lang="en-CA" sz="2800" b="0" i="1" smtClean="0">
+                        <a:rPr lang="en-CA" sz="2800" i="1">
                           <a:latin typeface="Cambria Math" panose="02040503050406030204" pitchFamily="18" charset="0"/>
                         </a:rPr>
                         <m:t>𝑥</m:t>
                       </m:r>
                       <m:r>
-                        <a:rPr lang="en-CA" sz="2800" b="0" i="1" smtClean="0">
+                        <a:rPr lang="en-CA" sz="2800" i="1">
                           <a:latin typeface="Cambria Math" panose="02040503050406030204" pitchFamily="18" charset="0"/>
                         </a:rPr>
                         <m:t>)</m:t>
                       </m:r>
+                      <m:f>
+                        <m:fPr>
+                          <m:ctrlPr>
+                            <a:rPr lang="en-CA" sz="2800" b="0" i="1" smtClean="0">
+                              <a:solidFill>
+                                <a:schemeClr val="bg1"/>
+                              </a:solidFill>
+                              <a:latin typeface="Cambria Math" panose="02040503050406030204" pitchFamily="18" charset="0"/>
+                            </a:rPr>
+                          </m:ctrlPr>
+                        </m:fPr>
+                        <m:num>
+                          <m:sSup>
+                            <m:sSupPr>
+                              <m:ctrlPr>
+                                <a:rPr lang="en-CA" sz="2800" i="1">
+                                  <a:solidFill>
+                                    <a:schemeClr val="bg1"/>
+                                  </a:solidFill>
+                                  <a:latin typeface="Cambria Math" panose="02040503050406030204" pitchFamily="18" charset="0"/>
+                                </a:rPr>
+                              </m:ctrlPr>
+                            </m:sSupPr>
+                            <m:e/>
+                            <m:sup/>
+                          </m:sSup>
+                        </m:num>
+                        <m:den/>
+                      </m:f>
                     </m:oMath>
                   </m:oMathPara>
                 </a14:m>
@@ -16820,10 +15847,10 @@
         <mc:Fallback xmlns="">
           <p:sp>
             <p:nvSpPr>
-              <p:cNvPr id="9" name="Rectangle 8">
+              <p:cNvPr id="12" name="Rectangle 11">
                 <a:extLst>
                   <a:ext uri="{FF2B5EF4-FFF2-40B4-BE49-F238E27FC236}">
-                    <a16:creationId xmlns:a16="http://schemas.microsoft.com/office/drawing/2014/main" id="{6A5CBC5C-E4A0-4C67-95D0-75A0ADB995AE}"/>
+                    <a16:creationId xmlns:a16="http://schemas.microsoft.com/office/drawing/2014/main" id="{78CB3FC2-C935-44BE-83D1-7B5725374C80}"/>
                   </a:ext>
                 </a:extLst>
               </p:cNvPr>
@@ -16834,8 +15861,8 @@
             </p:nvSpPr>
             <p:spPr>
               <a:xfrm>
-                <a:off x="1716849" y="3505046"/>
-                <a:ext cx="2518766" cy="523220"/>
+                <a:off x="1464193" y="3499104"/>
+                <a:ext cx="3435941" cy="1062150"/>
               </a:xfrm>
               <a:prstGeom prst="rect">
                 <a:avLst/>
@@ -16852,114 +15879,7 @@
               <a:lstStyle/>
               <a:p>
                 <a:r>
-                  <a:rPr lang="en-CA">
-                    <a:noFill/>
-                  </a:rPr>
-                  <a:t> </a:t>
-                </a:r>
-              </a:p>
-            </p:txBody>
-          </p:sp>
-        </mc:Fallback>
-      </mc:AlternateContent>
-      <mc:AlternateContent xmlns:mc="http://schemas.openxmlformats.org/markup-compatibility/2006" xmlns:a14="http://schemas.microsoft.com/office/drawing/2010/main">
-        <mc:Choice Requires="a14">
-          <p:sp>
-            <p:nvSpPr>
-              <p:cNvPr id="3" name="Rectangle 2">
-                <a:extLst>
-                  <a:ext uri="{FF2B5EF4-FFF2-40B4-BE49-F238E27FC236}">
-                    <a16:creationId xmlns:a16="http://schemas.microsoft.com/office/drawing/2014/main" id="{2DEF5E58-DB54-4E32-962E-F96841CABFEA}"/>
-                  </a:ext>
-                </a:extLst>
-              </p:cNvPr>
-              <p:cNvSpPr/>
-              <p:nvPr/>
-            </p:nvSpPr>
-            <p:spPr>
-              <a:xfrm>
-                <a:off x="1357142" y="3505046"/>
-                <a:ext cx="538224" cy="534762"/>
-              </a:xfrm>
-              <a:prstGeom prst="rect">
-                <a:avLst/>
-              </a:prstGeom>
-            </p:spPr>
-            <p:txBody>
-              <a:bodyPr wrap="none">
-                <a:spAutoFit/>
-              </a:bodyPr>
-              <a:lstStyle/>
-              <a:p>
-                <a:pPr/>
-                <a14:m>
-                  <m:oMathPara xmlns:m="http://schemas.openxmlformats.org/officeDocument/2006/math">
-                    <m:oMathParaPr>
-                      <m:jc m:val="centerGroup"/>
-                    </m:oMathParaPr>
-                    <m:oMath xmlns:m="http://schemas.openxmlformats.org/officeDocument/2006/math">
-                      <m:acc>
-                        <m:accPr>
-                          <m:chr m:val="̂"/>
-                          <m:ctrlPr>
-                            <a:rPr lang="en-CA" sz="2800" i="1">
-                              <a:latin typeface="Cambria Math" panose="02040503050406030204" pitchFamily="18" charset="0"/>
-                            </a:rPr>
-                          </m:ctrlPr>
-                        </m:accPr>
-                        <m:e>
-                          <m:r>
-                            <a:rPr lang="en-CA" sz="2800" i="1">
-                              <a:latin typeface="Cambria Math" panose="02040503050406030204" pitchFamily="18" charset="0"/>
-                            </a:rPr>
-                            <m:t>𝐻</m:t>
-                          </m:r>
-                        </m:e>
-                      </m:acc>
-                    </m:oMath>
-                  </m:oMathPara>
-                </a14:m>
-                <a:endParaRPr lang="en-CA" sz="2800" dirty="0"/>
-              </a:p>
-            </p:txBody>
-          </p:sp>
-        </mc:Choice>
-        <mc:Fallback xmlns="">
-          <p:sp>
-            <p:nvSpPr>
-              <p:cNvPr id="3" name="Rectangle 2">
-                <a:extLst>
-                  <a:ext uri="{FF2B5EF4-FFF2-40B4-BE49-F238E27FC236}">
-                    <a16:creationId xmlns:a16="http://schemas.microsoft.com/office/drawing/2014/main" id="{2DEF5E58-DB54-4E32-962E-F96841CABFEA}"/>
-                  </a:ext>
-                </a:extLst>
-              </p:cNvPr>
-              <p:cNvSpPr>
-                <a:spLocks noRot="1" noChangeAspect="1" noMove="1" noResize="1" noEditPoints="1" noAdjustHandles="1" noChangeArrowheads="1" noChangeShapeType="1" noTextEdit="1"/>
-              </p:cNvSpPr>
-              <p:nvPr/>
-            </p:nvSpPr>
-            <p:spPr>
-              <a:xfrm>
-                <a:off x="1357142" y="3505046"/>
-                <a:ext cx="538224" cy="534762"/>
-              </a:xfrm>
-              <a:prstGeom prst="rect">
-                <a:avLst/>
-              </a:prstGeom>
-              <a:blipFill>
-                <a:blip r:embed="rId7"/>
-                <a:stretch>
-                  <a:fillRect/>
-                </a:stretch>
-              </a:blipFill>
-            </p:spPr>
-            <p:txBody>
-              <a:bodyPr/>
-              <a:lstStyle/>
-              <a:p>
-                <a:r>
-                  <a:rPr lang="en-CA">
+                  <a:rPr lang="fr-CA">
                     <a:noFill/>
                   </a:rPr>
                   <a:t> </a:t>
@@ -16972,7 +15892,7 @@
     </p:spTree>
     <p:extLst>
       <p:ext uri="{BB962C8B-B14F-4D97-AF65-F5344CB8AC3E}">
-        <p14:creationId xmlns:p14="http://schemas.microsoft.com/office/powerpoint/2010/main" val="4060345345"/>
+        <p14:creationId xmlns:p14="http://schemas.microsoft.com/office/powerpoint/2010/main" val="1779955649"/>
       </p:ext>
     </p:extLst>
   </p:cSld>
@@ -17435,10 +16355,10 @@
         <mc:Choice xmlns:a14="http://schemas.microsoft.com/office/drawing/2010/main" Requires="a14">
           <p:sp>
             <p:nvSpPr>
-              <p:cNvPr id="12" name="Rectangle 11">
+              <p:cNvPr id="9" name="!!!Rectangle 8">
                 <a:extLst>
                   <a:ext uri="{FF2B5EF4-FFF2-40B4-BE49-F238E27FC236}">
-                    <a16:creationId xmlns:a16="http://schemas.microsoft.com/office/drawing/2014/main" id="{78CB3FC2-C935-44BE-83D1-7B5725374C80}"/>
+                    <a16:creationId xmlns:a16="http://schemas.microsoft.com/office/drawing/2014/main" id="{6A5CBC5C-E4A0-4C67-95D0-75A0ADB995AE}"/>
                   </a:ext>
                 </a:extLst>
               </p:cNvPr>
@@ -17447,15 +16367,15 @@
             </p:nvSpPr>
             <p:spPr>
               <a:xfrm>
-                <a:off x="1464193" y="3499104"/>
-                <a:ext cx="3435941" cy="1062150"/>
+                <a:off x="2033372" y="3510973"/>
+                <a:ext cx="2345579" cy="523220"/>
               </a:xfrm>
               <a:prstGeom prst="rect">
                 <a:avLst/>
               </a:prstGeom>
             </p:spPr>
             <p:txBody>
-              <a:bodyPr wrap="square">
+              <a:bodyPr wrap="none">
                 <a:spAutoFit/>
               </a:bodyPr>
               <a:lstStyle/>
@@ -17467,24 +16387,24 @@
                       <m:jc m:val="left"/>
                     </m:oMathParaPr>
                     <m:oMath xmlns:m="http://schemas.openxmlformats.org/officeDocument/2006/math">
-                      <m:acc>
-                        <m:accPr>
-                          <m:chr m:val="̂"/>
-                          <m:ctrlPr>
-                            <a:rPr lang="en-CA" sz="2800" b="0" i="1" smtClean="0">
-                              <a:latin typeface="Cambria Math" panose="02040503050406030204" pitchFamily="18" charset="0"/>
-                            </a:rPr>
-                          </m:ctrlPr>
-                        </m:accPr>
-                        <m:e>
-                          <m:r>
-                            <a:rPr lang="en-CA" sz="2800" b="0" i="1" smtClean="0">
-                              <a:latin typeface="Cambria Math" panose="02040503050406030204" pitchFamily="18" charset="0"/>
-                            </a:rPr>
-                            <m:t>𝐻</m:t>
-                          </m:r>
-                        </m:e>
-                      </m:acc>
+                      <m:r>
+                        <a:rPr lang="en-CA" sz="2800" b="0" i="1" smtClean="0">
+                          <a:latin typeface="Cambria Math" panose="02040503050406030204" pitchFamily="18" charset="0"/>
+                        </a:rPr>
+                        <m:t>         </m:t>
+                      </m:r>
+                      <m:r>
+                        <a:rPr lang="en-CA" sz="2800" i="1">
+                          <a:latin typeface="Cambria Math" panose="02040503050406030204" pitchFamily="18" charset="0"/>
+                        </a:rPr>
+                        <m:t>=</m:t>
+                      </m:r>
+                      <m:r>
+                        <a:rPr lang="en-CA" sz="2800" b="0" i="1" smtClean="0">
+                          <a:latin typeface="Cambria Math" panose="02040503050406030204" pitchFamily="18" charset="0"/>
+                        </a:rPr>
+                        <m:t>𝐸</m:t>
+                      </m:r>
                       <m:r>
                         <m:rPr>
                           <m:sty m:val="p"/>
@@ -17510,70 +16430,8 @@
                         <a:rPr lang="en-CA" sz="2800" b="0" i="1" smtClean="0">
                           <a:latin typeface="Cambria Math" panose="02040503050406030204" pitchFamily="18" charset="0"/>
                         </a:rPr>
-                        <m:t>)=</m:t>
-                      </m:r>
-                      <m:r>
-                        <a:rPr lang="en-CA" sz="2800" i="1">
-                          <a:latin typeface="Cambria Math" panose="02040503050406030204" pitchFamily="18" charset="0"/>
-                        </a:rPr>
-                        <m:t>𝐸</m:t>
-                      </m:r>
-                      <m:r>
-                        <m:rPr>
-                          <m:sty m:val="p"/>
-                        </m:rPr>
-                        <a:rPr lang="en-CA" sz="2800">
-                          <a:latin typeface="Cambria Math" panose="02040503050406030204" pitchFamily="18" charset="0"/>
-                        </a:rPr>
-                        <m:t>Ψ</m:t>
-                      </m:r>
-                      <m:r>
-                        <a:rPr lang="en-CA" sz="2800" i="1">
-                          <a:latin typeface="Cambria Math" panose="02040503050406030204" pitchFamily="18" charset="0"/>
-                        </a:rPr>
-                        <m:t>(</m:t>
-                      </m:r>
-                      <m:r>
-                        <a:rPr lang="en-CA" sz="2800" i="1">
-                          <a:latin typeface="Cambria Math" panose="02040503050406030204" pitchFamily="18" charset="0"/>
-                        </a:rPr>
-                        <m:t>𝑥</m:t>
-                      </m:r>
-                      <m:r>
-                        <a:rPr lang="en-CA" sz="2800" i="1">
-                          <a:latin typeface="Cambria Math" panose="02040503050406030204" pitchFamily="18" charset="0"/>
-                        </a:rPr>
                         <m:t>)</m:t>
                       </m:r>
-                      <m:f>
-                        <m:fPr>
-                          <m:ctrlPr>
-                            <a:rPr lang="en-CA" sz="2800" b="0" i="1" smtClean="0">
-                              <a:solidFill>
-                                <a:schemeClr val="bg1"/>
-                              </a:solidFill>
-                              <a:latin typeface="Cambria Math" panose="02040503050406030204" pitchFamily="18" charset="0"/>
-                            </a:rPr>
-                          </m:ctrlPr>
-                        </m:fPr>
-                        <m:num>
-                          <m:sSup>
-                            <m:sSupPr>
-                              <m:ctrlPr>
-                                <a:rPr lang="en-CA" sz="2800" i="1">
-                                  <a:solidFill>
-                                    <a:schemeClr val="bg1"/>
-                                  </a:solidFill>
-                                  <a:latin typeface="Cambria Math" panose="02040503050406030204" pitchFamily="18" charset="0"/>
-                                </a:rPr>
-                              </m:ctrlPr>
-                            </m:sSupPr>
-                            <m:e/>
-                            <m:sup/>
-                          </m:sSup>
-                        </m:num>
-                        <m:den/>
-                      </m:f>
                     </m:oMath>
                   </m:oMathPara>
                 </a14:m>
@@ -17585,10 +16443,10 @@
         <mc:Fallback>
           <p:sp>
             <p:nvSpPr>
-              <p:cNvPr id="12" name="Rectangle 11">
+              <p:cNvPr id="9" name="!!!Rectangle 8">
                 <a:extLst>
                   <a:ext uri="{FF2B5EF4-FFF2-40B4-BE49-F238E27FC236}">
-                    <a16:creationId xmlns:a16="http://schemas.microsoft.com/office/drawing/2014/main" id="{78CB3FC2-C935-44BE-83D1-7B5725374C80}"/>
+                    <a16:creationId xmlns:a16="http://schemas.microsoft.com/office/drawing/2014/main" id="{6A5CBC5C-E4A0-4C67-95D0-75A0ADB995AE}"/>
                   </a:ext>
                 </a:extLst>
               </p:cNvPr>
@@ -17599,8 +16457,8 @@
             </p:nvSpPr>
             <p:spPr>
               <a:xfrm>
-                <a:off x="1464193" y="3499104"/>
-                <a:ext cx="3435941" cy="1062150"/>
+                <a:off x="2033372" y="3510973"/>
+                <a:ext cx="2345579" cy="523220"/>
               </a:xfrm>
               <a:prstGeom prst="rect">
                 <a:avLst/>
@@ -17617,7 +16475,248 @@
               <a:lstStyle/>
               <a:p>
                 <a:r>
-                  <a:rPr lang="fr-CA">
+                  <a:rPr lang="en-US">
+                    <a:noFill/>
+                  </a:rPr>
+                  <a:t> </a:t>
+                </a:r>
+              </a:p>
+            </p:txBody>
+          </p:sp>
+        </mc:Fallback>
+      </mc:AlternateContent>
+      <mc:AlternateContent xmlns:mc="http://schemas.openxmlformats.org/markup-compatibility/2006">
+        <mc:Choice xmlns:a14="http://schemas.microsoft.com/office/drawing/2010/main" Requires="a14">
+          <p:sp>
+            <p:nvSpPr>
+              <p:cNvPr id="4" name="!!!Rectangle 3">
+                <a:extLst>
+                  <a:ext uri="{FF2B5EF4-FFF2-40B4-BE49-F238E27FC236}">
+                    <a16:creationId xmlns:a16="http://schemas.microsoft.com/office/drawing/2014/main" id="{E58A06A9-AD25-449B-9F9C-95AF3238005C}"/>
+                  </a:ext>
+                </a:extLst>
+              </p:cNvPr>
+              <p:cNvSpPr/>
+              <p:nvPr/>
+            </p:nvSpPr>
+            <p:spPr>
+              <a:xfrm>
+                <a:off x="165376" y="3288191"/>
+                <a:ext cx="2597634" cy="956929"/>
+              </a:xfrm>
+              <a:prstGeom prst="rect">
+                <a:avLst/>
+              </a:prstGeom>
+            </p:spPr>
+            <p:txBody>
+              <a:bodyPr wrap="none">
+                <a:spAutoFit/>
+              </a:bodyPr>
+              <a:lstStyle/>
+              <a:p>
+                <a:pPr/>
+                <a14:m>
+                  <m:oMathPara xmlns:m="http://schemas.openxmlformats.org/officeDocument/2006/math">
+                    <m:oMathParaPr>
+                      <m:jc m:val="centerGroup"/>
+                    </m:oMathParaPr>
+                    <m:oMath xmlns:m="http://schemas.openxmlformats.org/officeDocument/2006/math">
+                      <m:r>
+                        <a:rPr lang="en-CA" sz="2800" i="1">
+                          <a:latin typeface="Cambria Math" panose="02040503050406030204" pitchFamily="18" charset="0"/>
+                        </a:rPr>
+                        <m:t>−</m:t>
+                      </m:r>
+                      <m:f>
+                        <m:fPr>
+                          <m:ctrlPr>
+                            <a:rPr lang="en-CA" sz="2800" i="1">
+                              <a:latin typeface="Cambria Math" panose="02040503050406030204" pitchFamily="18" charset="0"/>
+                            </a:rPr>
+                          </m:ctrlPr>
+                        </m:fPr>
+                        <m:num>
+                          <m:sSup>
+                            <m:sSupPr>
+                              <m:ctrlPr>
+                                <a:rPr lang="en-CA" sz="2800" i="1">
+                                  <a:latin typeface="Cambria Math" panose="02040503050406030204" pitchFamily="18" charset="0"/>
+                                </a:rPr>
+                              </m:ctrlPr>
+                            </m:sSupPr>
+                            <m:e>
+                              <m:r>
+                                <a:rPr lang="en-CA" sz="2800" i="1">
+                                  <a:latin typeface="Cambria Math" panose="02040503050406030204" pitchFamily="18" charset="0"/>
+                                </a:rPr>
+                                <m:t>ℏ</m:t>
+                              </m:r>
+                            </m:e>
+                            <m:sup>
+                              <m:r>
+                                <a:rPr lang="en-CA" sz="2800" i="1">
+                                  <a:latin typeface="Cambria Math" panose="02040503050406030204" pitchFamily="18" charset="0"/>
+                                </a:rPr>
+                                <m:t>2</m:t>
+                              </m:r>
+                            </m:sup>
+                          </m:sSup>
+                        </m:num>
+                        <m:den>
+                          <m:r>
+                            <a:rPr lang="en-CA" sz="2800" i="1">
+                              <a:latin typeface="Cambria Math" panose="02040503050406030204" pitchFamily="18" charset="0"/>
+                            </a:rPr>
+                            <m:t>2</m:t>
+                          </m:r>
+                          <m:r>
+                            <a:rPr lang="en-CA" sz="2800" i="1">
+                              <a:latin typeface="Cambria Math" panose="02040503050406030204" pitchFamily="18" charset="0"/>
+                            </a:rPr>
+                            <m:t>𝑚</m:t>
+                          </m:r>
+                        </m:den>
+                      </m:f>
+                      <m:f>
+                        <m:fPr>
+                          <m:ctrlPr>
+                            <a:rPr lang="en-CA" sz="2800" i="1">
+                              <a:latin typeface="Cambria Math" panose="02040503050406030204" pitchFamily="18" charset="0"/>
+                            </a:rPr>
+                          </m:ctrlPr>
+                        </m:fPr>
+                        <m:num>
+                          <m:sSup>
+                            <m:sSupPr>
+                              <m:ctrlPr>
+                                <a:rPr lang="en-CA" sz="2800" i="1">
+                                  <a:latin typeface="Cambria Math" panose="02040503050406030204" pitchFamily="18" charset="0"/>
+                                </a:rPr>
+                              </m:ctrlPr>
+                            </m:sSupPr>
+                            <m:e>
+                              <m:r>
+                                <a:rPr lang="en-CA" sz="2800" i="1">
+                                  <a:latin typeface="Cambria Math" panose="02040503050406030204" pitchFamily="18" charset="0"/>
+                                </a:rPr>
+                                <m:t>𝜕</m:t>
+                              </m:r>
+                            </m:e>
+                            <m:sup>
+                              <m:r>
+                                <a:rPr lang="en-CA" sz="2800" i="1">
+                                  <a:latin typeface="Cambria Math" panose="02040503050406030204" pitchFamily="18" charset="0"/>
+                                </a:rPr>
+                                <m:t>2</m:t>
+                              </m:r>
+                            </m:sup>
+                          </m:sSup>
+                        </m:num>
+                        <m:den>
+                          <m:r>
+                            <a:rPr lang="en-CA" sz="2800" i="1">
+                              <a:latin typeface="Cambria Math" panose="02040503050406030204" pitchFamily="18" charset="0"/>
+                            </a:rPr>
+                            <m:t>𝑑</m:t>
+                          </m:r>
+                          <m:sSup>
+                            <m:sSupPr>
+                              <m:ctrlPr>
+                                <a:rPr lang="en-CA" sz="2800" i="1">
+                                  <a:latin typeface="Cambria Math" panose="02040503050406030204" pitchFamily="18" charset="0"/>
+                                </a:rPr>
+                              </m:ctrlPr>
+                            </m:sSupPr>
+                            <m:e>
+                              <m:r>
+                                <a:rPr lang="en-CA" sz="2800" i="1">
+                                  <a:latin typeface="Cambria Math" panose="02040503050406030204" pitchFamily="18" charset="0"/>
+                                </a:rPr>
+                                <m:t>𝑥</m:t>
+                              </m:r>
+                            </m:e>
+                            <m:sup>
+                              <m:r>
+                                <a:rPr lang="en-CA" sz="2800" i="1">
+                                  <a:latin typeface="Cambria Math" panose="02040503050406030204" pitchFamily="18" charset="0"/>
+                                </a:rPr>
+                                <m:t>2</m:t>
+                              </m:r>
+                            </m:sup>
+                          </m:sSup>
+                        </m:den>
+                      </m:f>
+                      <m:r>
+                        <m:rPr>
+                          <m:sty m:val="p"/>
+                        </m:rPr>
+                        <a:rPr lang="en-CA" sz="2800">
+                          <a:latin typeface="Cambria Math" panose="02040503050406030204" pitchFamily="18" charset="0"/>
+                        </a:rPr>
+                        <m:t>Ψ</m:t>
+                      </m:r>
+                      <m:r>
+                        <a:rPr lang="en-CA" sz="2800" i="1">
+                          <a:latin typeface="Cambria Math" panose="02040503050406030204" pitchFamily="18" charset="0"/>
+                        </a:rPr>
+                        <m:t>(</m:t>
+                      </m:r>
+                      <m:r>
+                        <a:rPr lang="en-CA" sz="2800" i="1">
+                          <a:latin typeface="Cambria Math" panose="02040503050406030204" pitchFamily="18" charset="0"/>
+                        </a:rPr>
+                        <m:t>𝑥</m:t>
+                      </m:r>
+                      <m:r>
+                        <a:rPr lang="en-CA" sz="2800" i="1">
+                          <a:latin typeface="Cambria Math" panose="02040503050406030204" pitchFamily="18" charset="0"/>
+                        </a:rPr>
+                        <m:t>)</m:t>
+                      </m:r>
+                    </m:oMath>
+                  </m:oMathPara>
+                </a14:m>
+                <a:endParaRPr lang="en-CA" sz="2800" dirty="0"/>
+              </a:p>
+            </p:txBody>
+          </p:sp>
+        </mc:Choice>
+        <mc:Fallback>
+          <p:sp>
+            <p:nvSpPr>
+              <p:cNvPr id="4" name="!!!Rectangle 3">
+                <a:extLst>
+                  <a:ext uri="{FF2B5EF4-FFF2-40B4-BE49-F238E27FC236}">
+                    <a16:creationId xmlns:a16="http://schemas.microsoft.com/office/drawing/2014/main" id="{E58A06A9-AD25-449B-9F9C-95AF3238005C}"/>
+                  </a:ext>
+                </a:extLst>
+              </p:cNvPr>
+              <p:cNvSpPr>
+                <a:spLocks noRot="1" noChangeAspect="1" noMove="1" noResize="1" noEditPoints="1" noAdjustHandles="1" noChangeArrowheads="1" noChangeShapeType="1" noTextEdit="1"/>
+              </p:cNvSpPr>
+              <p:nvPr/>
+            </p:nvSpPr>
+            <p:spPr>
+              <a:xfrm>
+                <a:off x="165376" y="3288191"/>
+                <a:ext cx="2597634" cy="956929"/>
+              </a:xfrm>
+              <a:prstGeom prst="rect">
+                <a:avLst/>
+              </a:prstGeom>
+              <a:blipFill>
+                <a:blip r:embed="rId7"/>
+                <a:stretch>
+                  <a:fillRect/>
+                </a:stretch>
+              </a:blipFill>
+            </p:spPr>
+            <p:txBody>
+              <a:bodyPr/>
+              <a:lstStyle/>
+              <a:p>
+                <a:r>
+                  <a:rPr lang="en-US">
                     <a:noFill/>
                   </a:rPr>
                   <a:t> </a:t>
@@ -17630,13 +16729,25 @@
     </p:spTree>
     <p:extLst>
       <p:ext uri="{BB962C8B-B14F-4D97-AF65-F5344CB8AC3E}">
-        <p14:creationId xmlns:p14="http://schemas.microsoft.com/office/powerpoint/2010/main" val="1779955649"/>
+        <p14:creationId xmlns:p14="http://schemas.microsoft.com/office/powerpoint/2010/main" val="3484184806"/>
       </p:ext>
     </p:extLst>
   </p:cSld>
   <p:clrMapOvr>
     <a:masterClrMapping/>
   </p:clrMapOvr>
+  <mc:AlternateContent xmlns:mc="http://schemas.openxmlformats.org/markup-compatibility/2006" xmlns:p159="http://schemas.microsoft.com/office/powerpoint/2015/09/main">
+    <mc:Choice Requires="p159">
+      <p:transition xmlns:p14="http://schemas.microsoft.com/office/powerpoint/2010/main" spd="slow" p14:dur="2000">
+        <p159:morph option="byObject"/>
+      </p:transition>
+    </mc:Choice>
+    <mc:Fallback xmlns="">
+      <p:transition spd="slow">
+        <p:fade/>
+      </p:transition>
+    </mc:Fallback>
+  </mc:AlternateContent>
 </p:sld>
 </file>
 
@@ -17749,20 +16860,12 @@
           <a:lstStyle/>
           <a:p>
             <a:r>
-              <a:rPr lang="en-US" dirty="0" err="1">
-                <a:solidFill>
-                  <a:schemeClr val="bg1"/>
-                </a:solidFill>
-              </a:rPr>
-              <a:t>Équation</a:t>
-            </a:r>
-            <a:r>
               <a:rPr lang="en-US" dirty="0">
                 <a:solidFill>
                   <a:schemeClr val="bg1"/>
                 </a:solidFill>
               </a:rPr>
-              <a:t> de </a:t>
+              <a:t>Solutions </a:t>
             </a:r>
             <a:r>
               <a:rPr lang="en-US" dirty="0" err="1">
@@ -17770,31 +16873,7 @@
                   <a:schemeClr val="bg1"/>
                 </a:solidFill>
               </a:rPr>
-              <a:t>Shrödinger</a:t>
-            </a:r>
-            <a:r>
-              <a:rPr lang="en-US" dirty="0">
-                <a:solidFill>
-                  <a:schemeClr val="bg1"/>
-                </a:solidFill>
-              </a:rPr>
-              <a:t> </a:t>
-            </a:r>
-            <a:r>
-              <a:rPr lang="en-US" dirty="0" err="1">
-                <a:solidFill>
-                  <a:schemeClr val="bg1"/>
-                </a:solidFill>
-              </a:rPr>
-              <a:t>indépendante</a:t>
-            </a:r>
-            <a:r>
-              <a:rPr lang="en-US" dirty="0">
-                <a:solidFill>
-                  <a:schemeClr val="bg1"/>
-                </a:solidFill>
-              </a:rPr>
-              <a:t> du temps</a:t>
+              <a:t>générales</a:t>
             </a:r>
             <a:endParaRPr lang="en-CA" dirty="0">
               <a:solidFill>
@@ -17804,244 +16883,6 @@
           </a:p>
         </p:txBody>
       </p:sp>
-      <mc:AlternateContent xmlns:mc="http://schemas.openxmlformats.org/markup-compatibility/2006" xmlns:a14="http://schemas.microsoft.com/office/drawing/2010/main">
-        <mc:Choice Requires="a14">
-          <p:sp>
-            <p:nvSpPr>
-              <p:cNvPr id="5" name="Rectangle 4">
-                <a:extLst>
-                  <a:ext uri="{FF2B5EF4-FFF2-40B4-BE49-F238E27FC236}">
-                    <a16:creationId xmlns:a16="http://schemas.microsoft.com/office/drawing/2014/main" id="{4C252668-C24B-4CD0-8861-A79843F6365D}"/>
-                  </a:ext>
-                </a:extLst>
-              </p:cNvPr>
-              <p:cNvSpPr/>
-              <p:nvPr/>
-            </p:nvSpPr>
-            <p:spPr>
-              <a:xfrm>
-                <a:off x="1464193" y="2472071"/>
-                <a:ext cx="2496517" cy="956929"/>
-              </a:xfrm>
-              <a:prstGeom prst="rect">
-                <a:avLst/>
-              </a:prstGeom>
-            </p:spPr>
-            <p:txBody>
-              <a:bodyPr wrap="none">
-                <a:spAutoFit/>
-              </a:bodyPr>
-              <a:lstStyle/>
-              <a:p>
-                <a:pPr/>
-                <a14:m>
-                  <m:oMathPara xmlns:m="http://schemas.openxmlformats.org/officeDocument/2006/math">
-                    <m:oMathParaPr>
-                      <m:jc m:val="left"/>
-                    </m:oMathParaPr>
-                    <m:oMath xmlns:m="http://schemas.openxmlformats.org/officeDocument/2006/math">
-                      <m:acc>
-                        <m:accPr>
-                          <m:chr m:val="̂"/>
-                          <m:ctrlPr>
-                            <a:rPr lang="en-CA" sz="2800" b="0" i="1" smtClean="0">
-                              <a:latin typeface="Cambria Math" panose="02040503050406030204" pitchFamily="18" charset="0"/>
-                            </a:rPr>
-                          </m:ctrlPr>
-                        </m:accPr>
-                        <m:e>
-                          <m:r>
-                            <a:rPr lang="en-CA" sz="2800" b="0" i="1" smtClean="0">
-                              <a:latin typeface="Cambria Math" panose="02040503050406030204" pitchFamily="18" charset="0"/>
-                            </a:rPr>
-                            <m:t>𝐻</m:t>
-                          </m:r>
-                        </m:e>
-                      </m:acc>
-                      <m:r>
-                        <a:rPr lang="en-CA" sz="2800" i="1">
-                          <a:latin typeface="Cambria Math" panose="02040503050406030204" pitchFamily="18" charset="0"/>
-                        </a:rPr>
-                        <m:t>=</m:t>
-                      </m:r>
-                      <m:r>
-                        <a:rPr lang="en-CA" sz="2800" b="0" i="1" smtClean="0">
-                          <a:latin typeface="Cambria Math" panose="02040503050406030204" pitchFamily="18" charset="0"/>
-                        </a:rPr>
-                        <m:t>−</m:t>
-                      </m:r>
-                      <m:f>
-                        <m:fPr>
-                          <m:ctrlPr>
-                            <a:rPr lang="en-CA" sz="2800" b="0" i="1" smtClean="0">
-                              <a:latin typeface="Cambria Math" panose="02040503050406030204" pitchFamily="18" charset="0"/>
-                            </a:rPr>
-                          </m:ctrlPr>
-                        </m:fPr>
-                        <m:num>
-                          <m:sSup>
-                            <m:sSupPr>
-                              <m:ctrlPr>
-                                <a:rPr lang="en-CA" sz="2800" i="1">
-                                  <a:latin typeface="Cambria Math" panose="02040503050406030204" pitchFamily="18" charset="0"/>
-                                </a:rPr>
-                              </m:ctrlPr>
-                            </m:sSupPr>
-                            <m:e>
-                              <m:r>
-                                <a:rPr lang="en-CA" sz="2800" i="1">
-                                  <a:latin typeface="Cambria Math" panose="02040503050406030204" pitchFamily="18" charset="0"/>
-                                </a:rPr>
-                                <m:t>ℏ</m:t>
-                              </m:r>
-                            </m:e>
-                            <m:sup>
-                              <m:r>
-                                <a:rPr lang="en-CA" sz="2800" i="1">
-                                  <a:latin typeface="Cambria Math" panose="02040503050406030204" pitchFamily="18" charset="0"/>
-                                </a:rPr>
-                                <m:t>2</m:t>
-                              </m:r>
-                            </m:sup>
-                          </m:sSup>
-                        </m:num>
-                        <m:den>
-                          <m:r>
-                            <a:rPr lang="en-CA" sz="2800" b="0" i="1" smtClean="0">
-                              <a:latin typeface="Cambria Math" panose="02040503050406030204" pitchFamily="18" charset="0"/>
-                            </a:rPr>
-                            <m:t>2</m:t>
-                          </m:r>
-                          <m:r>
-                            <a:rPr lang="en-CA" sz="2800" b="0" i="1" smtClean="0">
-                              <a:latin typeface="Cambria Math" panose="02040503050406030204" pitchFamily="18" charset="0"/>
-                            </a:rPr>
-                            <m:t>𝑚</m:t>
-                          </m:r>
-                        </m:den>
-                      </m:f>
-                      <m:f>
-                        <m:fPr>
-                          <m:ctrlPr>
-                            <a:rPr lang="en-CA" sz="2800" b="0" i="1" smtClean="0">
-                              <a:latin typeface="Cambria Math" panose="02040503050406030204" pitchFamily="18" charset="0"/>
-                            </a:rPr>
-                          </m:ctrlPr>
-                        </m:fPr>
-                        <m:num>
-                          <m:sSup>
-                            <m:sSupPr>
-                              <m:ctrlPr>
-                                <a:rPr lang="en-CA" sz="2800" b="0" i="1" smtClean="0">
-                                  <a:latin typeface="Cambria Math" panose="02040503050406030204" pitchFamily="18" charset="0"/>
-                                </a:rPr>
-                              </m:ctrlPr>
-                            </m:sSupPr>
-                            <m:e>
-                              <m:r>
-                                <a:rPr lang="en-CA" sz="2800" i="1">
-                                  <a:latin typeface="Cambria Math" panose="02040503050406030204" pitchFamily="18" charset="0"/>
-                                </a:rPr>
-                                <m:t>𝜕</m:t>
-                              </m:r>
-                            </m:e>
-                            <m:sup>
-                              <m:r>
-                                <a:rPr lang="en-CA" sz="2800" b="0" i="1" smtClean="0">
-                                  <a:latin typeface="Cambria Math" panose="02040503050406030204" pitchFamily="18" charset="0"/>
-                                </a:rPr>
-                                <m:t>2</m:t>
-                              </m:r>
-                            </m:sup>
-                          </m:sSup>
-                        </m:num>
-                        <m:den>
-                          <m:r>
-                            <a:rPr lang="en-CA" sz="2800" b="0" i="1" smtClean="0">
-                              <a:latin typeface="Cambria Math" panose="02040503050406030204" pitchFamily="18" charset="0"/>
-                            </a:rPr>
-                            <m:t>𝑑</m:t>
-                          </m:r>
-                          <m:sSup>
-                            <m:sSupPr>
-                              <m:ctrlPr>
-                                <a:rPr lang="en-CA" sz="2800" b="0" i="1" smtClean="0">
-                                  <a:latin typeface="Cambria Math" panose="02040503050406030204" pitchFamily="18" charset="0"/>
-                                </a:rPr>
-                              </m:ctrlPr>
-                            </m:sSupPr>
-                            <m:e>
-                              <m:r>
-                                <a:rPr lang="en-CA" sz="2800" b="0" i="1" smtClean="0">
-                                  <a:latin typeface="Cambria Math" panose="02040503050406030204" pitchFamily="18" charset="0"/>
-                                </a:rPr>
-                                <m:t>𝑥</m:t>
-                              </m:r>
-                            </m:e>
-                            <m:sup>
-                              <m:r>
-                                <a:rPr lang="en-CA" sz="2800" b="0" i="1" smtClean="0">
-                                  <a:latin typeface="Cambria Math" panose="02040503050406030204" pitchFamily="18" charset="0"/>
-                                </a:rPr>
-                                <m:t>2</m:t>
-                              </m:r>
-                            </m:sup>
-                          </m:sSup>
-                        </m:den>
-                      </m:f>
-                    </m:oMath>
-                  </m:oMathPara>
-                </a14:m>
-                <a:endParaRPr lang="en-CA" sz="2800" dirty="0"/>
-              </a:p>
-            </p:txBody>
-          </p:sp>
-        </mc:Choice>
-        <mc:Fallback xmlns="">
-          <p:sp>
-            <p:nvSpPr>
-              <p:cNvPr id="5" name="Rectangle 4">
-                <a:extLst>
-                  <a:ext uri="{FF2B5EF4-FFF2-40B4-BE49-F238E27FC236}">
-                    <a16:creationId xmlns:a16="http://schemas.microsoft.com/office/drawing/2014/main" id="{4C252668-C24B-4CD0-8861-A79843F6365D}"/>
-                  </a:ext>
-                </a:extLst>
-              </p:cNvPr>
-              <p:cNvSpPr>
-                <a:spLocks noRot="1" noChangeAspect="1" noMove="1" noResize="1" noEditPoints="1" noAdjustHandles="1" noChangeArrowheads="1" noChangeShapeType="1" noTextEdit="1"/>
-              </p:cNvSpPr>
-              <p:nvPr/>
-            </p:nvSpPr>
-            <p:spPr>
-              <a:xfrm>
-                <a:off x="1464193" y="2472071"/>
-                <a:ext cx="2496517" cy="956929"/>
-              </a:xfrm>
-              <a:prstGeom prst="rect">
-                <a:avLst/>
-              </a:prstGeom>
-              <a:blipFill>
-                <a:blip r:embed="rId4"/>
-                <a:stretch>
-                  <a:fillRect/>
-                </a:stretch>
-              </a:blipFill>
-            </p:spPr>
-            <p:txBody>
-              <a:bodyPr/>
-              <a:lstStyle/>
-              <a:p>
-                <a:r>
-                  <a:rPr lang="en-CA">
-                    <a:noFill/>
-                  </a:rPr>
-                  <a:t> </a:t>
-                </a:r>
-              </a:p>
-            </p:txBody>
-          </p:sp>
-        </mc:Fallback>
-      </mc:AlternateContent>
       <p:pic>
         <p:nvPicPr>
           <p:cNvPr id="8" name="Picture 2">
@@ -18057,7 +16898,7 @@
           <p:nvPr/>
         </p:nvPicPr>
         <p:blipFill>
-          <a:blip r:embed="rId5">
+          <a:blip r:embed="rId4">
             <a:extLst>
               <a:ext uri="{28A0092B-C50C-407E-A947-70E740481C1C}">
                 <a14:useLocalDpi xmlns:a14="http://schemas.microsoft.com/office/drawing/2010/main" val="0"/>
@@ -18089,11 +16930,11 @@
           </a:extLst>
         </p:spPr>
       </p:pic>
-      <mc:AlternateContent xmlns:mc="http://schemas.openxmlformats.org/markup-compatibility/2006" xmlns:a14="http://schemas.microsoft.com/office/drawing/2010/main">
-        <mc:Choice Requires="a14">
+      <mc:AlternateContent xmlns:mc="http://schemas.openxmlformats.org/markup-compatibility/2006">
+        <mc:Choice xmlns:a14="http://schemas.microsoft.com/office/drawing/2010/main" Requires="a14">
           <p:sp>
             <p:nvSpPr>
-              <p:cNvPr id="9" name="Rectangle 8">
+              <p:cNvPr id="9" name="!!!Rectangle 8">
                 <a:extLst>
                   <a:ext uri="{FF2B5EF4-FFF2-40B4-BE49-F238E27FC236}">
                     <a16:creationId xmlns:a16="http://schemas.microsoft.com/office/drawing/2014/main" id="{6A5CBC5C-E4A0-4C67-95D0-75A0ADB995AE}"/>
@@ -18105,8 +16946,8 @@
             </p:nvSpPr>
             <p:spPr>
               <a:xfrm>
-                <a:off x="2033372" y="3510973"/>
-                <a:ext cx="2345579" cy="523220"/>
+                <a:off x="1740295" y="2224102"/>
+                <a:ext cx="2518766" cy="523220"/>
               </a:xfrm>
               <a:prstGeom prst="rect">
                 <a:avLst/>
@@ -18126,16 +16967,31 @@
                     </m:oMathParaPr>
                     <m:oMath xmlns:m="http://schemas.openxmlformats.org/officeDocument/2006/math">
                       <m:r>
+                        <m:rPr>
+                          <m:sty m:val="p"/>
+                        </m:rPr>
+                        <a:rPr lang="en-CA" sz="2800" b="0" i="0" smtClean="0">
+                          <a:latin typeface="Cambria Math" panose="02040503050406030204" pitchFamily="18" charset="0"/>
+                        </a:rPr>
+                        <m:t>Ψ</m:t>
+                      </m:r>
+                      <m:r>
                         <a:rPr lang="en-CA" sz="2800" b="0" i="1" smtClean="0">
                           <a:latin typeface="Cambria Math" panose="02040503050406030204" pitchFamily="18" charset="0"/>
                         </a:rPr>
-                        <m:t>         </m:t>
-                      </m:r>
-                      <m:r>
-                        <a:rPr lang="en-CA" sz="2800" i="1">
-                          <a:latin typeface="Cambria Math" panose="02040503050406030204" pitchFamily="18" charset="0"/>
-                        </a:rPr>
-                        <m:t>=</m:t>
+                        <m:t>(</m:t>
+                      </m:r>
+                      <m:r>
+                        <a:rPr lang="en-CA" sz="2800" b="0" i="1" smtClean="0">
+                          <a:latin typeface="Cambria Math" panose="02040503050406030204" pitchFamily="18" charset="0"/>
+                        </a:rPr>
+                        <m:t>𝑥</m:t>
+                      </m:r>
+                      <m:r>
+                        <a:rPr lang="en-CA" sz="2800" b="0" i="1" smtClean="0">
+                          <a:latin typeface="Cambria Math" panose="02040503050406030204" pitchFamily="18" charset="0"/>
+                        </a:rPr>
+                        <m:t>)=</m:t>
                       </m:r>
                       <m:r>
                         <a:rPr lang="en-CA" sz="2800" b="0" i="1" smtClean="0">
@@ -18178,10 +17034,10 @@
             </p:txBody>
           </p:sp>
         </mc:Choice>
-        <mc:Fallback xmlns="">
+        <mc:Fallback>
           <p:sp>
             <p:nvSpPr>
-              <p:cNvPr id="9" name="Rectangle 8">
+              <p:cNvPr id="9" name="!!!Rectangle 8">
                 <a:extLst>
                   <a:ext uri="{FF2B5EF4-FFF2-40B4-BE49-F238E27FC236}">
                     <a16:creationId xmlns:a16="http://schemas.microsoft.com/office/drawing/2014/main" id="{6A5CBC5C-E4A0-4C67-95D0-75A0ADB995AE}"/>
@@ -18195,14 +17051,14 @@
             </p:nvSpPr>
             <p:spPr>
               <a:xfrm>
-                <a:off x="2033372" y="3510973"/>
-                <a:ext cx="2345579" cy="523220"/>
+                <a:off x="1740295" y="2224102"/>
+                <a:ext cx="2518766" cy="523220"/>
               </a:xfrm>
               <a:prstGeom prst="rect">
                 <a:avLst/>
               </a:prstGeom>
               <a:blipFill>
-                <a:blip r:embed="rId6"/>
+                <a:blip r:embed="rId5"/>
                 <a:stretch>
                   <a:fillRect/>
                 </a:stretch>
@@ -18213,7 +17069,7 @@
               <a:lstStyle/>
               <a:p>
                 <a:r>
-                  <a:rPr lang="en-CA">
+                  <a:rPr lang="en-US">
                     <a:noFill/>
                   </a:rPr>
                   <a:t> </a:t>
@@ -18223,11 +17079,11 @@
           </p:sp>
         </mc:Fallback>
       </mc:AlternateContent>
-      <mc:AlternateContent xmlns:mc="http://schemas.openxmlformats.org/markup-compatibility/2006" xmlns:a14="http://schemas.microsoft.com/office/drawing/2010/main">
-        <mc:Choice Requires="a14">
+      <mc:AlternateContent xmlns:mc="http://schemas.openxmlformats.org/markup-compatibility/2006">
+        <mc:Choice xmlns:a14="http://schemas.microsoft.com/office/drawing/2010/main" Requires="a14">
           <p:sp>
             <p:nvSpPr>
-              <p:cNvPr id="4" name="Rectangle 3">
+              <p:cNvPr id="4" name="!!!Rectangle 3">
                 <a:extLst>
                   <a:ext uri="{FF2B5EF4-FFF2-40B4-BE49-F238E27FC236}">
                     <a16:creationId xmlns:a16="http://schemas.microsoft.com/office/drawing/2014/main" id="{E58A06A9-AD25-449B-9F9C-95AF3238005C}"/>
@@ -18239,8 +17095,8 @@
             </p:nvSpPr>
             <p:spPr>
               <a:xfrm>
-                <a:off x="165376" y="3288191"/>
-                <a:ext cx="2597634" cy="956929"/>
+                <a:off x="271292" y="2224102"/>
+                <a:ext cx="1757469" cy="956929"/>
               </a:xfrm>
               <a:prstGeom prst="rect">
                 <a:avLst/>
@@ -18384,33 +17240,6 @@
                           </m:sSup>
                         </m:den>
                       </m:f>
-                      <m:r>
-                        <m:rPr>
-                          <m:sty m:val="p"/>
-                        </m:rPr>
-                        <a:rPr lang="en-CA" sz="2800">
-                          <a:latin typeface="Cambria Math" panose="02040503050406030204" pitchFamily="18" charset="0"/>
-                        </a:rPr>
-                        <m:t>Ψ</m:t>
-                      </m:r>
-                      <m:r>
-                        <a:rPr lang="en-CA" sz="2800" i="1">
-                          <a:latin typeface="Cambria Math" panose="02040503050406030204" pitchFamily="18" charset="0"/>
-                        </a:rPr>
-                        <m:t>(</m:t>
-                      </m:r>
-                      <m:r>
-                        <a:rPr lang="en-CA" sz="2800" i="1">
-                          <a:latin typeface="Cambria Math" panose="02040503050406030204" pitchFamily="18" charset="0"/>
-                        </a:rPr>
-                        <m:t>𝑥</m:t>
-                      </m:r>
-                      <m:r>
-                        <a:rPr lang="en-CA" sz="2800" i="1">
-                          <a:latin typeface="Cambria Math" panose="02040503050406030204" pitchFamily="18" charset="0"/>
-                        </a:rPr>
-                        <m:t>)</m:t>
-                      </m:r>
                     </m:oMath>
                   </m:oMathPara>
                 </a14:m>
@@ -18419,10 +17248,10 @@
             </p:txBody>
           </p:sp>
         </mc:Choice>
-        <mc:Fallback xmlns="">
+        <mc:Fallback>
           <p:sp>
             <p:nvSpPr>
-              <p:cNvPr id="4" name="Rectangle 3">
+              <p:cNvPr id="4" name="!!!Rectangle 3">
                 <a:extLst>
                   <a:ext uri="{FF2B5EF4-FFF2-40B4-BE49-F238E27FC236}">
                     <a16:creationId xmlns:a16="http://schemas.microsoft.com/office/drawing/2014/main" id="{E58A06A9-AD25-449B-9F9C-95AF3238005C}"/>
@@ -18436,8 +17265,182 @@
             </p:nvSpPr>
             <p:spPr>
               <a:xfrm>
-                <a:off x="165376" y="3288191"/>
-                <a:ext cx="2597634" cy="956929"/>
+                <a:off x="271292" y="2224102"/>
+                <a:ext cx="1757469" cy="956929"/>
+              </a:xfrm>
+              <a:prstGeom prst="rect">
+                <a:avLst/>
+              </a:prstGeom>
+              <a:blipFill>
+                <a:blip r:embed="rId6"/>
+                <a:stretch>
+                  <a:fillRect/>
+                </a:stretch>
+              </a:blipFill>
+            </p:spPr>
+            <p:txBody>
+              <a:bodyPr/>
+              <a:lstStyle/>
+              <a:p>
+                <a:r>
+                  <a:rPr lang="en-US">
+                    <a:noFill/>
+                  </a:rPr>
+                  <a:t> </a:t>
+                </a:r>
+              </a:p>
+            </p:txBody>
+          </p:sp>
+        </mc:Fallback>
+      </mc:AlternateContent>
+      <mc:AlternateContent xmlns:mc="http://schemas.openxmlformats.org/markup-compatibility/2006" xmlns:a14="http://schemas.microsoft.com/office/drawing/2010/main">
+        <mc:Choice Requires="a14">
+          <p:sp>
+            <p:nvSpPr>
+              <p:cNvPr id="11" name="Rectangle 10">
+                <a:extLst>
+                  <a:ext uri="{FF2B5EF4-FFF2-40B4-BE49-F238E27FC236}">
+                    <a16:creationId xmlns:a16="http://schemas.microsoft.com/office/drawing/2014/main" id="{D8B37C00-2D41-4791-B6C4-41FC2EA1160A}"/>
+                  </a:ext>
+                </a:extLst>
+              </p:cNvPr>
+              <p:cNvSpPr/>
+              <p:nvPr/>
+            </p:nvSpPr>
+            <p:spPr>
+              <a:xfrm>
+                <a:off x="480912" y="3587459"/>
+                <a:ext cx="4970720" cy="523220"/>
+              </a:xfrm>
+              <a:prstGeom prst="rect">
+                <a:avLst/>
+              </a:prstGeom>
+            </p:spPr>
+            <p:txBody>
+              <a:bodyPr wrap="none">
+                <a:spAutoFit/>
+              </a:bodyPr>
+              <a:lstStyle/>
+              <a:p>
+                <a:pPr/>
+                <a14:m>
+                  <m:oMathPara xmlns:m="http://schemas.openxmlformats.org/officeDocument/2006/math">
+                    <m:oMathParaPr>
+                      <m:jc m:val="left"/>
+                    </m:oMathParaPr>
+                    <m:oMath xmlns:m="http://schemas.openxmlformats.org/officeDocument/2006/math">
+                      <m:r>
+                        <m:rPr>
+                          <m:sty m:val="p"/>
+                        </m:rPr>
+                        <a:rPr lang="en-CA" sz="2800" b="0" i="0" smtClean="0">
+                          <a:latin typeface="Cambria Math" panose="02040503050406030204" pitchFamily="18" charset="0"/>
+                        </a:rPr>
+                        <m:t>Ψ</m:t>
+                      </m:r>
+                      <m:d>
+                        <m:dPr>
+                          <m:ctrlPr>
+                            <a:rPr lang="en-CA" sz="2800" b="0" i="1" smtClean="0">
+                              <a:latin typeface="Cambria Math" panose="02040503050406030204" pitchFamily="18" charset="0"/>
+                            </a:rPr>
+                          </m:ctrlPr>
+                        </m:dPr>
+                        <m:e>
+                          <m:r>
+                            <a:rPr lang="en-CA" sz="2800" b="0" i="1" smtClean="0">
+                              <a:latin typeface="Cambria Math" panose="02040503050406030204" pitchFamily="18" charset="0"/>
+                            </a:rPr>
+                            <m:t>𝑥</m:t>
+                          </m:r>
+                        </m:e>
+                      </m:d>
+                      <m:r>
+                        <a:rPr lang="en-CA" sz="2800" i="1">
+                          <a:latin typeface="Cambria Math" panose="02040503050406030204" pitchFamily="18" charset="0"/>
+                        </a:rPr>
+                        <m:t>=</m:t>
+                      </m:r>
+                      <m:r>
+                        <a:rPr lang="en-CA" sz="2800" b="0" i="1" smtClean="0">
+                          <a:latin typeface="Cambria Math" panose="02040503050406030204" pitchFamily="18" charset="0"/>
+                        </a:rPr>
+                        <m:t>𝐴𝑠𝑖𝑛</m:t>
+                      </m:r>
+                      <m:d>
+                        <m:dPr>
+                          <m:ctrlPr>
+                            <a:rPr lang="en-CA" sz="2800" b="0" i="1" smtClean="0">
+                              <a:latin typeface="Cambria Math" panose="02040503050406030204" pitchFamily="18" charset="0"/>
+                            </a:rPr>
+                          </m:ctrlPr>
+                        </m:dPr>
+                        <m:e>
+                          <m:r>
+                            <a:rPr lang="en-CA" sz="2800" b="0" i="1" smtClean="0">
+                              <a:latin typeface="Cambria Math" panose="02040503050406030204" pitchFamily="18" charset="0"/>
+                            </a:rPr>
+                            <m:t>𝑘𝑥</m:t>
+                          </m:r>
+                        </m:e>
+                      </m:d>
+                      <m:r>
+                        <a:rPr lang="en-CA" sz="2800" b="0" i="1" smtClean="0">
+                          <a:latin typeface="Cambria Math" panose="02040503050406030204" pitchFamily="18" charset="0"/>
+                        </a:rPr>
+                        <m:t>+</m:t>
+                      </m:r>
+                      <m:r>
+                        <a:rPr lang="en-CA" sz="2800" b="0" i="1" smtClean="0">
+                          <a:latin typeface="Cambria Math" panose="02040503050406030204" pitchFamily="18" charset="0"/>
+                        </a:rPr>
+                        <m:t>𝐵𝑐𝑜𝑠</m:t>
+                      </m:r>
+                      <m:r>
+                        <a:rPr lang="en-CA" sz="2800" b="0" i="1" smtClean="0">
+                          <a:latin typeface="Cambria Math" panose="02040503050406030204" pitchFamily="18" charset="0"/>
+                        </a:rPr>
+                        <m:t>(</m:t>
+                      </m:r>
+                      <m:r>
+                        <a:rPr lang="en-CA" sz="2800" b="0" i="1" smtClean="0">
+                          <a:latin typeface="Cambria Math" panose="02040503050406030204" pitchFamily="18" charset="0"/>
+                        </a:rPr>
+                        <m:t>𝑘𝑥</m:t>
+                      </m:r>
+                      <m:r>
+                        <a:rPr lang="en-CA" sz="2800" b="0" i="1" smtClean="0">
+                          <a:latin typeface="Cambria Math" panose="02040503050406030204" pitchFamily="18" charset="0"/>
+                        </a:rPr>
+                        <m:t>)</m:t>
+                      </m:r>
+                    </m:oMath>
+                  </m:oMathPara>
+                </a14:m>
+                <a:endParaRPr lang="en-CA" sz="2800" dirty="0"/>
+              </a:p>
+            </p:txBody>
+          </p:sp>
+        </mc:Choice>
+        <mc:Fallback xmlns="">
+          <p:sp>
+            <p:nvSpPr>
+              <p:cNvPr id="11" name="Rectangle 10">
+                <a:extLst>
+                  <a:ext uri="{FF2B5EF4-FFF2-40B4-BE49-F238E27FC236}">
+                    <a16:creationId xmlns:a16="http://schemas.microsoft.com/office/drawing/2014/main" id="{D8B37C00-2D41-4791-B6C4-41FC2EA1160A}"/>
+                  </a:ext>
+                </a:extLst>
+              </p:cNvPr>
+              <p:cNvSpPr>
+                <a:spLocks noRot="1" noChangeAspect="1" noMove="1" noResize="1" noEditPoints="1" noAdjustHandles="1" noChangeArrowheads="1" noChangeShapeType="1" noTextEdit="1"/>
+              </p:cNvSpPr>
+              <p:nvPr/>
+            </p:nvSpPr>
+            <p:spPr>
+              <a:xfrm>
+                <a:off x="480912" y="3587459"/>
+                <a:ext cx="4970720" cy="523220"/>
               </a:xfrm>
               <a:prstGeom prst="rect">
                 <a:avLst/>
@@ -18467,7 +17470,7 @@
     </p:spTree>
     <p:extLst>
       <p:ext uri="{BB962C8B-B14F-4D97-AF65-F5344CB8AC3E}">
-        <p14:creationId xmlns:p14="http://schemas.microsoft.com/office/powerpoint/2010/main" val="3484184806"/>
+        <p14:creationId xmlns:p14="http://schemas.microsoft.com/office/powerpoint/2010/main" val="1794115120"/>
       </p:ext>
     </p:extLst>
   </p:cSld>
@@ -19205,10 +18208,252 @@
           </p:sp>
         </mc:Fallback>
       </mc:AlternateContent>
+      <mc:AlternateContent xmlns:mc="http://schemas.openxmlformats.org/markup-compatibility/2006" xmlns:a14="http://schemas.microsoft.com/office/drawing/2010/main">
+        <mc:Choice Requires="a14">
+          <p:sp>
+            <p:nvSpPr>
+              <p:cNvPr id="3" name="!!!eq1">
+                <a:extLst>
+                  <a:ext uri="{FF2B5EF4-FFF2-40B4-BE49-F238E27FC236}">
+                    <a16:creationId xmlns:a16="http://schemas.microsoft.com/office/drawing/2014/main" id="{BEED0626-0AA0-40E5-9C06-759DB6B1517E}"/>
+                  </a:ext>
+                </a:extLst>
+              </p:cNvPr>
+              <p:cNvSpPr/>
+              <p:nvPr/>
+            </p:nvSpPr>
+            <p:spPr>
+              <a:xfrm>
+                <a:off x="480912" y="4409057"/>
+                <a:ext cx="1709763" cy="523220"/>
+              </a:xfrm>
+              <a:prstGeom prst="rect">
+                <a:avLst/>
+              </a:prstGeom>
+            </p:spPr>
+            <p:txBody>
+              <a:bodyPr wrap="none">
+                <a:spAutoFit/>
+              </a:bodyPr>
+              <a:lstStyle/>
+              <a:p>
+                <a:pPr/>
+                <a14:m>
+                  <m:oMathPara xmlns:m="http://schemas.openxmlformats.org/officeDocument/2006/math">
+                    <m:oMathParaPr>
+                      <m:jc m:val="centerGroup"/>
+                    </m:oMathParaPr>
+                    <m:oMath xmlns:m="http://schemas.openxmlformats.org/officeDocument/2006/math">
+                      <m:r>
+                        <m:rPr>
+                          <m:sty m:val="p"/>
+                        </m:rPr>
+                        <a:rPr lang="en-CA" sz="2800" smtClean="0">
+                          <a:latin typeface="Cambria Math" panose="02040503050406030204" pitchFamily="18" charset="0"/>
+                        </a:rPr>
+                        <m:t>Ψ</m:t>
+                      </m:r>
+                      <m:d>
+                        <m:dPr>
+                          <m:ctrlPr>
+                            <a:rPr lang="en-CA" sz="2800" i="1">
+                              <a:latin typeface="Cambria Math" panose="02040503050406030204" pitchFamily="18" charset="0"/>
+                            </a:rPr>
+                          </m:ctrlPr>
+                        </m:dPr>
+                        <m:e>
+                          <m:r>
+                            <a:rPr lang="fr-CA" sz="2800" b="0" i="1" smtClean="0">
+                              <a:latin typeface="Cambria Math" panose="02040503050406030204" pitchFamily="18" charset="0"/>
+                            </a:rPr>
+                            <m:t>0</m:t>
+                          </m:r>
+                        </m:e>
+                      </m:d>
+                      <m:r>
+                        <a:rPr lang="fr-CA" sz="2800" b="0" i="1" smtClean="0">
+                          <a:latin typeface="Cambria Math" panose="02040503050406030204" pitchFamily="18" charset="0"/>
+                        </a:rPr>
+                        <m:t>=0</m:t>
+                      </m:r>
+                    </m:oMath>
+                  </m:oMathPara>
+                </a14:m>
+                <a:endParaRPr lang="fr-CA" sz="2800" dirty="0"/>
+              </a:p>
+            </p:txBody>
+          </p:sp>
+        </mc:Choice>
+        <mc:Fallback xmlns="">
+          <p:sp>
+            <p:nvSpPr>
+              <p:cNvPr id="3" name="!!!eq1">
+                <a:extLst>
+                  <a:ext uri="{FF2B5EF4-FFF2-40B4-BE49-F238E27FC236}">
+                    <a16:creationId xmlns:a16="http://schemas.microsoft.com/office/drawing/2014/main" id="{BEED0626-0AA0-40E5-9C06-759DB6B1517E}"/>
+                  </a:ext>
+                </a:extLst>
+              </p:cNvPr>
+              <p:cNvSpPr>
+                <a:spLocks noRot="1" noChangeAspect="1" noMove="1" noResize="1" noEditPoints="1" noAdjustHandles="1" noChangeArrowheads="1" noChangeShapeType="1" noTextEdit="1"/>
+              </p:cNvSpPr>
+              <p:nvPr/>
+            </p:nvSpPr>
+            <p:spPr>
+              <a:xfrm>
+                <a:off x="480912" y="4409057"/>
+                <a:ext cx="1709763" cy="523220"/>
+              </a:xfrm>
+              <a:prstGeom prst="rect">
+                <a:avLst/>
+              </a:prstGeom>
+              <a:blipFill>
+                <a:blip r:embed="rId8"/>
+                <a:stretch>
+                  <a:fillRect/>
+                </a:stretch>
+              </a:blipFill>
+            </p:spPr>
+            <p:txBody>
+              <a:bodyPr/>
+              <a:lstStyle/>
+              <a:p>
+                <a:r>
+                  <a:rPr lang="fr-CA">
+                    <a:noFill/>
+                  </a:rPr>
+                  <a:t> </a:t>
+                </a:r>
+              </a:p>
+            </p:txBody>
+          </p:sp>
+        </mc:Fallback>
+      </mc:AlternateContent>
+      <mc:AlternateContent xmlns:mc="http://schemas.openxmlformats.org/markup-compatibility/2006" xmlns:a14="http://schemas.microsoft.com/office/drawing/2010/main">
+        <mc:Choice Requires="a14">
+          <p:sp>
+            <p:nvSpPr>
+              <p:cNvPr id="12" name="!!!eq2">
+                <a:extLst>
+                  <a:ext uri="{FF2B5EF4-FFF2-40B4-BE49-F238E27FC236}">
+                    <a16:creationId xmlns:a16="http://schemas.microsoft.com/office/drawing/2014/main" id="{BD7198D3-5F89-48DC-BA52-B2B46F64903E}"/>
+                  </a:ext>
+                </a:extLst>
+              </p:cNvPr>
+              <p:cNvSpPr/>
+              <p:nvPr/>
+            </p:nvSpPr>
+            <p:spPr>
+              <a:xfrm>
+                <a:off x="480912" y="4985791"/>
+                <a:ext cx="1709122" cy="523220"/>
+              </a:xfrm>
+              <a:prstGeom prst="rect">
+                <a:avLst/>
+              </a:prstGeom>
+            </p:spPr>
+            <p:txBody>
+              <a:bodyPr wrap="none">
+                <a:spAutoFit/>
+              </a:bodyPr>
+              <a:lstStyle/>
+              <a:p>
+                <a:pPr/>
+                <a14:m>
+                  <m:oMathPara xmlns:m="http://schemas.openxmlformats.org/officeDocument/2006/math">
+                    <m:oMathParaPr>
+                      <m:jc m:val="centerGroup"/>
+                    </m:oMathParaPr>
+                    <m:oMath xmlns:m="http://schemas.openxmlformats.org/officeDocument/2006/math">
+                      <m:r>
+                        <m:rPr>
+                          <m:sty m:val="p"/>
+                        </m:rPr>
+                        <a:rPr lang="en-CA" sz="2800" smtClean="0">
+                          <a:latin typeface="Cambria Math" panose="02040503050406030204" pitchFamily="18" charset="0"/>
+                        </a:rPr>
+                        <m:t>Ψ</m:t>
+                      </m:r>
+                      <m:d>
+                        <m:dPr>
+                          <m:ctrlPr>
+                            <a:rPr lang="en-CA" sz="2800" i="1">
+                              <a:latin typeface="Cambria Math" panose="02040503050406030204" pitchFamily="18" charset="0"/>
+                            </a:rPr>
+                          </m:ctrlPr>
+                        </m:dPr>
+                        <m:e>
+                          <m:r>
+                            <a:rPr lang="fr-CA" sz="2800" b="0" i="1" smtClean="0">
+                              <a:latin typeface="Cambria Math" panose="02040503050406030204" pitchFamily="18" charset="0"/>
+                            </a:rPr>
+                            <m:t>𝐿</m:t>
+                          </m:r>
+                        </m:e>
+                      </m:d>
+                      <m:r>
+                        <a:rPr lang="fr-CA" sz="2800" b="0" i="1" smtClean="0">
+                          <a:latin typeface="Cambria Math" panose="02040503050406030204" pitchFamily="18" charset="0"/>
+                        </a:rPr>
+                        <m:t>=0</m:t>
+                      </m:r>
+                    </m:oMath>
+                  </m:oMathPara>
+                </a14:m>
+                <a:endParaRPr lang="fr-CA" sz="2800" dirty="0"/>
+              </a:p>
+            </p:txBody>
+          </p:sp>
+        </mc:Choice>
+        <mc:Fallback xmlns="">
+          <p:sp>
+            <p:nvSpPr>
+              <p:cNvPr id="12" name="!!!eq2">
+                <a:extLst>
+                  <a:ext uri="{FF2B5EF4-FFF2-40B4-BE49-F238E27FC236}">
+                    <a16:creationId xmlns:a16="http://schemas.microsoft.com/office/drawing/2014/main" id="{BD7198D3-5F89-48DC-BA52-B2B46F64903E}"/>
+                  </a:ext>
+                </a:extLst>
+              </p:cNvPr>
+              <p:cNvSpPr>
+                <a:spLocks noRot="1" noChangeAspect="1" noMove="1" noResize="1" noEditPoints="1" noAdjustHandles="1" noChangeArrowheads="1" noChangeShapeType="1" noTextEdit="1"/>
+              </p:cNvSpPr>
+              <p:nvPr/>
+            </p:nvSpPr>
+            <p:spPr>
+              <a:xfrm>
+                <a:off x="480912" y="4985791"/>
+                <a:ext cx="1709122" cy="523220"/>
+              </a:xfrm>
+              <a:prstGeom prst="rect">
+                <a:avLst/>
+              </a:prstGeom>
+              <a:blipFill>
+                <a:blip r:embed="rId9"/>
+                <a:stretch>
+                  <a:fillRect/>
+                </a:stretch>
+              </a:blipFill>
+            </p:spPr>
+            <p:txBody>
+              <a:bodyPr/>
+              <a:lstStyle/>
+              <a:p>
+                <a:r>
+                  <a:rPr lang="fr-CA">
+                    <a:noFill/>
+                  </a:rPr>
+                  <a:t> </a:t>
+                </a:r>
+              </a:p>
+            </p:txBody>
+          </p:sp>
+        </mc:Fallback>
+      </mc:AlternateContent>
     </p:spTree>
     <p:extLst>
       <p:ext uri="{BB962C8B-B14F-4D97-AF65-F5344CB8AC3E}">
-        <p14:creationId xmlns:p14="http://schemas.microsoft.com/office/powerpoint/2010/main" val="1794115120"/>
+        <p14:creationId xmlns:p14="http://schemas.microsoft.com/office/powerpoint/2010/main" val="2385407230"/>
       </p:ext>
     </p:extLst>
   </p:cSld>
@@ -19946,8 +19191,8 @@
           </p:sp>
         </mc:Fallback>
       </mc:AlternateContent>
-      <mc:AlternateContent xmlns:mc="http://schemas.openxmlformats.org/markup-compatibility/2006">
-        <mc:Choice xmlns:a14="http://schemas.microsoft.com/office/drawing/2010/main" Requires="a14">
+      <mc:AlternateContent xmlns:mc="http://schemas.openxmlformats.org/markup-compatibility/2006" xmlns:a14="http://schemas.microsoft.com/office/drawing/2010/main">
+        <mc:Choice Requires="a14">
           <p:sp>
             <p:nvSpPr>
               <p:cNvPr id="3" name="!!!eq1">
@@ -19963,7 +19208,7 @@
             <p:spPr>
               <a:xfrm>
                 <a:off x="480912" y="4409057"/>
-                <a:ext cx="1709763" cy="523220"/>
+                <a:ext cx="5484643" cy="523220"/>
               </a:xfrm>
               <a:prstGeom prst="rect">
                 <a:avLst/>
@@ -19975,6 +19220,7 @@
               </a:bodyPr>
               <a:lstStyle/>
               <a:p>
+                <a:pPr/>
                 <a14:m>
                   <m:oMathPara xmlns:m="http://schemas.openxmlformats.org/officeDocument/2006/math">
                     <m:oMathParaPr>
@@ -20004,6 +19250,64 @@
                               <a:latin typeface="Cambria Math" panose="02040503050406030204" pitchFamily="18" charset="0"/>
                             </a:rPr>
                             <m:t>0</m:t>
+                          </m:r>
+                        </m:e>
+                      </m:d>
+                      <m:r>
+                        <a:rPr lang="fr-CA" sz="2800" b="0" i="1" smtClean="0">
+                          <a:latin typeface="Cambria Math" panose="02040503050406030204" pitchFamily="18" charset="0"/>
+                        </a:rPr>
+                        <m:t>=</m:t>
+                      </m:r>
+                      <m:r>
+                        <a:rPr lang="en-CA" sz="2800" i="1">
+                          <a:latin typeface="Cambria Math" panose="02040503050406030204" pitchFamily="18" charset="0"/>
+                        </a:rPr>
+                        <m:t>𝐴𝑠𝑖𝑛</m:t>
+                      </m:r>
+                      <m:d>
+                        <m:dPr>
+                          <m:ctrlPr>
+                            <a:rPr lang="en-CA" sz="2800" i="1">
+                              <a:latin typeface="Cambria Math" panose="02040503050406030204" pitchFamily="18" charset="0"/>
+                            </a:rPr>
+                          </m:ctrlPr>
+                        </m:dPr>
+                        <m:e>
+                          <m:r>
+                            <a:rPr lang="en-CA" sz="2800" i="1">
+                              <a:latin typeface="Cambria Math" panose="02040503050406030204" pitchFamily="18" charset="0"/>
+                            </a:rPr>
+                            <m:t>𝑘𝑥</m:t>
+                          </m:r>
+                        </m:e>
+                      </m:d>
+                      <m:r>
+                        <a:rPr lang="en-CA" sz="2800" i="1">
+                          <a:latin typeface="Cambria Math" panose="02040503050406030204" pitchFamily="18" charset="0"/>
+                        </a:rPr>
+                        <m:t>+</m:t>
+                      </m:r>
+                      <m:r>
+                        <a:rPr lang="en-CA" sz="2800" i="1">
+                          <a:latin typeface="Cambria Math" panose="02040503050406030204" pitchFamily="18" charset="0"/>
+                        </a:rPr>
+                        <m:t>𝐵𝑐𝑜𝑠</m:t>
+                      </m:r>
+                      <m:d>
+                        <m:dPr>
+                          <m:ctrlPr>
+                            <a:rPr lang="en-CA" sz="2800" i="1">
+                              <a:latin typeface="Cambria Math" panose="02040503050406030204" pitchFamily="18" charset="0"/>
+                            </a:rPr>
+                          </m:ctrlPr>
+                        </m:dPr>
+                        <m:e>
+                          <m:r>
+                            <a:rPr lang="en-CA" sz="2800" i="1">
+                              <a:latin typeface="Cambria Math" panose="02040503050406030204" pitchFamily="18" charset="0"/>
+                            </a:rPr>
+                            <m:t>𝑘𝑥</m:t>
                           </m:r>
                         </m:e>
                       </m:d>
@@ -20021,7 +19325,7 @@
             </p:txBody>
           </p:sp>
         </mc:Choice>
-        <mc:Fallback>
+        <mc:Fallback xmlns="">
           <p:sp>
             <p:nvSpPr>
               <p:cNvPr id="3" name="!!!eq1">
@@ -20039,7 +19343,7 @@
             <p:spPr>
               <a:xfrm>
                 <a:off x="480912" y="4409057"/>
-                <a:ext cx="1709763" cy="523220"/>
+                <a:ext cx="5484643" cy="523220"/>
               </a:xfrm>
               <a:prstGeom prst="rect">
                 <a:avLst/>
@@ -20066,8 +19370,8 @@
           </p:sp>
         </mc:Fallback>
       </mc:AlternateContent>
-      <mc:AlternateContent xmlns:mc="http://schemas.openxmlformats.org/markup-compatibility/2006">
-        <mc:Choice xmlns:a14="http://schemas.microsoft.com/office/drawing/2010/main" Requires="a14">
+      <mc:AlternateContent xmlns:mc="http://schemas.openxmlformats.org/markup-compatibility/2006" xmlns:a14="http://schemas.microsoft.com/office/drawing/2010/main">
+        <mc:Choice Requires="a14">
           <p:sp>
             <p:nvSpPr>
               <p:cNvPr id="12" name="!!!eq2">
@@ -20095,6 +19399,7 @@
               </a:bodyPr>
               <a:lstStyle/>
               <a:p>
+                <a:pPr/>
                 <a14:m>
                   <m:oMathPara xmlns:m="http://schemas.openxmlformats.org/officeDocument/2006/math">
                     <m:oMathParaPr>
@@ -20141,7 +19446,7 @@
             </p:txBody>
           </p:sp>
         </mc:Choice>
-        <mc:Fallback>
+        <mc:Fallback xmlns="">
           <p:sp>
             <p:nvSpPr>
               <p:cNvPr id="12" name="!!!eq2">
@@ -20189,7 +19494,7 @@
     </p:spTree>
     <p:extLst>
       <p:ext uri="{BB962C8B-B14F-4D97-AF65-F5344CB8AC3E}">
-        <p14:creationId xmlns:p14="http://schemas.microsoft.com/office/powerpoint/2010/main" val="2385407230"/>
+        <p14:creationId xmlns:p14="http://schemas.microsoft.com/office/powerpoint/2010/main" val="161397985"/>
       </p:ext>
     </p:extLst>
   </p:cSld>
@@ -20416,18 +19721,6 @@
 </file>
 
 <file path=ppt/tags/tag40.xml><?xml version="1.0" encoding="utf-8"?>
-<p:tagLst xmlns:a="http://schemas.openxmlformats.org/drawingml/2006/main" xmlns:r="http://schemas.openxmlformats.org/officeDocument/2006/relationships" xmlns:p="http://schemas.openxmlformats.org/presentationml/2006/main">
-  <p:tag name="NUM" val="2"/>
-</p:tagLst>
-</file>
-
-<file path=ppt/tags/tag41.xml><?xml version="1.0" encoding="utf-8"?>
-<p:tagLst xmlns:a="http://schemas.openxmlformats.org/drawingml/2006/main" xmlns:r="http://schemas.openxmlformats.org/officeDocument/2006/relationships" xmlns:p="http://schemas.openxmlformats.org/presentationml/2006/main">
-  <p:tag name="NUM" val="1"/>
-</p:tagLst>
-</file>
-
-<file path=ppt/tags/tag42.xml><?xml version="1.0" encoding="utf-8"?>
 <p:tagLst xmlns:a="http://schemas.openxmlformats.org/drawingml/2006/main" xmlns:r="http://schemas.openxmlformats.org/officeDocument/2006/relationships" xmlns:p="http://schemas.openxmlformats.org/presentationml/2006/main">
   <p:tag name="NUM" val="2"/>
 </p:tagLst>
